--- a/Topic 1.pptx
+++ b/Topic 1.pptx
@@ -17,6 +17,10 @@
     <p:sldId id="265" r:id="rId11"/>
     <p:sldId id="266" r:id="rId12"/>
     <p:sldId id="267" r:id="rId13"/>
+    <p:sldId id="268" r:id="rId14"/>
+    <p:sldId id="269" r:id="rId15"/>
+    <p:sldId id="270" r:id="rId16"/>
+    <p:sldId id="271" r:id="rId17"/>
   </p:sldIdLst>
   <p:sldSz cx="12192000" cy="6858000"/>
   <p:notesSz cx="6858000" cy="9144000"/>
@@ -3420,7 +3424,7 @@
         </p:nvSpPr>
         <p:spPr>
           <a:xfrm>
-            <a:off x="1448844" y="2299809"/>
+            <a:off x="335662" y="2631113"/>
             <a:ext cx="9144000" cy="1445473"/>
           </a:xfrm>
         </p:spPr>
@@ -3431,14 +3435,30 @@
           <a:lstStyle/>
           <a:p>
             <a:r>
-              <a:rPr lang="en-US" b="1" smtClean="0"/>
-              <a:t>Topic 1: TCP/IP Basics and </a:t>
-            </a:r>
-            <a:r>
-              <a:rPr lang="en-US" b="1" err="1" smtClean="0"/>
-              <a:t>Wireshark</a:t>
-            </a:r>
-            <a:endParaRPr lang="en-US" b="1"/>
+              <a:rPr lang="en-US" b="1" smtClean="0">
+                <a:latin typeface="Times New Roman" panose="02020603050405020304" pitchFamily="18" charset="0"/>
+                <a:cs typeface="Times New Roman" panose="02020603050405020304" pitchFamily="18" charset="0"/>
+              </a:rPr>
+              <a:t>TOPIC </a:t>
+            </a:r>
+            <a:r>
+              <a:rPr lang="en-US" b="1" smtClean="0">
+                <a:latin typeface="Times New Roman" panose="02020603050405020304" pitchFamily="18" charset="0"/>
+                <a:cs typeface="Times New Roman" panose="02020603050405020304" pitchFamily="18" charset="0"/>
+              </a:rPr>
+              <a:t>1: TCP/IP Basics and </a:t>
+            </a:r>
+            <a:r>
+              <a:rPr lang="en-US" b="1" smtClean="0">
+                <a:latin typeface="Times New Roman" panose="02020603050405020304" pitchFamily="18" charset="0"/>
+                <a:cs typeface="Times New Roman" panose="02020603050405020304" pitchFamily="18" charset="0"/>
+              </a:rPr>
+              <a:t>				 Wireshark</a:t>
+            </a:r>
+            <a:endParaRPr lang="en-US" b="1">
+              <a:latin typeface="Times New Roman" panose="02020603050405020304" pitchFamily="18" charset="0"/>
+              <a:cs typeface="Times New Roman" panose="02020603050405020304" pitchFamily="18" charset="0"/>
+            </a:endParaRPr>
           </a:p>
         </p:txBody>
       </p:sp>
@@ -3647,6 +3667,13 @@
   <p:clrMapOvr>
     <a:masterClrMapping/>
   </p:clrMapOvr>
+  <p:timing>
+    <p:tnLst>
+      <p:par>
+        <p:cTn id="1" dur="indefinite" restart="never" nodeType="tmRoot"/>
+      </p:par>
+    </p:tnLst>
+  </p:timing>
 </p:sld>
 </file>
 
@@ -4140,6 +4167,13 @@
   <p:clrMapOvr>
     <a:masterClrMapping/>
   </p:clrMapOvr>
+  <p:timing>
+    <p:tnLst>
+      <p:par>
+        <p:cTn id="1" dur="indefinite" restart="never" nodeType="tmRoot"/>
+      </p:par>
+    </p:tnLst>
+  </p:timing>
 </p:sld>
 </file>
 
@@ -4206,7 +4240,11 @@
             <a:pPr algn="ctr"/>
             <a:r>
               <a:rPr lang="en-US" b="1" smtClean="0"/>
-              <a:t>GIAO THỨC HTTP VÀ HTTPS</a:t>
+              <a:t>CÁC </a:t>
+            </a:r>
+            <a:r>
+              <a:rPr lang="en-US" b="1" smtClean="0"/>
+              <a:t>GIAO THỨC / DỊCH VỤ TRONG TẦNG APPLICATION</a:t>
             </a:r>
             <a:endParaRPr lang="en-US"/>
           </a:p>
@@ -4502,7 +4540,43 @@
                 <a:latin typeface="Times New Roman" panose="02020603050405020304" pitchFamily="18" charset="0"/>
                 <a:cs typeface="Times New Roman" panose="02020603050405020304" pitchFamily="18" charset="0"/>
               </a:rPr>
-              <a:t>Giao thức HTTP và HTTPS là gì?</a:t>
+              <a:t>Giao </a:t>
+            </a:r>
+            <a:r>
+              <a:rPr lang="en-US" sz="2200" b="1" smtClean="0">
+                <a:solidFill>
+                  <a:schemeClr val="accent2">
+                    <a:lumMod val="75000"/>
+                  </a:schemeClr>
+                </a:solidFill>
+                <a:latin typeface="Times New Roman" panose="02020603050405020304" pitchFamily="18" charset="0"/>
+                <a:cs typeface="Times New Roman" panose="02020603050405020304" pitchFamily="18" charset="0"/>
+              </a:rPr>
+              <a:t>thức dịch vụ Web: HTTP </a:t>
+            </a:r>
+            <a:r>
+              <a:rPr lang="en-US" sz="2200" b="1" smtClean="0">
+                <a:solidFill>
+                  <a:schemeClr val="accent2">
+                    <a:lumMod val="75000"/>
+                  </a:schemeClr>
+                </a:solidFill>
+                <a:latin typeface="Times New Roman" panose="02020603050405020304" pitchFamily="18" charset="0"/>
+                <a:cs typeface="Times New Roman" panose="02020603050405020304" pitchFamily="18" charset="0"/>
+              </a:rPr>
+              <a:t>và </a:t>
+            </a:r>
+            <a:r>
+              <a:rPr lang="en-US" sz="2200" b="1" smtClean="0">
+                <a:solidFill>
+                  <a:schemeClr val="accent2">
+                    <a:lumMod val="75000"/>
+                  </a:schemeClr>
+                </a:solidFill>
+                <a:latin typeface="Times New Roman" panose="02020603050405020304" pitchFamily="18" charset="0"/>
+                <a:cs typeface="Times New Roman" panose="02020603050405020304" pitchFamily="18" charset="0"/>
+              </a:rPr>
+              <a:t>HTTPS.</a:t>
             </a:r>
             <a:endParaRPr lang="en-US" sz="2200" b="1">
               <a:solidFill>
@@ -4520,6 +4594,1808 @@
     <p:extLst>
       <p:ext uri="{BB962C8B-B14F-4D97-AF65-F5344CB8AC3E}">
         <p14:creationId xmlns:p14="http://schemas.microsoft.com/office/powerpoint/2010/main" val="60209160"/>
+      </p:ext>
+    </p:extLst>
+  </p:cSld>
+  <p:clrMapOvr>
+    <a:masterClrMapping/>
+  </p:clrMapOvr>
+  <p:timing>
+    <p:tnLst>
+      <p:par>
+        <p:cTn id="1" dur="indefinite" restart="never" nodeType="tmRoot"/>
+      </p:par>
+    </p:tnLst>
+  </p:timing>
+</p:sld>
+</file>
+
+<file path=ppt/slides/slide13.xml><?xml version="1.0" encoding="utf-8"?>
+<p:sld xmlns:a="http://schemas.openxmlformats.org/drawingml/2006/main" xmlns:r="http://schemas.openxmlformats.org/officeDocument/2006/relationships" xmlns:p="http://schemas.openxmlformats.org/presentationml/2006/main">
+  <p:cSld>
+    <p:spTree>
+      <p:nvGrpSpPr>
+        <p:cNvPr id="1" name=""/>
+        <p:cNvGrpSpPr/>
+        <p:nvPr/>
+      </p:nvGrpSpPr>
+      <p:grpSpPr>
+        <a:xfrm>
+          <a:off x="0" y="0"/>
+          <a:ext cx="0" cy="0"/>
+          <a:chOff x="0" y="0"/>
+          <a:chExt cx="0" cy="0"/>
+        </a:xfrm>
+      </p:grpSpPr>
+      <p:sp>
+        <p:nvSpPr>
+          <p:cNvPr id="5" name="Title 1"/>
+          <p:cNvSpPr txBox="1">
+            <a:spLocks noGrp="1"/>
+          </p:cNvSpPr>
+          <p:nvPr>
+            <p:ph type="title"/>
+          </p:nvPr>
+        </p:nvSpPr>
+        <p:spPr>
+          <a:xfrm>
+            <a:off x="252413" y="1123950"/>
+            <a:ext cx="2947987" cy="4600575"/>
+          </a:xfrm>
+          <a:prstGeom prst="rect">
+            <a:avLst/>
+          </a:prstGeom>
+        </p:spPr>
+        <p:txBody>
+          <a:bodyPr vert="horz" lIns="91440" tIns="45720" rIns="91440" bIns="45720" rtlCol="0" anchor="ctr">
+            <a:normAutofit/>
+          </a:bodyPr>
+          <a:lstStyle>
+            <a:lvl1pPr algn="l" defTabSz="914400" rtl="0" eaLnBrk="1" latinLnBrk="0" hangingPunct="1">
+              <a:lnSpc>
+                <a:spcPct val="90000"/>
+              </a:lnSpc>
+              <a:spcBef>
+                <a:spcPct val="0"/>
+              </a:spcBef>
+              <a:buNone/>
+              <a:defRPr sz="3600" kern="1200" spc="-60" baseline="0">
+                <a:solidFill>
+                  <a:srgbClr val="FFFFFF"/>
+                </a:solidFill>
+                <a:latin typeface="+mj-lt"/>
+                <a:ea typeface="+mj-ea"/>
+                <a:cs typeface="+mj-cs"/>
+              </a:defRPr>
+            </a:lvl1pPr>
+          </a:lstStyle>
+          <a:p>
+            <a:pPr algn="ctr"/>
+            <a:r>
+              <a:rPr lang="en-US" b="1" smtClean="0"/>
+              <a:t>CÁC </a:t>
+            </a:r>
+            <a:r>
+              <a:rPr lang="en-US" b="1" smtClean="0"/>
+              <a:t>GIAO THỨC / DỊCH VỤ TRONG TẦNG APPLICATION</a:t>
+            </a:r>
+            <a:endParaRPr lang="en-US"/>
+          </a:p>
+        </p:txBody>
+      </p:sp>
+      <p:sp>
+        <p:nvSpPr>
+          <p:cNvPr id="6" name="TextBox 5"/>
+          <p:cNvSpPr txBox="1"/>
+          <p:nvPr/>
+        </p:nvSpPr>
+        <p:spPr>
+          <a:xfrm>
+            <a:off x="4509367" y="605268"/>
+            <a:ext cx="6383920" cy="430887"/>
+          </a:xfrm>
+          <a:prstGeom prst="rect">
+            <a:avLst/>
+          </a:prstGeom>
+          <a:noFill/>
+        </p:spPr>
+        <p:txBody>
+          <a:bodyPr wrap="square" rtlCol="0">
+            <a:spAutoFit/>
+          </a:bodyPr>
+          <a:lstStyle/>
+          <a:p>
+            <a:pPr algn="ctr"/>
+            <a:r>
+              <a:rPr lang="en-US" sz="2200" b="1" smtClean="0">
+                <a:solidFill>
+                  <a:schemeClr val="accent2">
+                    <a:lumMod val="75000"/>
+                  </a:schemeClr>
+                </a:solidFill>
+                <a:latin typeface="Times New Roman" panose="02020603050405020304" pitchFamily="18" charset="0"/>
+                <a:cs typeface="Times New Roman" panose="02020603050405020304" pitchFamily="18" charset="0"/>
+              </a:rPr>
+              <a:t>Giao </a:t>
+            </a:r>
+            <a:r>
+              <a:rPr lang="en-US" sz="2200" b="1" smtClean="0">
+                <a:solidFill>
+                  <a:schemeClr val="accent2">
+                    <a:lumMod val="75000"/>
+                  </a:schemeClr>
+                </a:solidFill>
+                <a:latin typeface="Times New Roman" panose="02020603050405020304" pitchFamily="18" charset="0"/>
+                <a:cs typeface="Times New Roman" panose="02020603050405020304" pitchFamily="18" charset="0"/>
+              </a:rPr>
+              <a:t>thức dịch vụ Mail: SMTP, POP, IMAP</a:t>
+            </a:r>
+            <a:endParaRPr lang="en-US" sz="2200" b="1">
+              <a:solidFill>
+                <a:schemeClr val="accent2">
+                  <a:lumMod val="75000"/>
+                </a:schemeClr>
+              </a:solidFill>
+              <a:latin typeface="Times New Roman" panose="02020603050405020304" pitchFamily="18" charset="0"/>
+              <a:cs typeface="Times New Roman" panose="02020603050405020304" pitchFamily="18" charset="0"/>
+            </a:endParaRPr>
+          </a:p>
+        </p:txBody>
+      </p:sp>
+      <p:sp>
+        <p:nvSpPr>
+          <p:cNvPr id="7" name="Rectangle 6"/>
+          <p:cNvSpPr/>
+          <p:nvPr/>
+        </p:nvSpPr>
+        <p:spPr>
+          <a:xfrm>
+            <a:off x="4253948" y="1212073"/>
+            <a:ext cx="7301948" cy="5016758"/>
+          </a:xfrm>
+          <a:prstGeom prst="rect">
+            <a:avLst/>
+          </a:prstGeom>
+        </p:spPr>
+        <p:txBody>
+          <a:bodyPr wrap="square">
+            <a:spAutoFit/>
+          </a:bodyPr>
+          <a:lstStyle/>
+          <a:p>
+            <a:pPr algn="just"/>
+            <a:r>
+              <a:rPr lang="en-US" sz="2000" b="1" smtClean="0">
+                <a:solidFill>
+                  <a:srgbClr val="1D1D1D"/>
+                </a:solidFill>
+                <a:latin typeface="Times New Roman" panose="02020603050405020304" pitchFamily="18" charset="0"/>
+                <a:cs typeface="Times New Roman" panose="02020603050405020304" pitchFamily="18" charset="0"/>
+              </a:rPr>
+              <a:t>- </a:t>
+            </a:r>
+            <a:r>
+              <a:rPr lang="vi-VN" sz="2000" b="1" smtClean="0">
+                <a:solidFill>
+                  <a:srgbClr val="1D1D1D"/>
+                </a:solidFill>
+                <a:latin typeface="Times New Roman" panose="02020603050405020304" pitchFamily="18" charset="0"/>
+                <a:cs typeface="Times New Roman" panose="02020603050405020304" pitchFamily="18" charset="0"/>
+              </a:rPr>
+              <a:t>Dịch </a:t>
+            </a:r>
+            <a:r>
+              <a:rPr lang="vi-VN" sz="2000" b="1">
+                <a:solidFill>
+                  <a:srgbClr val="1D1D1D"/>
+                </a:solidFill>
+                <a:latin typeface="Times New Roman" panose="02020603050405020304" pitchFamily="18" charset="0"/>
+                <a:cs typeface="Times New Roman" panose="02020603050405020304" pitchFamily="18" charset="0"/>
+              </a:rPr>
+              <a:t>vụ Mail: </a:t>
+            </a:r>
+            <a:r>
+              <a:rPr lang="vi-VN" sz="2000">
+                <a:solidFill>
+                  <a:srgbClr val="1D1D1D"/>
+                </a:solidFill>
+                <a:latin typeface="Times New Roman" panose="02020603050405020304" pitchFamily="18" charset="0"/>
+                <a:cs typeface="Times New Roman" panose="02020603050405020304" pitchFamily="18" charset="0"/>
+              </a:rPr>
+              <a:t>là dịch vụ thư điện tử. Thay vì nội dung thư của bạn được viết lên giấy và chuyển đi qua đường bưu điện thì email được lưu dưới dạng các tệp văn bản trong máy tính và được chuyển đi qua đường Internet.</a:t>
+            </a:r>
+            <a:r>
+              <a:rPr lang="vi-VN" sz="2000">
+                <a:solidFill>
+                  <a:srgbClr val="1D1D1D"/>
+                </a:solidFill>
+                <a:latin typeface="Times New Roman" panose="02020603050405020304" pitchFamily="18" charset="0"/>
+                <a:cs typeface="Times New Roman" panose="02020603050405020304" pitchFamily="18" charset="0"/>
+              </a:rPr>
+              <a:t> </a:t>
+            </a:r>
+            <a:endParaRPr lang="en-US" sz="2000" smtClean="0">
+              <a:solidFill>
+                <a:srgbClr val="1D1D1D"/>
+              </a:solidFill>
+              <a:latin typeface="Times New Roman" panose="02020603050405020304" pitchFamily="18" charset="0"/>
+              <a:cs typeface="Times New Roman" panose="02020603050405020304" pitchFamily="18" charset="0"/>
+            </a:endParaRPr>
+          </a:p>
+          <a:p>
+            <a:pPr marL="342900" indent="-342900" algn="just">
+              <a:buFontTx/>
+              <a:buChar char="-"/>
+            </a:pPr>
+            <a:r>
+              <a:rPr lang="vi-VN" sz="2000" smtClean="0">
+                <a:latin typeface="Times New Roman" panose="02020603050405020304" pitchFamily="18" charset="0"/>
+                <a:cs typeface="Times New Roman" panose="02020603050405020304" pitchFamily="18" charset="0"/>
+              </a:rPr>
+              <a:t>Để </a:t>
+            </a:r>
+            <a:r>
+              <a:rPr lang="vi-VN" sz="2000">
+                <a:latin typeface="Times New Roman" panose="02020603050405020304" pitchFamily="18" charset="0"/>
+                <a:cs typeface="Times New Roman" panose="02020603050405020304" pitchFamily="18" charset="0"/>
+              </a:rPr>
+              <a:t>dịch vụ Mail hoạt động được thì phải đảm bảo 2 thành phần: Mail Server, Mail </a:t>
+            </a:r>
+            <a:r>
+              <a:rPr lang="vi-VN" sz="2000">
+                <a:latin typeface="Times New Roman" panose="02020603050405020304" pitchFamily="18" charset="0"/>
+                <a:cs typeface="Times New Roman" panose="02020603050405020304" pitchFamily="18" charset="0"/>
+              </a:rPr>
+              <a:t>Client</a:t>
+            </a:r>
+            <a:r>
+              <a:rPr lang="vi-VN" sz="2000" smtClean="0">
+                <a:latin typeface="Times New Roman" panose="02020603050405020304" pitchFamily="18" charset="0"/>
+                <a:cs typeface="Times New Roman" panose="02020603050405020304" pitchFamily="18" charset="0"/>
+              </a:rPr>
+              <a:t>.</a:t>
+            </a:r>
+            <a:endParaRPr lang="en-US" sz="2000" smtClean="0">
+              <a:latin typeface="Times New Roman" panose="02020603050405020304" pitchFamily="18" charset="0"/>
+              <a:cs typeface="Times New Roman" panose="02020603050405020304" pitchFamily="18" charset="0"/>
+            </a:endParaRPr>
+          </a:p>
+          <a:p>
+            <a:pPr algn="just"/>
+            <a:r>
+              <a:rPr lang="en-US" sz="2000" smtClean="0">
+                <a:latin typeface="Times New Roman" panose="02020603050405020304" pitchFamily="18" charset="0"/>
+                <a:cs typeface="Times New Roman" panose="02020603050405020304" pitchFamily="18" charset="0"/>
+              </a:rPr>
+              <a:t>+ </a:t>
+            </a:r>
+            <a:r>
+              <a:rPr lang="vi-VN" sz="2000" b="1">
+                <a:latin typeface="Times New Roman" panose="02020603050405020304" pitchFamily="18" charset="0"/>
+                <a:cs typeface="Times New Roman" panose="02020603050405020304" pitchFamily="18" charset="0"/>
+              </a:rPr>
+              <a:t>Mail Server:</a:t>
+            </a:r>
+            <a:r>
+              <a:rPr lang="vi-VN" sz="2000">
+                <a:latin typeface="Times New Roman" panose="02020603050405020304" pitchFamily="18" charset="0"/>
+                <a:cs typeface="Times New Roman" panose="02020603050405020304" pitchFamily="18" charset="0"/>
+              </a:rPr>
+              <a:t> dùng để nhận mail từ người dùng rồi chuyển Mail đi. Sau khi nhận được mail chuyển lại sẽ phân phối mail sang cho người dùng. Trong Mail Server có 2 thành phần chính là MDA (Mail Transfer Agent) dùng để quản lý mail, MTA (Mail Delivery Agent) dùng để gửi và nhận </a:t>
+            </a:r>
+            <a:r>
+              <a:rPr lang="vi-VN" sz="2000">
+                <a:latin typeface="Times New Roman" panose="02020603050405020304" pitchFamily="18" charset="0"/>
+                <a:cs typeface="Times New Roman" panose="02020603050405020304" pitchFamily="18" charset="0"/>
+              </a:rPr>
+              <a:t>mail</a:t>
+            </a:r>
+            <a:r>
+              <a:rPr lang="vi-VN" sz="2000" smtClean="0">
+                <a:latin typeface="Times New Roman" panose="02020603050405020304" pitchFamily="18" charset="0"/>
+                <a:cs typeface="Times New Roman" panose="02020603050405020304" pitchFamily="18" charset="0"/>
+              </a:rPr>
+              <a:t>.</a:t>
+            </a:r>
+            <a:endParaRPr lang="en-US" sz="2000" smtClean="0">
+              <a:latin typeface="Times New Roman" panose="02020603050405020304" pitchFamily="18" charset="0"/>
+              <a:cs typeface="Times New Roman" panose="02020603050405020304" pitchFamily="18" charset="0"/>
+            </a:endParaRPr>
+          </a:p>
+          <a:p>
+            <a:pPr algn="just"/>
+            <a:r>
+              <a:rPr lang="en-US" sz="2000" smtClean="0">
+                <a:latin typeface="Times New Roman" panose="02020603050405020304" pitchFamily="18" charset="0"/>
+                <a:cs typeface="Times New Roman" panose="02020603050405020304" pitchFamily="18" charset="0"/>
+              </a:rPr>
+              <a:t>+ </a:t>
+            </a:r>
+            <a:r>
+              <a:rPr lang="vi-VN" sz="2000" b="1">
+                <a:latin typeface="Times New Roman" panose="02020603050405020304" pitchFamily="18" charset="0"/>
+                <a:cs typeface="Times New Roman" panose="02020603050405020304" pitchFamily="18" charset="0"/>
+              </a:rPr>
+              <a:t>Mail Client:</a:t>
+            </a:r>
+            <a:r>
+              <a:rPr lang="vi-VN" sz="2000">
+                <a:latin typeface="Times New Roman" panose="02020603050405020304" pitchFamily="18" charset="0"/>
+                <a:cs typeface="Times New Roman" panose="02020603050405020304" pitchFamily="18" charset="0"/>
+              </a:rPr>
+              <a:t> dùng để gửi mail của người dùng đi lên Mail Server và nhận từ Server về để hiển thị cho người </a:t>
+            </a:r>
+            <a:r>
+              <a:rPr lang="vi-VN" sz="2000">
+                <a:latin typeface="Times New Roman" panose="02020603050405020304" pitchFamily="18" charset="0"/>
+                <a:cs typeface="Times New Roman" panose="02020603050405020304" pitchFamily="18" charset="0"/>
+              </a:rPr>
+              <a:t>dùng </a:t>
+            </a:r>
+            <a:r>
+              <a:rPr lang="vi-VN" sz="2000" smtClean="0">
+                <a:latin typeface="Times New Roman" panose="02020603050405020304" pitchFamily="18" charset="0"/>
+                <a:cs typeface="Times New Roman" panose="02020603050405020304" pitchFamily="18" charset="0"/>
+              </a:rPr>
+              <a:t>xem</a:t>
+            </a:r>
+            <a:r>
+              <a:rPr lang="en-US" sz="2000" smtClean="0">
+                <a:latin typeface="Times New Roman" panose="02020603050405020304" pitchFamily="18" charset="0"/>
+                <a:cs typeface="Times New Roman" panose="02020603050405020304" pitchFamily="18" charset="0"/>
+              </a:rPr>
+              <a:t>. </a:t>
+            </a:r>
+            <a:r>
+              <a:rPr lang="en-US" sz="2000">
+                <a:latin typeface="Times New Roman" panose="02020603050405020304" pitchFamily="18" charset="0"/>
+                <a:cs typeface="Times New Roman" panose="02020603050405020304" pitchFamily="18" charset="0"/>
+              </a:rPr>
+              <a:t>Mail Client sử dụng theo POP sẽ cắt toàn bộ Mail trên Server về, nếu sử dụng theo IMAP là lấy theo tiêu đề về. Tiêu đề nào lựa chọn thì sẽ lấy về. Giữ lại một bản trên Server.</a:t>
+            </a:r>
+            <a:endParaRPr lang="en-US" sz="2000">
+              <a:latin typeface="Times New Roman" panose="02020603050405020304" pitchFamily="18" charset="0"/>
+              <a:cs typeface="Times New Roman" panose="02020603050405020304" pitchFamily="18" charset="0"/>
+            </a:endParaRPr>
+          </a:p>
+        </p:txBody>
+      </p:sp>
+    </p:spTree>
+    <p:extLst>
+      <p:ext uri="{BB962C8B-B14F-4D97-AF65-F5344CB8AC3E}">
+        <p14:creationId xmlns:p14="http://schemas.microsoft.com/office/powerpoint/2010/main" val="3500032751"/>
+      </p:ext>
+    </p:extLst>
+  </p:cSld>
+  <p:clrMapOvr>
+    <a:masterClrMapping/>
+  </p:clrMapOvr>
+</p:sld>
+</file>
+
+<file path=ppt/slides/slide14.xml><?xml version="1.0" encoding="utf-8"?>
+<p:sld xmlns:a="http://schemas.openxmlformats.org/drawingml/2006/main" xmlns:r="http://schemas.openxmlformats.org/officeDocument/2006/relationships" xmlns:p="http://schemas.openxmlformats.org/presentationml/2006/main">
+  <p:cSld>
+    <p:spTree>
+      <p:nvGrpSpPr>
+        <p:cNvPr id="1" name=""/>
+        <p:cNvGrpSpPr/>
+        <p:nvPr/>
+      </p:nvGrpSpPr>
+      <p:grpSpPr>
+        <a:xfrm>
+          <a:off x="0" y="0"/>
+          <a:ext cx="0" cy="0"/>
+          <a:chOff x="0" y="0"/>
+          <a:chExt cx="0" cy="0"/>
+        </a:xfrm>
+      </p:grpSpPr>
+      <p:sp>
+        <p:nvSpPr>
+          <p:cNvPr id="5" name="Title 1"/>
+          <p:cNvSpPr txBox="1">
+            <a:spLocks noGrp="1"/>
+          </p:cNvSpPr>
+          <p:nvPr>
+            <p:ph type="title"/>
+          </p:nvPr>
+        </p:nvSpPr>
+        <p:spPr>
+          <a:xfrm>
+            <a:off x="252413" y="1123950"/>
+            <a:ext cx="2947987" cy="4600575"/>
+          </a:xfrm>
+          <a:prstGeom prst="rect">
+            <a:avLst/>
+          </a:prstGeom>
+        </p:spPr>
+        <p:txBody>
+          <a:bodyPr vert="horz" lIns="91440" tIns="45720" rIns="91440" bIns="45720" rtlCol="0" anchor="ctr">
+            <a:normAutofit/>
+          </a:bodyPr>
+          <a:lstStyle>
+            <a:lvl1pPr algn="l" defTabSz="914400" rtl="0" eaLnBrk="1" latinLnBrk="0" hangingPunct="1">
+              <a:lnSpc>
+                <a:spcPct val="90000"/>
+              </a:lnSpc>
+              <a:spcBef>
+                <a:spcPct val="0"/>
+              </a:spcBef>
+              <a:buNone/>
+              <a:defRPr sz="3600" kern="1200" spc="-60" baseline="0">
+                <a:solidFill>
+                  <a:srgbClr val="FFFFFF"/>
+                </a:solidFill>
+                <a:latin typeface="+mj-lt"/>
+                <a:ea typeface="+mj-ea"/>
+                <a:cs typeface="+mj-cs"/>
+              </a:defRPr>
+            </a:lvl1pPr>
+          </a:lstStyle>
+          <a:p>
+            <a:pPr algn="ctr"/>
+            <a:r>
+              <a:rPr lang="en-US" b="1" smtClean="0"/>
+              <a:t>CÁC </a:t>
+            </a:r>
+            <a:r>
+              <a:rPr lang="en-US" b="1" smtClean="0"/>
+              <a:t>GIAO THỨC / DỊCH VỤ TRONG TẦNG APPLICATION</a:t>
+            </a:r>
+            <a:endParaRPr lang="en-US"/>
+          </a:p>
+        </p:txBody>
+      </p:sp>
+      <p:sp>
+        <p:nvSpPr>
+          <p:cNvPr id="6" name="TextBox 5"/>
+          <p:cNvSpPr txBox="1"/>
+          <p:nvPr/>
+        </p:nvSpPr>
+        <p:spPr>
+          <a:xfrm>
+            <a:off x="4509367" y="605268"/>
+            <a:ext cx="6383920" cy="430887"/>
+          </a:xfrm>
+          <a:prstGeom prst="rect">
+            <a:avLst/>
+          </a:prstGeom>
+          <a:noFill/>
+        </p:spPr>
+        <p:txBody>
+          <a:bodyPr wrap="square" rtlCol="0">
+            <a:spAutoFit/>
+          </a:bodyPr>
+          <a:lstStyle/>
+          <a:p>
+            <a:pPr algn="ctr"/>
+            <a:r>
+              <a:rPr lang="en-US" sz="2200" b="1" smtClean="0">
+                <a:solidFill>
+                  <a:schemeClr val="accent2">
+                    <a:lumMod val="75000"/>
+                  </a:schemeClr>
+                </a:solidFill>
+                <a:latin typeface="Times New Roman" panose="02020603050405020304" pitchFamily="18" charset="0"/>
+                <a:cs typeface="Times New Roman" panose="02020603050405020304" pitchFamily="18" charset="0"/>
+              </a:rPr>
+              <a:t>Giao </a:t>
+            </a:r>
+            <a:r>
+              <a:rPr lang="en-US" sz="2200" b="1" smtClean="0">
+                <a:solidFill>
+                  <a:schemeClr val="accent2">
+                    <a:lumMod val="75000"/>
+                  </a:schemeClr>
+                </a:solidFill>
+                <a:latin typeface="Times New Roman" panose="02020603050405020304" pitchFamily="18" charset="0"/>
+                <a:cs typeface="Times New Roman" panose="02020603050405020304" pitchFamily="18" charset="0"/>
+              </a:rPr>
+              <a:t>thức dịch vụ Mail: SMTP, POP, IMAP</a:t>
+            </a:r>
+            <a:endParaRPr lang="en-US" sz="2200" b="1">
+              <a:solidFill>
+                <a:schemeClr val="accent2">
+                  <a:lumMod val="75000"/>
+                </a:schemeClr>
+              </a:solidFill>
+              <a:latin typeface="Times New Roman" panose="02020603050405020304" pitchFamily="18" charset="0"/>
+              <a:cs typeface="Times New Roman" panose="02020603050405020304" pitchFamily="18" charset="0"/>
+            </a:endParaRPr>
+          </a:p>
+        </p:txBody>
+      </p:sp>
+      <p:sp>
+        <p:nvSpPr>
+          <p:cNvPr id="7" name="Rectangle 6"/>
+          <p:cNvSpPr/>
+          <p:nvPr/>
+        </p:nvSpPr>
+        <p:spPr>
+          <a:xfrm>
+            <a:off x="4306958" y="1298067"/>
+            <a:ext cx="6864626" cy="4401205"/>
+          </a:xfrm>
+          <a:prstGeom prst="rect">
+            <a:avLst/>
+          </a:prstGeom>
+        </p:spPr>
+        <p:txBody>
+          <a:bodyPr wrap="square">
+            <a:spAutoFit/>
+          </a:bodyPr>
+          <a:lstStyle/>
+          <a:p>
+            <a:pPr algn="just" fontAlgn="base"/>
+            <a:r>
+              <a:rPr lang="en-US" sz="2000" smtClean="0">
+                <a:solidFill>
+                  <a:srgbClr val="1D1D1D"/>
+                </a:solidFill>
+                <a:latin typeface="Times New Roman" panose="02020603050405020304" pitchFamily="18" charset="0"/>
+                <a:cs typeface="Times New Roman" panose="02020603050405020304" pitchFamily="18" charset="0"/>
+              </a:rPr>
+              <a:t>- </a:t>
+            </a:r>
+            <a:r>
+              <a:rPr lang="vi-VN" sz="2000" smtClean="0">
+                <a:solidFill>
+                  <a:srgbClr val="1D1D1D"/>
+                </a:solidFill>
+                <a:latin typeface="Times New Roman" panose="02020603050405020304" pitchFamily="18" charset="0"/>
+                <a:cs typeface="Times New Roman" panose="02020603050405020304" pitchFamily="18" charset="0"/>
+              </a:rPr>
+              <a:t>Các </a:t>
+            </a:r>
+            <a:r>
+              <a:rPr lang="vi-VN" sz="2000">
+                <a:solidFill>
+                  <a:srgbClr val="1D1D1D"/>
+                </a:solidFill>
+                <a:latin typeface="Times New Roman" panose="02020603050405020304" pitchFamily="18" charset="0"/>
+                <a:cs typeface="Times New Roman" panose="02020603050405020304" pitchFamily="18" charset="0"/>
+              </a:rPr>
+              <a:t>bước hoạt động:</a:t>
+            </a:r>
+          </a:p>
+          <a:p>
+            <a:pPr algn="just" fontAlgn="base"/>
+            <a:r>
+              <a:rPr lang="en-US" sz="2000">
+                <a:solidFill>
+                  <a:srgbClr val="1D1D1D"/>
+                </a:solidFill>
+                <a:latin typeface="Times New Roman" panose="02020603050405020304" pitchFamily="18" charset="0"/>
+                <a:cs typeface="Times New Roman" panose="02020603050405020304" pitchFamily="18" charset="0"/>
+              </a:rPr>
+              <a:t>+</a:t>
+            </a:r>
+            <a:r>
+              <a:rPr lang="vi-VN" sz="2000" smtClean="0">
+                <a:solidFill>
+                  <a:srgbClr val="1D1D1D"/>
+                </a:solidFill>
+                <a:latin typeface="Times New Roman" panose="02020603050405020304" pitchFamily="18" charset="0"/>
+                <a:cs typeface="Times New Roman" panose="02020603050405020304" pitchFamily="18" charset="0"/>
+              </a:rPr>
+              <a:t> </a:t>
+            </a:r>
+            <a:r>
+              <a:rPr lang="vi-VN" sz="2000">
+                <a:solidFill>
+                  <a:srgbClr val="1D1D1D"/>
+                </a:solidFill>
+                <a:latin typeface="Times New Roman" panose="02020603050405020304" pitchFamily="18" charset="0"/>
+                <a:cs typeface="Times New Roman" panose="02020603050405020304" pitchFamily="18" charset="0"/>
+              </a:rPr>
+              <a:t>Bước 1: Mail Client gửi mail lên Server bằng giao thức SMTP thông qua Port 25</a:t>
+            </a:r>
+          </a:p>
+          <a:p>
+            <a:pPr algn="just" fontAlgn="base"/>
+            <a:r>
+              <a:rPr lang="en-US" sz="2000" smtClean="0">
+                <a:solidFill>
+                  <a:srgbClr val="1D1D1D"/>
+                </a:solidFill>
+                <a:latin typeface="Times New Roman" panose="02020603050405020304" pitchFamily="18" charset="0"/>
+                <a:cs typeface="Times New Roman" panose="02020603050405020304" pitchFamily="18" charset="0"/>
+              </a:rPr>
+              <a:t>+ </a:t>
+            </a:r>
+            <a:r>
+              <a:rPr lang="vi-VN" sz="2000" smtClean="0">
+                <a:solidFill>
+                  <a:srgbClr val="1D1D1D"/>
+                </a:solidFill>
+                <a:latin typeface="Times New Roman" panose="02020603050405020304" pitchFamily="18" charset="0"/>
+                <a:cs typeface="Times New Roman" panose="02020603050405020304" pitchFamily="18" charset="0"/>
+              </a:rPr>
+              <a:t>Bước </a:t>
+            </a:r>
+            <a:r>
+              <a:rPr lang="vi-VN" sz="2000">
+                <a:solidFill>
+                  <a:srgbClr val="1D1D1D"/>
+                </a:solidFill>
+                <a:latin typeface="Times New Roman" panose="02020603050405020304" pitchFamily="18" charset="0"/>
+                <a:cs typeface="Times New Roman" panose="02020603050405020304" pitchFamily="18" charset="0"/>
+              </a:rPr>
+              <a:t>2: Mail Server sẽ nhận mail từ Client bằng giao thức SMTP thông qua </a:t>
+            </a:r>
+            <a:r>
+              <a:rPr lang="vi-VN" sz="2000">
+                <a:solidFill>
+                  <a:srgbClr val="1D1D1D"/>
+                </a:solidFill>
+                <a:latin typeface="Times New Roman" panose="02020603050405020304" pitchFamily="18" charset="0"/>
+                <a:cs typeface="Times New Roman" panose="02020603050405020304" pitchFamily="18" charset="0"/>
+              </a:rPr>
+              <a:t>Port </a:t>
+            </a:r>
+            <a:r>
+              <a:rPr lang="vi-VN" sz="2000" smtClean="0">
+                <a:solidFill>
+                  <a:srgbClr val="1D1D1D"/>
+                </a:solidFill>
+                <a:latin typeface="Times New Roman" panose="02020603050405020304" pitchFamily="18" charset="0"/>
+                <a:cs typeface="Times New Roman" panose="02020603050405020304" pitchFamily="18" charset="0"/>
+              </a:rPr>
+              <a:t>25.</a:t>
+            </a:r>
+            <a:endParaRPr lang="en-US" sz="2000" smtClean="0">
+              <a:solidFill>
+                <a:srgbClr val="1D1D1D"/>
+              </a:solidFill>
+              <a:latin typeface="Times New Roman" panose="02020603050405020304" pitchFamily="18" charset="0"/>
+              <a:cs typeface="Times New Roman" panose="02020603050405020304" pitchFamily="18" charset="0"/>
+            </a:endParaRPr>
+          </a:p>
+          <a:p>
+            <a:pPr algn="just" fontAlgn="base"/>
+            <a:r>
+              <a:rPr lang="en-US" sz="2000" smtClean="0">
+                <a:solidFill>
+                  <a:srgbClr val="1D1D1D"/>
+                </a:solidFill>
+                <a:latin typeface="Times New Roman" panose="02020603050405020304" pitchFamily="18" charset="0"/>
+                <a:cs typeface="Times New Roman" panose="02020603050405020304" pitchFamily="18" charset="0"/>
+              </a:rPr>
+              <a:t>+ </a:t>
+            </a:r>
+            <a:r>
+              <a:rPr lang="vi-VN" sz="2000" smtClean="0">
+                <a:solidFill>
+                  <a:srgbClr val="1D1D1D"/>
+                </a:solidFill>
+                <a:latin typeface="Times New Roman" panose="02020603050405020304" pitchFamily="18" charset="0"/>
+                <a:cs typeface="Times New Roman" panose="02020603050405020304" pitchFamily="18" charset="0"/>
+              </a:rPr>
+              <a:t>Bước </a:t>
+            </a:r>
+            <a:r>
+              <a:rPr lang="vi-VN" sz="2000">
+                <a:solidFill>
+                  <a:srgbClr val="1D1D1D"/>
+                </a:solidFill>
+                <a:latin typeface="Times New Roman" panose="02020603050405020304" pitchFamily="18" charset="0"/>
+                <a:cs typeface="Times New Roman" panose="02020603050405020304" pitchFamily="18" charset="0"/>
+              </a:rPr>
+              <a:t>3: Mail Server sẽ nhờ DNS Client của mình gửi tới</a:t>
+            </a:r>
+            <a:r>
+              <a:rPr lang="vi-VN" sz="2000">
+                <a:solidFill>
+                  <a:srgbClr val="1D1D1D"/>
+                </a:solidFill>
+                <a:latin typeface="Times New Roman" panose="02020603050405020304" pitchFamily="18" charset="0"/>
+                <a:cs typeface="Times New Roman" panose="02020603050405020304" pitchFamily="18" charset="0"/>
+              </a:rPr>
+              <a:t> </a:t>
+            </a:r>
+            <a:r>
+              <a:rPr lang="en-US" sz="2000" smtClean="0">
+                <a:solidFill>
+                  <a:srgbClr val="1D1D1D"/>
+                </a:solidFill>
+                <a:latin typeface="Times New Roman" panose="02020603050405020304" pitchFamily="18" charset="0"/>
+                <a:cs typeface="Times New Roman" panose="02020603050405020304" pitchFamily="18" charset="0"/>
+              </a:rPr>
+              <a:t> </a:t>
+            </a:r>
+            <a:r>
+              <a:rPr lang="vi-VN" sz="2000" smtClean="0">
+                <a:solidFill>
+                  <a:srgbClr val="1D1D1D"/>
+                </a:solidFill>
+                <a:latin typeface="Times New Roman" panose="02020603050405020304" pitchFamily="18" charset="0"/>
+                <a:cs typeface="Times New Roman" panose="02020603050405020304" pitchFamily="18" charset="0"/>
+              </a:rPr>
+              <a:t>DNS </a:t>
+            </a:r>
+            <a:r>
+              <a:rPr lang="vi-VN" sz="2000">
+                <a:solidFill>
+                  <a:srgbClr val="1D1D1D"/>
+                </a:solidFill>
+                <a:latin typeface="Times New Roman" panose="02020603050405020304" pitchFamily="18" charset="0"/>
+                <a:cs typeface="Times New Roman" panose="02020603050405020304" pitchFamily="18" charset="0"/>
+              </a:rPr>
+              <a:t>Server để phân giải từ tên miền Mail (vd:mail.google.com) ra địa chỉ IP của Mail Server đó.</a:t>
+            </a:r>
+          </a:p>
+          <a:p>
+            <a:pPr algn="just" fontAlgn="base"/>
+            <a:r>
+              <a:rPr lang="en-US" sz="2000" smtClean="0">
+                <a:solidFill>
+                  <a:srgbClr val="1D1D1D"/>
+                </a:solidFill>
+                <a:latin typeface="Times New Roman" panose="02020603050405020304" pitchFamily="18" charset="0"/>
+                <a:cs typeface="Times New Roman" panose="02020603050405020304" pitchFamily="18" charset="0"/>
+              </a:rPr>
+              <a:t>+</a:t>
+            </a:r>
+            <a:r>
+              <a:rPr lang="vi-VN" sz="2000" smtClean="0">
+                <a:solidFill>
+                  <a:srgbClr val="1D1D1D"/>
+                </a:solidFill>
+                <a:latin typeface="Times New Roman" panose="02020603050405020304" pitchFamily="18" charset="0"/>
+                <a:cs typeface="Times New Roman" panose="02020603050405020304" pitchFamily="18" charset="0"/>
+              </a:rPr>
+              <a:t> </a:t>
+            </a:r>
+            <a:r>
+              <a:rPr lang="vi-VN" sz="2000">
+                <a:solidFill>
+                  <a:srgbClr val="1D1D1D"/>
+                </a:solidFill>
+                <a:latin typeface="Times New Roman" panose="02020603050405020304" pitchFamily="18" charset="0"/>
+                <a:cs typeface="Times New Roman" panose="02020603050405020304" pitchFamily="18" charset="0"/>
+              </a:rPr>
+              <a:t>Bước 4: Sau khi có địa chỉ IP của Mail Server kia thì Mail Server sẽ  liên lạc trực tiếp, rồi gửi và nhận Mail từ Mail Server đó qua </a:t>
+            </a:r>
+            <a:r>
+              <a:rPr lang="vi-VN" sz="2000">
+                <a:solidFill>
+                  <a:srgbClr val="1D1D1D"/>
+                </a:solidFill>
+                <a:latin typeface="Times New Roman" panose="02020603050405020304" pitchFamily="18" charset="0"/>
+                <a:cs typeface="Times New Roman" panose="02020603050405020304" pitchFamily="18" charset="0"/>
+              </a:rPr>
+              <a:t>Port </a:t>
+            </a:r>
+            <a:r>
+              <a:rPr lang="vi-VN" sz="2000" smtClean="0">
+                <a:solidFill>
+                  <a:srgbClr val="1D1D1D"/>
+                </a:solidFill>
+                <a:latin typeface="Times New Roman" panose="02020603050405020304" pitchFamily="18" charset="0"/>
+                <a:cs typeface="Times New Roman" panose="02020603050405020304" pitchFamily="18" charset="0"/>
+              </a:rPr>
+              <a:t>25</a:t>
+            </a:r>
+            <a:r>
+              <a:rPr lang="en-US" sz="2000" smtClean="0">
+                <a:solidFill>
+                  <a:srgbClr val="1D1D1D"/>
+                </a:solidFill>
+                <a:latin typeface="Times New Roman" panose="02020603050405020304" pitchFamily="18" charset="0"/>
+                <a:cs typeface="Times New Roman" panose="02020603050405020304" pitchFamily="18" charset="0"/>
+              </a:rPr>
+              <a:t> bằng giao thức SMTP</a:t>
+            </a:r>
+            <a:r>
+              <a:rPr lang="vi-VN" sz="2000" smtClean="0">
+                <a:solidFill>
+                  <a:srgbClr val="1D1D1D"/>
+                </a:solidFill>
+                <a:latin typeface="Times New Roman" panose="02020603050405020304" pitchFamily="18" charset="0"/>
+                <a:cs typeface="Times New Roman" panose="02020603050405020304" pitchFamily="18" charset="0"/>
+              </a:rPr>
+              <a:t>. </a:t>
+            </a:r>
+            <a:r>
+              <a:rPr lang="vi-VN" sz="2000">
+                <a:solidFill>
+                  <a:srgbClr val="1D1D1D"/>
+                </a:solidFill>
+                <a:latin typeface="Times New Roman" panose="02020603050405020304" pitchFamily="18" charset="0"/>
+                <a:cs typeface="Times New Roman" panose="02020603050405020304" pitchFamily="18" charset="0"/>
+              </a:rPr>
+              <a:t>Sau đó sẽ chuyển sang Mail Box thông qua MDA để người dùng </a:t>
+            </a:r>
+            <a:r>
+              <a:rPr lang="vi-VN" sz="2000">
+                <a:solidFill>
+                  <a:srgbClr val="1D1D1D"/>
+                </a:solidFill>
+                <a:latin typeface="Times New Roman" panose="02020603050405020304" pitchFamily="18" charset="0"/>
+                <a:cs typeface="Times New Roman" panose="02020603050405020304" pitchFamily="18" charset="0"/>
+              </a:rPr>
+              <a:t>lấy </a:t>
+            </a:r>
+            <a:r>
+              <a:rPr lang="vi-VN" sz="2000" smtClean="0">
+                <a:solidFill>
+                  <a:srgbClr val="1D1D1D"/>
+                </a:solidFill>
+                <a:latin typeface="Times New Roman" panose="02020603050405020304" pitchFamily="18" charset="0"/>
+                <a:cs typeface="Times New Roman" panose="02020603050405020304" pitchFamily="18" charset="0"/>
+              </a:rPr>
+              <a:t>về.</a:t>
+            </a:r>
+            <a:endParaRPr lang="en-US" sz="2000" smtClean="0">
+              <a:solidFill>
+                <a:srgbClr val="1D1D1D"/>
+              </a:solidFill>
+              <a:latin typeface="Times New Roman" panose="02020603050405020304" pitchFamily="18" charset="0"/>
+              <a:cs typeface="Times New Roman" panose="02020603050405020304" pitchFamily="18" charset="0"/>
+            </a:endParaRPr>
+          </a:p>
+          <a:p>
+            <a:pPr algn="just" fontAlgn="base"/>
+            <a:r>
+              <a:rPr lang="en-US" sz="2000" smtClean="0">
+                <a:solidFill>
+                  <a:srgbClr val="1D1D1D"/>
+                </a:solidFill>
+                <a:latin typeface="Times New Roman" panose="02020603050405020304" pitchFamily="18" charset="0"/>
+                <a:cs typeface="Times New Roman" panose="02020603050405020304" pitchFamily="18" charset="0"/>
+              </a:rPr>
+              <a:t>+ </a:t>
+            </a:r>
+            <a:r>
+              <a:rPr lang="vi-VN" sz="2000" smtClean="0">
+                <a:solidFill>
+                  <a:srgbClr val="1D1D1D"/>
+                </a:solidFill>
+                <a:latin typeface="Times New Roman" panose="02020603050405020304" pitchFamily="18" charset="0"/>
+                <a:cs typeface="Times New Roman" panose="02020603050405020304" pitchFamily="18" charset="0"/>
+              </a:rPr>
+              <a:t>Bước </a:t>
+            </a:r>
+            <a:r>
+              <a:rPr lang="vi-VN" sz="2000">
+                <a:solidFill>
+                  <a:srgbClr val="1D1D1D"/>
+                </a:solidFill>
+                <a:latin typeface="Times New Roman" panose="02020603050405020304" pitchFamily="18" charset="0"/>
+                <a:cs typeface="Times New Roman" panose="02020603050405020304" pitchFamily="18" charset="0"/>
+              </a:rPr>
+              <a:t>5: Người dùng sẽ lấy Mail từ trong Mail Box thông qua giao </a:t>
+            </a:r>
+            <a:r>
+              <a:rPr lang="vi-VN" sz="2000">
+                <a:solidFill>
+                  <a:srgbClr val="1D1D1D"/>
+                </a:solidFill>
+                <a:latin typeface="Times New Roman" panose="02020603050405020304" pitchFamily="18" charset="0"/>
+                <a:cs typeface="Times New Roman" panose="02020603050405020304" pitchFamily="18" charset="0"/>
+              </a:rPr>
+              <a:t>thức </a:t>
+            </a:r>
+            <a:r>
+              <a:rPr lang="vi-VN" sz="2000" smtClean="0">
+                <a:solidFill>
+                  <a:srgbClr val="1D1D1D"/>
+                </a:solidFill>
+                <a:latin typeface="Times New Roman" panose="02020603050405020304" pitchFamily="18" charset="0"/>
+                <a:cs typeface="Times New Roman" panose="02020603050405020304" pitchFamily="18" charset="0"/>
+              </a:rPr>
+              <a:t>POP3</a:t>
+            </a:r>
+            <a:r>
+              <a:rPr lang="en-US" sz="2000" smtClean="0">
+                <a:solidFill>
+                  <a:srgbClr val="1D1D1D"/>
+                </a:solidFill>
+                <a:latin typeface="Times New Roman" panose="02020603050405020304" pitchFamily="18" charset="0"/>
+                <a:cs typeface="Times New Roman" panose="02020603050405020304" pitchFamily="18" charset="0"/>
+              </a:rPr>
+              <a:t> hoặc IMAP</a:t>
+            </a:r>
+            <a:endParaRPr lang="vi-VN" sz="2000" b="0" i="0">
+              <a:solidFill>
+                <a:srgbClr val="1D1D1D"/>
+              </a:solidFill>
+              <a:effectLst/>
+              <a:latin typeface="Times New Roman" panose="02020603050405020304" pitchFamily="18" charset="0"/>
+              <a:cs typeface="Times New Roman" panose="02020603050405020304" pitchFamily="18" charset="0"/>
+            </a:endParaRPr>
+          </a:p>
+        </p:txBody>
+      </p:sp>
+    </p:spTree>
+    <p:extLst>
+      <p:ext uri="{BB962C8B-B14F-4D97-AF65-F5344CB8AC3E}">
+        <p14:creationId xmlns:p14="http://schemas.microsoft.com/office/powerpoint/2010/main" val="2083171694"/>
+      </p:ext>
+    </p:extLst>
+  </p:cSld>
+  <p:clrMapOvr>
+    <a:masterClrMapping/>
+  </p:clrMapOvr>
+</p:sld>
+</file>
+
+<file path=ppt/slides/slide15.xml><?xml version="1.0" encoding="utf-8"?>
+<p:sld xmlns:a="http://schemas.openxmlformats.org/drawingml/2006/main" xmlns:r="http://schemas.openxmlformats.org/officeDocument/2006/relationships" xmlns:p="http://schemas.openxmlformats.org/presentationml/2006/main">
+  <p:cSld>
+    <p:spTree>
+      <p:nvGrpSpPr>
+        <p:cNvPr id="1" name=""/>
+        <p:cNvGrpSpPr/>
+        <p:nvPr/>
+      </p:nvGrpSpPr>
+      <p:grpSpPr>
+        <a:xfrm>
+          <a:off x="0" y="0"/>
+          <a:ext cx="0" cy="0"/>
+          <a:chOff x="0" y="0"/>
+          <a:chExt cx="0" cy="0"/>
+        </a:xfrm>
+      </p:grpSpPr>
+      <p:sp>
+        <p:nvSpPr>
+          <p:cNvPr id="4" name="Title 1"/>
+          <p:cNvSpPr txBox="1">
+            <a:spLocks noGrp="1"/>
+          </p:cNvSpPr>
+          <p:nvPr>
+            <p:ph type="title"/>
+          </p:nvPr>
+        </p:nvSpPr>
+        <p:spPr>
+          <a:xfrm>
+            <a:off x="252413" y="1123950"/>
+            <a:ext cx="2947987" cy="4600575"/>
+          </a:xfrm>
+          <a:prstGeom prst="rect">
+            <a:avLst/>
+          </a:prstGeom>
+        </p:spPr>
+        <p:txBody>
+          <a:bodyPr vert="horz" lIns="91440" tIns="45720" rIns="91440" bIns="45720" rtlCol="0" anchor="ctr">
+            <a:normAutofit/>
+          </a:bodyPr>
+          <a:lstStyle>
+            <a:lvl1pPr algn="l" defTabSz="914400" rtl="0" eaLnBrk="1" latinLnBrk="0" hangingPunct="1">
+              <a:lnSpc>
+                <a:spcPct val="90000"/>
+              </a:lnSpc>
+              <a:spcBef>
+                <a:spcPct val="0"/>
+              </a:spcBef>
+              <a:buNone/>
+              <a:defRPr sz="3600" kern="1200" spc="-60" baseline="0">
+                <a:solidFill>
+                  <a:srgbClr val="FFFFFF"/>
+                </a:solidFill>
+                <a:latin typeface="+mj-lt"/>
+                <a:ea typeface="+mj-ea"/>
+                <a:cs typeface="+mj-cs"/>
+              </a:defRPr>
+            </a:lvl1pPr>
+          </a:lstStyle>
+          <a:p>
+            <a:pPr algn="ctr"/>
+            <a:r>
+              <a:rPr lang="en-US" b="1" smtClean="0"/>
+              <a:t>CÁC </a:t>
+            </a:r>
+            <a:r>
+              <a:rPr lang="en-US" b="1" smtClean="0"/>
+              <a:t>GIAO THỨC / DỊCH VỤ TRONG TẦNG APPLICATION</a:t>
+            </a:r>
+            <a:endParaRPr lang="en-US"/>
+          </a:p>
+        </p:txBody>
+      </p:sp>
+      <p:sp>
+        <p:nvSpPr>
+          <p:cNvPr id="6" name="TextBox 5"/>
+          <p:cNvSpPr txBox="1"/>
+          <p:nvPr/>
+        </p:nvSpPr>
+        <p:spPr>
+          <a:xfrm>
+            <a:off x="4443106" y="693063"/>
+            <a:ext cx="6383920" cy="430887"/>
+          </a:xfrm>
+          <a:prstGeom prst="rect">
+            <a:avLst/>
+          </a:prstGeom>
+          <a:noFill/>
+        </p:spPr>
+        <p:txBody>
+          <a:bodyPr wrap="square" rtlCol="0">
+            <a:spAutoFit/>
+          </a:bodyPr>
+          <a:lstStyle/>
+          <a:p>
+            <a:pPr algn="ctr"/>
+            <a:r>
+              <a:rPr lang="en-US" sz="2200" b="1" smtClean="0">
+                <a:solidFill>
+                  <a:schemeClr val="accent2">
+                    <a:lumMod val="75000"/>
+                  </a:schemeClr>
+                </a:solidFill>
+                <a:latin typeface="Times New Roman" panose="02020603050405020304" pitchFamily="18" charset="0"/>
+                <a:cs typeface="Times New Roman" panose="02020603050405020304" pitchFamily="18" charset="0"/>
+              </a:rPr>
+              <a:t>Giao </a:t>
+            </a:r>
+            <a:r>
+              <a:rPr lang="en-US" sz="2200" b="1" smtClean="0">
+                <a:solidFill>
+                  <a:schemeClr val="accent2">
+                    <a:lumMod val="75000"/>
+                  </a:schemeClr>
+                </a:solidFill>
+                <a:latin typeface="Times New Roman" panose="02020603050405020304" pitchFamily="18" charset="0"/>
+                <a:cs typeface="Times New Roman" panose="02020603050405020304" pitchFamily="18" charset="0"/>
+              </a:rPr>
+              <a:t>thức dịch vụ DNS</a:t>
+            </a:r>
+            <a:endParaRPr lang="en-US" sz="2200" b="1">
+              <a:solidFill>
+                <a:schemeClr val="accent2">
+                  <a:lumMod val="75000"/>
+                </a:schemeClr>
+              </a:solidFill>
+              <a:latin typeface="Times New Roman" panose="02020603050405020304" pitchFamily="18" charset="0"/>
+              <a:cs typeface="Times New Roman" panose="02020603050405020304" pitchFamily="18" charset="0"/>
+            </a:endParaRPr>
+          </a:p>
+        </p:txBody>
+      </p:sp>
+      <p:sp>
+        <p:nvSpPr>
+          <p:cNvPr id="7" name="Rectangle 6"/>
+          <p:cNvSpPr/>
+          <p:nvPr/>
+        </p:nvSpPr>
+        <p:spPr>
+          <a:xfrm>
+            <a:off x="4189501" y="1238575"/>
+            <a:ext cx="7326638" cy="5016758"/>
+          </a:xfrm>
+          <a:prstGeom prst="rect">
+            <a:avLst/>
+          </a:prstGeom>
+        </p:spPr>
+        <p:txBody>
+          <a:bodyPr wrap="square">
+            <a:spAutoFit/>
+          </a:bodyPr>
+          <a:lstStyle/>
+          <a:p>
+            <a:pPr marL="342900" indent="-342900" algn="just" fontAlgn="base">
+              <a:buFontTx/>
+              <a:buChar char="-"/>
+            </a:pPr>
+            <a:r>
+              <a:rPr lang="vi-VN" sz="2000" b="1" smtClean="0">
+                <a:solidFill>
+                  <a:srgbClr val="1D1D1D"/>
+                </a:solidFill>
+                <a:latin typeface="Times New Roman" panose="02020603050405020304" pitchFamily="18" charset="0"/>
+                <a:cs typeface="Times New Roman" panose="02020603050405020304" pitchFamily="18" charset="0"/>
+              </a:rPr>
+              <a:t>Dịch </a:t>
+            </a:r>
+            <a:r>
+              <a:rPr lang="vi-VN" sz="2000" b="1">
+                <a:solidFill>
+                  <a:srgbClr val="1D1D1D"/>
+                </a:solidFill>
+                <a:latin typeface="Times New Roman" panose="02020603050405020304" pitchFamily="18" charset="0"/>
+                <a:cs typeface="Times New Roman" panose="02020603050405020304" pitchFamily="18" charset="0"/>
+              </a:rPr>
+              <a:t>vụ DNS:</a:t>
+            </a:r>
+            <a:r>
+              <a:rPr lang="vi-VN" sz="2000">
+                <a:solidFill>
+                  <a:srgbClr val="1D1D1D"/>
+                </a:solidFill>
+                <a:latin typeface="Times New Roman" panose="02020603050405020304" pitchFamily="18" charset="0"/>
+                <a:cs typeface="Times New Roman" panose="02020603050405020304" pitchFamily="18" charset="0"/>
+              </a:rPr>
+              <a:t> là một dịch vụ phân giải tên miền có cơ sở dữ liệu phân cấp, phân tán đồng thời có chứa cơ chế ánh xạ từ tên miền tới những địa chỉ IP và ngược lại. DNS sử dụng Port giao tiếp là </a:t>
+            </a:r>
+            <a:r>
+              <a:rPr lang="vi-VN" sz="2000">
+                <a:solidFill>
+                  <a:srgbClr val="1D1D1D"/>
+                </a:solidFill>
+                <a:latin typeface="Times New Roman" panose="02020603050405020304" pitchFamily="18" charset="0"/>
+                <a:cs typeface="Times New Roman" panose="02020603050405020304" pitchFamily="18" charset="0"/>
+              </a:rPr>
+              <a:t>53</a:t>
+            </a:r>
+            <a:r>
+              <a:rPr lang="vi-VN" sz="2000" smtClean="0">
+                <a:solidFill>
+                  <a:srgbClr val="1D1D1D"/>
+                </a:solidFill>
+                <a:latin typeface="Times New Roman" panose="02020603050405020304" pitchFamily="18" charset="0"/>
+                <a:cs typeface="Times New Roman" panose="02020603050405020304" pitchFamily="18" charset="0"/>
+              </a:rPr>
+              <a:t>.</a:t>
+            </a:r>
+            <a:endParaRPr lang="en-US" sz="2000" smtClean="0">
+              <a:solidFill>
+                <a:srgbClr val="1D1D1D"/>
+              </a:solidFill>
+              <a:latin typeface="Times New Roman" panose="02020603050405020304" pitchFamily="18" charset="0"/>
+              <a:cs typeface="Times New Roman" panose="02020603050405020304" pitchFamily="18" charset="0"/>
+            </a:endParaRPr>
+          </a:p>
+          <a:p>
+            <a:pPr marL="342900" indent="-342900" algn="just" fontAlgn="base">
+              <a:buFontTx/>
+              <a:buChar char="-"/>
+            </a:pPr>
+            <a:r>
+              <a:rPr lang="vi-VN" sz="2000">
+                <a:latin typeface="Times New Roman" panose="02020603050405020304" pitchFamily="18" charset="0"/>
+                <a:cs typeface="Times New Roman" panose="02020603050405020304" pitchFamily="18" charset="0"/>
+              </a:rPr>
+              <a:t>Để hoạt động được thì DNS phải có 2 thành phần: DNS Server và </a:t>
+            </a:r>
+            <a:r>
+              <a:rPr lang="vi-VN" sz="2000">
+                <a:latin typeface="Times New Roman" panose="02020603050405020304" pitchFamily="18" charset="0"/>
+                <a:cs typeface="Times New Roman" panose="02020603050405020304" pitchFamily="18" charset="0"/>
+              </a:rPr>
+              <a:t>DNS </a:t>
+            </a:r>
+            <a:r>
+              <a:rPr lang="vi-VN" sz="2000" smtClean="0">
+                <a:latin typeface="Times New Roman" panose="02020603050405020304" pitchFamily="18" charset="0"/>
+                <a:cs typeface="Times New Roman" panose="02020603050405020304" pitchFamily="18" charset="0"/>
+              </a:rPr>
+              <a:t>Client</a:t>
+            </a:r>
+            <a:r>
+              <a:rPr lang="en-US" sz="2000" smtClean="0">
+                <a:latin typeface="Times New Roman" panose="02020603050405020304" pitchFamily="18" charset="0"/>
+                <a:cs typeface="Times New Roman" panose="02020603050405020304" pitchFamily="18" charset="0"/>
+              </a:rPr>
+              <a:t>.</a:t>
+            </a:r>
+          </a:p>
+          <a:p>
+            <a:pPr marL="342900" indent="-342900" algn="just" fontAlgn="base">
+              <a:buFontTx/>
+              <a:buChar char="-"/>
+            </a:pPr>
+            <a:r>
+              <a:rPr lang="vi-VN" sz="2000">
+                <a:latin typeface="Times New Roman" panose="02020603050405020304" pitchFamily="18" charset="0"/>
+                <a:cs typeface="Times New Roman" panose="02020603050405020304" pitchFamily="18" charset="0"/>
+              </a:rPr>
+              <a:t>DNS Server dùng để phân giải tên miền ra IP và ngược lại là IP sang tên miền. Thông qua tìm kiếm trên cơ sở dữ liệu của nó, nếu không có nó sẽ đi hỏi </a:t>
+            </a:r>
+            <a:r>
+              <a:rPr lang="vi-VN" sz="2000">
+                <a:latin typeface="Times New Roman" panose="02020603050405020304" pitchFamily="18" charset="0"/>
+                <a:cs typeface="Times New Roman" panose="02020603050405020304" pitchFamily="18" charset="0"/>
+              </a:rPr>
+              <a:t>DNS </a:t>
+            </a:r>
+            <a:r>
+              <a:rPr lang="vi-VN" sz="2000" smtClean="0">
+                <a:latin typeface="Times New Roman" panose="02020603050405020304" pitchFamily="18" charset="0"/>
+                <a:cs typeface="Times New Roman" panose="02020603050405020304" pitchFamily="18" charset="0"/>
+              </a:rPr>
+              <a:t>khác</a:t>
+            </a:r>
+            <a:r>
+              <a:rPr lang="en-US" sz="2000" smtClean="0">
+                <a:latin typeface="Times New Roman" panose="02020603050405020304" pitchFamily="18" charset="0"/>
+                <a:cs typeface="Times New Roman" panose="02020603050405020304" pitchFamily="18" charset="0"/>
+              </a:rPr>
+              <a:t>.</a:t>
+            </a:r>
+            <a:r>
+              <a:rPr lang="en-US" sz="2000">
+                <a:latin typeface="Times New Roman" panose="02020603050405020304" pitchFamily="18" charset="0"/>
+                <a:cs typeface="Times New Roman" panose="02020603050405020304" pitchFamily="18" charset="0"/>
+              </a:rPr>
+              <a:t> DNS Server sử dụng 2 giao thức để hoạt động là TCP </a:t>
+            </a:r>
+            <a:r>
+              <a:rPr lang="en-US" sz="2000">
+                <a:latin typeface="Times New Roman" panose="02020603050405020304" pitchFamily="18" charset="0"/>
+                <a:cs typeface="Times New Roman" panose="02020603050405020304" pitchFamily="18" charset="0"/>
+              </a:rPr>
+              <a:t>và </a:t>
+            </a:r>
+            <a:r>
+              <a:rPr lang="en-US" sz="2000" smtClean="0">
+                <a:latin typeface="Times New Roman" panose="02020603050405020304" pitchFamily="18" charset="0"/>
+                <a:cs typeface="Times New Roman" panose="02020603050405020304" pitchFamily="18" charset="0"/>
+              </a:rPr>
+              <a:t>UDP:</a:t>
+            </a:r>
+          </a:p>
+          <a:p>
+            <a:pPr marL="344488" indent="-344488" algn="just" fontAlgn="base"/>
+            <a:r>
+              <a:rPr lang="en-US" sz="2000" smtClean="0">
+                <a:latin typeface="Times New Roman" panose="02020603050405020304" pitchFamily="18" charset="0"/>
+                <a:cs typeface="Times New Roman" panose="02020603050405020304" pitchFamily="18" charset="0"/>
+              </a:rPr>
+              <a:t>     + </a:t>
+            </a:r>
+            <a:r>
+              <a:rPr lang="en-US" sz="2000">
+                <a:latin typeface="Times New Roman" panose="02020603050405020304" pitchFamily="18" charset="0"/>
+                <a:cs typeface="Times New Roman" panose="02020603050405020304" pitchFamily="18" charset="0"/>
+              </a:rPr>
+              <a:t>TCP dùng để đóng gói khi 2 Server DNS trao đổi dữ liệu với nhau. Đảm bảo an toàn cho dữ </a:t>
+            </a:r>
+            <a:r>
+              <a:rPr lang="en-US" sz="2000">
+                <a:latin typeface="Times New Roman" panose="02020603050405020304" pitchFamily="18" charset="0"/>
+                <a:cs typeface="Times New Roman" panose="02020603050405020304" pitchFamily="18" charset="0"/>
+              </a:rPr>
+              <a:t>liệu</a:t>
+            </a:r>
+            <a:r>
+              <a:rPr lang="en-US" sz="2000" smtClean="0">
+                <a:latin typeface="Times New Roman" panose="02020603050405020304" pitchFamily="18" charset="0"/>
+                <a:cs typeface="Times New Roman" panose="02020603050405020304" pitchFamily="18" charset="0"/>
+              </a:rPr>
+              <a:t>.</a:t>
+            </a:r>
+          </a:p>
+          <a:p>
+            <a:pPr algn="just" fontAlgn="base"/>
+            <a:r>
+              <a:rPr lang="en-US" sz="2000" smtClean="0">
+                <a:latin typeface="Times New Roman" panose="02020603050405020304" pitchFamily="18" charset="0"/>
+                <a:cs typeface="Times New Roman" panose="02020603050405020304" pitchFamily="18" charset="0"/>
+              </a:rPr>
+              <a:t>     + </a:t>
+            </a:r>
+            <a:r>
+              <a:rPr lang="en-US" sz="2000">
+                <a:latin typeface="Times New Roman" panose="02020603050405020304" pitchFamily="18" charset="0"/>
+                <a:cs typeface="Times New Roman" panose="02020603050405020304" pitchFamily="18" charset="0"/>
+              </a:rPr>
+              <a:t>UDP dùng để đóng gói khi Client yêu cầu phân giải tên miền</a:t>
+            </a:r>
+            <a:endParaRPr lang="en-US" sz="2000" smtClean="0">
+              <a:latin typeface="Times New Roman" panose="02020603050405020304" pitchFamily="18" charset="0"/>
+              <a:cs typeface="Times New Roman" panose="02020603050405020304" pitchFamily="18" charset="0"/>
+            </a:endParaRPr>
+          </a:p>
+          <a:p>
+            <a:pPr marL="342900" indent="-342900" algn="just" fontAlgn="base">
+              <a:buFontTx/>
+              <a:buChar char="-"/>
+            </a:pPr>
+            <a:r>
+              <a:rPr lang="vi-VN" sz="2000">
+                <a:latin typeface="Times New Roman" panose="02020603050405020304" pitchFamily="18" charset="0"/>
+                <a:cs typeface="Times New Roman" panose="02020603050405020304" pitchFamily="18" charset="0"/>
+              </a:rPr>
+              <a:t>DNS Client dùng để phân giải cho máy người dùng. Khi người dùng truy cập tên miền DNS Client sẽ nhờ sang DNS Server phân </a:t>
+            </a:r>
+            <a:r>
+              <a:rPr lang="vi-VN" sz="2000">
+                <a:latin typeface="Times New Roman" panose="02020603050405020304" pitchFamily="18" charset="0"/>
+                <a:cs typeface="Times New Roman" panose="02020603050405020304" pitchFamily="18" charset="0"/>
+              </a:rPr>
+              <a:t>giải</a:t>
+            </a:r>
+            <a:r>
+              <a:rPr lang="vi-VN" sz="2000" smtClean="0">
+                <a:latin typeface="Times New Roman" panose="02020603050405020304" pitchFamily="18" charset="0"/>
+                <a:cs typeface="Times New Roman" panose="02020603050405020304" pitchFamily="18" charset="0"/>
+              </a:rPr>
+              <a:t>.</a:t>
+            </a:r>
+            <a:endParaRPr lang="en-US" sz="2000" smtClean="0">
+              <a:latin typeface="Times New Roman" panose="02020603050405020304" pitchFamily="18" charset="0"/>
+              <a:cs typeface="Times New Roman" panose="02020603050405020304" pitchFamily="18" charset="0"/>
+            </a:endParaRPr>
+          </a:p>
+        </p:txBody>
+      </p:sp>
+    </p:spTree>
+    <p:extLst>
+      <p:ext uri="{BB962C8B-B14F-4D97-AF65-F5344CB8AC3E}">
+        <p14:creationId xmlns:p14="http://schemas.microsoft.com/office/powerpoint/2010/main" val="1435304489"/>
+      </p:ext>
+    </p:extLst>
+  </p:cSld>
+  <p:clrMapOvr>
+    <a:masterClrMapping/>
+  </p:clrMapOvr>
+</p:sld>
+</file>
+
+<file path=ppt/slides/slide16.xml><?xml version="1.0" encoding="utf-8"?>
+<p:sld xmlns:a="http://schemas.openxmlformats.org/drawingml/2006/main" xmlns:r="http://schemas.openxmlformats.org/officeDocument/2006/relationships" xmlns:p="http://schemas.openxmlformats.org/presentationml/2006/main">
+  <p:cSld>
+    <p:spTree>
+      <p:nvGrpSpPr>
+        <p:cNvPr id="1" name=""/>
+        <p:cNvGrpSpPr/>
+        <p:nvPr/>
+      </p:nvGrpSpPr>
+      <p:grpSpPr>
+        <a:xfrm>
+          <a:off x="0" y="0"/>
+          <a:ext cx="0" cy="0"/>
+          <a:chOff x="0" y="0"/>
+          <a:chExt cx="0" cy="0"/>
+        </a:xfrm>
+      </p:grpSpPr>
+      <p:sp>
+        <p:nvSpPr>
+          <p:cNvPr id="4" name="Title 1"/>
+          <p:cNvSpPr txBox="1">
+            <a:spLocks noGrp="1"/>
+          </p:cNvSpPr>
+          <p:nvPr>
+            <p:ph type="title"/>
+          </p:nvPr>
+        </p:nvSpPr>
+        <p:spPr>
+          <a:prstGeom prst="rect">
+            <a:avLst/>
+          </a:prstGeom>
+        </p:spPr>
+        <p:txBody>
+          <a:bodyPr vert="horz" lIns="91440" tIns="45720" rIns="91440" bIns="45720" rtlCol="0" anchor="ctr">
+            <a:normAutofit/>
+          </a:bodyPr>
+          <a:lstStyle>
+            <a:lvl1pPr algn="l" defTabSz="914400" rtl="0" eaLnBrk="1" latinLnBrk="0" hangingPunct="1">
+              <a:lnSpc>
+                <a:spcPct val="90000"/>
+              </a:lnSpc>
+              <a:spcBef>
+                <a:spcPct val="0"/>
+              </a:spcBef>
+              <a:buNone/>
+              <a:defRPr sz="3600" kern="1200" spc="-60" baseline="0">
+                <a:solidFill>
+                  <a:srgbClr val="FFFFFF"/>
+                </a:solidFill>
+                <a:latin typeface="+mj-lt"/>
+                <a:ea typeface="+mj-ea"/>
+                <a:cs typeface="+mj-cs"/>
+              </a:defRPr>
+            </a:lvl1pPr>
+          </a:lstStyle>
+          <a:p>
+            <a:pPr algn="ctr"/>
+            <a:r>
+              <a:rPr lang="en-US" b="1" smtClean="0"/>
+              <a:t>CÁC </a:t>
+            </a:r>
+            <a:r>
+              <a:rPr lang="en-US" b="1" smtClean="0"/>
+              <a:t>GIAO THỨC / DỊCH VỤ TRONG TẦNG APPLICATION</a:t>
+            </a:r>
+            <a:endParaRPr lang="en-US"/>
+          </a:p>
+        </p:txBody>
+      </p:sp>
+      <p:sp>
+        <p:nvSpPr>
+          <p:cNvPr id="5" name="TextBox 4"/>
+          <p:cNvSpPr txBox="1"/>
+          <p:nvPr/>
+        </p:nvSpPr>
+        <p:spPr>
+          <a:xfrm>
+            <a:off x="4443106" y="693063"/>
+            <a:ext cx="6383920" cy="430887"/>
+          </a:xfrm>
+          <a:prstGeom prst="rect">
+            <a:avLst/>
+          </a:prstGeom>
+          <a:noFill/>
+        </p:spPr>
+        <p:txBody>
+          <a:bodyPr wrap="square" rtlCol="0">
+            <a:spAutoFit/>
+          </a:bodyPr>
+          <a:lstStyle/>
+          <a:p>
+            <a:pPr algn="ctr"/>
+            <a:r>
+              <a:rPr lang="en-US" sz="2200" b="1" smtClean="0">
+                <a:solidFill>
+                  <a:schemeClr val="accent2">
+                    <a:lumMod val="75000"/>
+                  </a:schemeClr>
+                </a:solidFill>
+                <a:latin typeface="Times New Roman" panose="02020603050405020304" pitchFamily="18" charset="0"/>
+                <a:cs typeface="Times New Roman" panose="02020603050405020304" pitchFamily="18" charset="0"/>
+              </a:rPr>
+              <a:t>Giao </a:t>
+            </a:r>
+            <a:r>
+              <a:rPr lang="en-US" sz="2200" b="1" smtClean="0">
+                <a:solidFill>
+                  <a:schemeClr val="accent2">
+                    <a:lumMod val="75000"/>
+                  </a:schemeClr>
+                </a:solidFill>
+                <a:latin typeface="Times New Roman" panose="02020603050405020304" pitchFamily="18" charset="0"/>
+                <a:cs typeface="Times New Roman" panose="02020603050405020304" pitchFamily="18" charset="0"/>
+              </a:rPr>
+              <a:t>thức dịch vụ DNS</a:t>
+            </a:r>
+            <a:endParaRPr lang="en-US" sz="2200" b="1">
+              <a:solidFill>
+                <a:schemeClr val="accent2">
+                  <a:lumMod val="75000"/>
+                </a:schemeClr>
+              </a:solidFill>
+              <a:latin typeface="Times New Roman" panose="02020603050405020304" pitchFamily="18" charset="0"/>
+              <a:cs typeface="Times New Roman" panose="02020603050405020304" pitchFamily="18" charset="0"/>
+            </a:endParaRPr>
+          </a:p>
+        </p:txBody>
+      </p:sp>
+      <p:sp>
+        <p:nvSpPr>
+          <p:cNvPr id="6" name="Rectangle 5"/>
+          <p:cNvSpPr/>
+          <p:nvPr/>
+        </p:nvSpPr>
+        <p:spPr>
+          <a:xfrm>
+            <a:off x="4253947" y="1241674"/>
+            <a:ext cx="7248940" cy="4770537"/>
+          </a:xfrm>
+          <a:prstGeom prst="rect">
+            <a:avLst/>
+          </a:prstGeom>
+        </p:spPr>
+        <p:txBody>
+          <a:bodyPr wrap="square">
+            <a:spAutoFit/>
+          </a:bodyPr>
+          <a:lstStyle/>
+          <a:p>
+            <a:pPr marL="342900" indent="-342900" algn="just" fontAlgn="base">
+              <a:buFontTx/>
+              <a:buChar char="-"/>
+            </a:pPr>
+            <a:r>
+              <a:rPr lang="vi-VN" sz="1900" smtClean="0">
+                <a:solidFill>
+                  <a:srgbClr val="1D1D1D"/>
+                </a:solidFill>
+                <a:latin typeface="Times New Roman" panose="02020603050405020304" pitchFamily="18" charset="0"/>
+                <a:cs typeface="Times New Roman" panose="02020603050405020304" pitchFamily="18" charset="0"/>
+              </a:rPr>
+              <a:t>Cách thức hoạt động:</a:t>
+            </a:r>
+            <a:endParaRPr lang="en-US" sz="1900" smtClean="0">
+              <a:solidFill>
+                <a:srgbClr val="1D1D1D"/>
+              </a:solidFill>
+              <a:latin typeface="Times New Roman" panose="02020603050405020304" pitchFamily="18" charset="0"/>
+              <a:cs typeface="Times New Roman" panose="02020603050405020304" pitchFamily="18" charset="0"/>
+            </a:endParaRPr>
+          </a:p>
+          <a:p>
+            <a:pPr algn="just" fontAlgn="base"/>
+            <a:r>
+              <a:rPr lang="en-US" sz="1900" smtClean="0">
+                <a:solidFill>
+                  <a:srgbClr val="1D1D1D"/>
+                </a:solidFill>
+                <a:latin typeface="Times New Roman" panose="02020603050405020304" pitchFamily="18" charset="0"/>
+                <a:cs typeface="Times New Roman" panose="02020603050405020304" pitchFamily="18" charset="0"/>
+              </a:rPr>
+              <a:t>+ </a:t>
+            </a:r>
+            <a:r>
+              <a:rPr lang="vi-VN" sz="1900" smtClean="0">
+                <a:solidFill>
+                  <a:srgbClr val="1D1D1D"/>
+                </a:solidFill>
+                <a:latin typeface="Times New Roman" panose="02020603050405020304" pitchFamily="18" charset="0"/>
+                <a:cs typeface="Times New Roman" panose="02020603050405020304" pitchFamily="18" charset="0"/>
+              </a:rPr>
+              <a:t>Bước 1: Trên máy người dùng truy cập Website: htttp://google.com.vn bằng</a:t>
+            </a:r>
+            <a:r>
+              <a:rPr lang="en-US" sz="1900" smtClean="0">
+                <a:solidFill>
+                  <a:srgbClr val="1D1D1D"/>
+                </a:solidFill>
+                <a:latin typeface="Times New Roman" panose="02020603050405020304" pitchFamily="18" charset="0"/>
+                <a:cs typeface="Times New Roman" panose="02020603050405020304" pitchFamily="18" charset="0"/>
+              </a:rPr>
+              <a:t> </a:t>
+            </a:r>
+            <a:r>
+              <a:rPr lang="vi-VN" sz="1900" smtClean="0">
+                <a:solidFill>
+                  <a:srgbClr val="1D1D1D"/>
+                </a:solidFill>
+                <a:latin typeface="Times New Roman" panose="02020603050405020304" pitchFamily="18" charset="0"/>
+                <a:cs typeface="Times New Roman" panose="02020603050405020304" pitchFamily="18" charset="0"/>
+              </a:rPr>
+              <a:t>IE. Lập tức IE sẽ nhờ DNS Client phân giải tên miền google.com.vn sang địa chỉ IP.</a:t>
+            </a:r>
+            <a:endParaRPr lang="en-US" sz="1900" smtClean="0">
+              <a:solidFill>
+                <a:srgbClr val="1D1D1D"/>
+              </a:solidFill>
+              <a:latin typeface="Times New Roman" panose="02020603050405020304" pitchFamily="18" charset="0"/>
+              <a:cs typeface="Times New Roman" panose="02020603050405020304" pitchFamily="18" charset="0"/>
+            </a:endParaRPr>
+          </a:p>
+          <a:p>
+            <a:pPr algn="just" fontAlgn="base"/>
+            <a:r>
+              <a:rPr lang="en-US" sz="1900" smtClean="0">
+                <a:solidFill>
+                  <a:srgbClr val="1D1D1D"/>
+                </a:solidFill>
+                <a:latin typeface="Times New Roman" panose="02020603050405020304" pitchFamily="18" charset="0"/>
+                <a:cs typeface="Times New Roman" panose="02020603050405020304" pitchFamily="18" charset="0"/>
+              </a:rPr>
+              <a:t>+ </a:t>
+            </a:r>
+            <a:r>
+              <a:rPr lang="vi-VN" sz="1900" smtClean="0">
+                <a:solidFill>
+                  <a:srgbClr val="1D1D1D"/>
+                </a:solidFill>
+                <a:latin typeface="Times New Roman" panose="02020603050405020304" pitchFamily="18" charset="0"/>
+                <a:cs typeface="Times New Roman" panose="02020603050405020304" pitchFamily="18" charset="0"/>
+              </a:rPr>
+              <a:t>Bước 2: Gói tin của DNS client sẽ được chuyển xuống tầng Transport và đóng gói giao thức UDP. Sau đó chuyển xuống Network.</a:t>
+            </a:r>
+            <a:endParaRPr lang="en-US" sz="1900" smtClean="0">
+              <a:solidFill>
+                <a:srgbClr val="1D1D1D"/>
+              </a:solidFill>
+              <a:latin typeface="Times New Roman" panose="02020603050405020304" pitchFamily="18" charset="0"/>
+              <a:cs typeface="Times New Roman" panose="02020603050405020304" pitchFamily="18" charset="0"/>
+            </a:endParaRPr>
+          </a:p>
+          <a:p>
+            <a:pPr algn="just" fontAlgn="base"/>
+            <a:r>
+              <a:rPr lang="en-US" sz="1900">
+                <a:solidFill>
+                  <a:srgbClr val="1D1D1D"/>
+                </a:solidFill>
+                <a:latin typeface="Times New Roman" panose="02020603050405020304" pitchFamily="18" charset="0"/>
+                <a:cs typeface="Times New Roman" panose="02020603050405020304" pitchFamily="18" charset="0"/>
+              </a:rPr>
+              <a:t> </a:t>
+            </a:r>
+            <a:r>
+              <a:rPr lang="en-US" sz="1900" smtClean="0">
+                <a:solidFill>
+                  <a:srgbClr val="1D1D1D"/>
+                </a:solidFill>
+                <a:latin typeface="Times New Roman" panose="02020603050405020304" pitchFamily="18" charset="0"/>
+                <a:cs typeface="Times New Roman" panose="02020603050405020304" pitchFamily="18" charset="0"/>
+              </a:rPr>
+              <a:t>+ </a:t>
+            </a:r>
+            <a:r>
+              <a:rPr lang="vi-VN" sz="1900" smtClean="0">
+                <a:solidFill>
+                  <a:srgbClr val="1D1D1D"/>
+                </a:solidFill>
+                <a:latin typeface="Times New Roman" panose="02020603050405020304" pitchFamily="18" charset="0"/>
+                <a:cs typeface="Times New Roman" panose="02020603050405020304" pitchFamily="18" charset="0"/>
+              </a:rPr>
+              <a:t>Bước 3: Network sẽ đóng IP nguồn là IP máy tính, IP </a:t>
+            </a:r>
+            <a:r>
+              <a:rPr lang="en-US" sz="1900" smtClean="0">
+                <a:solidFill>
+                  <a:srgbClr val="1D1D1D"/>
+                </a:solidFill>
+                <a:latin typeface="Times New Roman" panose="02020603050405020304" pitchFamily="18" charset="0"/>
+                <a:cs typeface="Times New Roman" panose="02020603050405020304" pitchFamily="18" charset="0"/>
+              </a:rPr>
+              <a:t>đích</a:t>
+            </a:r>
+            <a:r>
+              <a:rPr lang="vi-VN" sz="1900" smtClean="0">
+                <a:solidFill>
+                  <a:srgbClr val="1D1D1D"/>
+                </a:solidFill>
+                <a:latin typeface="Times New Roman" panose="02020603050405020304" pitchFamily="18" charset="0"/>
+                <a:cs typeface="Times New Roman" panose="02020603050405020304" pitchFamily="18" charset="0"/>
+              </a:rPr>
+              <a:t> sẽ là IP DNS Server. Ta hay nhập ở dòng Preferred DNS.</a:t>
+            </a:r>
+          </a:p>
+          <a:p>
+            <a:pPr algn="just" fontAlgn="base"/>
+            <a:r>
+              <a:rPr lang="en-US" sz="1900">
+                <a:solidFill>
+                  <a:srgbClr val="1D1D1D"/>
+                </a:solidFill>
+                <a:latin typeface="Times New Roman" panose="02020603050405020304" pitchFamily="18" charset="0"/>
+                <a:cs typeface="Times New Roman" panose="02020603050405020304" pitchFamily="18" charset="0"/>
+              </a:rPr>
+              <a:t> </a:t>
+            </a:r>
+            <a:r>
+              <a:rPr lang="en-US" sz="1900" smtClean="0">
+                <a:solidFill>
+                  <a:srgbClr val="1D1D1D"/>
+                </a:solidFill>
+                <a:latin typeface="Times New Roman" panose="02020603050405020304" pitchFamily="18" charset="0"/>
+                <a:cs typeface="Times New Roman" panose="02020603050405020304" pitchFamily="18" charset="0"/>
+              </a:rPr>
+              <a:t>+ </a:t>
+            </a:r>
+            <a:r>
+              <a:rPr lang="vi-VN" sz="1900" smtClean="0">
+                <a:solidFill>
+                  <a:srgbClr val="1D1D1D"/>
+                </a:solidFill>
+                <a:latin typeface="Times New Roman" panose="02020603050405020304" pitchFamily="18" charset="0"/>
+                <a:cs typeface="Times New Roman" panose="02020603050405020304" pitchFamily="18" charset="0"/>
+              </a:rPr>
+              <a:t>Bước 4: Đã có IP nguồn và IP đích, dữ liệu sẽ chuyển xuống tầng bên dưới và truyền tới đúng DNS Server</a:t>
+            </a:r>
+            <a:r>
+              <a:rPr lang="en-US" sz="1900" smtClean="0">
+                <a:solidFill>
+                  <a:srgbClr val="1D1D1D"/>
+                </a:solidFill>
+                <a:latin typeface="Times New Roman" panose="02020603050405020304" pitchFamily="18" charset="0"/>
+                <a:cs typeface="Times New Roman" panose="02020603050405020304" pitchFamily="18" charset="0"/>
+              </a:rPr>
+              <a:t>.</a:t>
+            </a:r>
+          </a:p>
+          <a:p>
+            <a:pPr algn="just" fontAlgn="base"/>
+            <a:r>
+              <a:rPr lang="en-US" sz="1900">
+                <a:solidFill>
+                  <a:srgbClr val="1D1D1D"/>
+                </a:solidFill>
+                <a:latin typeface="Times New Roman" panose="02020603050405020304" pitchFamily="18" charset="0"/>
+                <a:cs typeface="Times New Roman" panose="02020603050405020304" pitchFamily="18" charset="0"/>
+              </a:rPr>
+              <a:t> </a:t>
+            </a:r>
+            <a:r>
+              <a:rPr lang="en-US" sz="1900" smtClean="0">
+                <a:solidFill>
+                  <a:srgbClr val="1D1D1D"/>
+                </a:solidFill>
+                <a:latin typeface="Times New Roman" panose="02020603050405020304" pitchFamily="18" charset="0"/>
+                <a:cs typeface="Times New Roman" panose="02020603050405020304" pitchFamily="18" charset="0"/>
+              </a:rPr>
+              <a:t>+ </a:t>
+            </a:r>
+            <a:r>
+              <a:rPr lang="vi-VN" sz="1900" smtClean="0">
+                <a:solidFill>
+                  <a:srgbClr val="1D1D1D"/>
+                </a:solidFill>
+                <a:latin typeface="Times New Roman" panose="02020603050405020304" pitchFamily="18" charset="0"/>
+                <a:cs typeface="Times New Roman" panose="02020603050405020304" pitchFamily="18" charset="0"/>
+              </a:rPr>
+              <a:t>Bước 5: Khi yêu cầu gửi tới DNS Server nó sẽ tìm trong cơ sở dữ liệu của mình xem tền miền đó ứng địa chỉ IP của Server Website nào.</a:t>
+            </a:r>
+            <a:endParaRPr lang="en-US" sz="1900" smtClean="0">
+              <a:solidFill>
+                <a:srgbClr val="1D1D1D"/>
+              </a:solidFill>
+              <a:latin typeface="Times New Roman" panose="02020603050405020304" pitchFamily="18" charset="0"/>
+              <a:cs typeface="Times New Roman" panose="02020603050405020304" pitchFamily="18" charset="0"/>
+            </a:endParaRPr>
+          </a:p>
+          <a:p>
+            <a:pPr algn="just" fontAlgn="base"/>
+            <a:r>
+              <a:rPr lang="en-US" sz="1900">
+                <a:solidFill>
+                  <a:srgbClr val="1D1D1D"/>
+                </a:solidFill>
+                <a:latin typeface="Times New Roman" panose="02020603050405020304" pitchFamily="18" charset="0"/>
+                <a:cs typeface="Times New Roman" panose="02020603050405020304" pitchFamily="18" charset="0"/>
+              </a:rPr>
+              <a:t> </a:t>
+            </a:r>
+            <a:r>
+              <a:rPr lang="en-US" sz="1900" smtClean="0">
+                <a:solidFill>
+                  <a:srgbClr val="1D1D1D"/>
+                </a:solidFill>
+                <a:latin typeface="Times New Roman" panose="02020603050405020304" pitchFamily="18" charset="0"/>
+                <a:cs typeface="Times New Roman" panose="02020603050405020304" pitchFamily="18" charset="0"/>
+              </a:rPr>
+              <a:t>+ </a:t>
+            </a:r>
+            <a:r>
+              <a:rPr lang="vi-VN" sz="1900" smtClean="0">
+                <a:solidFill>
+                  <a:srgbClr val="1D1D1D"/>
+                </a:solidFill>
+                <a:latin typeface="Times New Roman" panose="02020603050405020304" pitchFamily="18" charset="0"/>
+                <a:cs typeface="Times New Roman" panose="02020603050405020304" pitchFamily="18" charset="0"/>
+              </a:rPr>
+              <a:t>Bước 6: Sau khi tìm được nó sẽ gửi lại cho máy có DNS Client yêu cầu.</a:t>
+            </a:r>
+            <a:endParaRPr lang="en-US" sz="1900" smtClean="0">
+              <a:solidFill>
+                <a:srgbClr val="1D1D1D"/>
+              </a:solidFill>
+              <a:latin typeface="Times New Roman" panose="02020603050405020304" pitchFamily="18" charset="0"/>
+              <a:cs typeface="Times New Roman" panose="02020603050405020304" pitchFamily="18" charset="0"/>
+            </a:endParaRPr>
+          </a:p>
+          <a:p>
+            <a:pPr algn="just" fontAlgn="base"/>
+            <a:r>
+              <a:rPr lang="en-US" sz="1900">
+                <a:solidFill>
+                  <a:srgbClr val="1D1D1D"/>
+                </a:solidFill>
+                <a:latin typeface="Times New Roman" panose="02020603050405020304" pitchFamily="18" charset="0"/>
+                <a:cs typeface="Times New Roman" panose="02020603050405020304" pitchFamily="18" charset="0"/>
+              </a:rPr>
+              <a:t> </a:t>
+            </a:r>
+            <a:r>
+              <a:rPr lang="en-US" sz="1900" smtClean="0">
+                <a:solidFill>
+                  <a:srgbClr val="1D1D1D"/>
+                </a:solidFill>
+                <a:latin typeface="Times New Roman" panose="02020603050405020304" pitchFamily="18" charset="0"/>
+                <a:cs typeface="Times New Roman" panose="02020603050405020304" pitchFamily="18" charset="0"/>
+              </a:rPr>
+              <a:t>+ </a:t>
+            </a:r>
+            <a:r>
+              <a:rPr lang="vi-VN" sz="1900" smtClean="0">
+                <a:solidFill>
+                  <a:srgbClr val="1D1D1D"/>
+                </a:solidFill>
+                <a:latin typeface="Times New Roman" panose="02020603050405020304" pitchFamily="18" charset="0"/>
+                <a:cs typeface="Times New Roman" panose="02020603050405020304" pitchFamily="18" charset="0"/>
+              </a:rPr>
+              <a:t>Bước 7: IP của Server Website đã sẵn sàng cho tầng Network đóng vào gói dữ liệu của gói tin truy cập Website</a:t>
+            </a:r>
+            <a:endParaRPr lang="vi-VN" sz="1900" b="0" i="0">
+              <a:solidFill>
+                <a:srgbClr val="1D1D1D"/>
+              </a:solidFill>
+              <a:effectLst/>
+              <a:latin typeface="Times New Roman" panose="02020603050405020304" pitchFamily="18" charset="0"/>
+              <a:cs typeface="Times New Roman" panose="02020603050405020304" pitchFamily="18" charset="0"/>
+            </a:endParaRPr>
+          </a:p>
+        </p:txBody>
+      </p:sp>
+    </p:spTree>
+    <p:extLst>
+      <p:ext uri="{BB962C8B-B14F-4D97-AF65-F5344CB8AC3E}">
+        <p14:creationId xmlns:p14="http://schemas.microsoft.com/office/powerpoint/2010/main" val="2152591897"/>
       </p:ext>
     </p:extLst>
   </p:cSld>
@@ -5223,6 +7099,13 @@
   <p:clrMapOvr>
     <a:masterClrMapping/>
   </p:clrMapOvr>
+  <p:timing>
+    <p:tnLst>
+      <p:par>
+        <p:cTn id="1" dur="indefinite" restart="never" nodeType="tmRoot"/>
+      </p:par>
+    </p:tnLst>
+  </p:timing>
 </p:sld>
 </file>
 
@@ -6532,6 +8415,13 @@
   <p:clrMapOvr>
     <a:masterClrMapping/>
   </p:clrMapOvr>
+  <p:timing>
+    <p:tnLst>
+      <p:par>
+        <p:cTn id="1" dur="indefinite" restart="never" nodeType="tmRoot"/>
+      </p:par>
+    </p:tnLst>
+  </p:timing>
 </p:sld>
 </file>
 
@@ -6858,6 +8748,13 @@
   <p:clrMapOvr>
     <a:masterClrMapping/>
   </p:clrMapOvr>
+  <p:timing>
+    <p:tnLst>
+      <p:par>
+        <p:cTn id="1" dur="indefinite" restart="never" nodeType="tmRoot"/>
+      </p:par>
+    </p:tnLst>
+  </p:timing>
 </p:sld>
 </file>
 
@@ -7192,6 +9089,13 @@
   <p:clrMapOvr>
     <a:masterClrMapping/>
   </p:clrMapOvr>
+  <p:timing>
+    <p:tnLst>
+      <p:par>
+        <p:cTn id="1" dur="indefinite" restart="never" nodeType="tmRoot"/>
+      </p:par>
+    </p:tnLst>
+  </p:timing>
 </p:sld>
 </file>
 

--- a/Topic 1.pptx
+++ b/Topic 1.pptx
@@ -17,10 +17,13 @@
     <p:sldId id="265" r:id="rId11"/>
     <p:sldId id="266" r:id="rId12"/>
     <p:sldId id="267" r:id="rId13"/>
-    <p:sldId id="268" r:id="rId14"/>
-    <p:sldId id="269" r:id="rId15"/>
-    <p:sldId id="270" r:id="rId16"/>
-    <p:sldId id="271" r:id="rId17"/>
+    <p:sldId id="274" r:id="rId14"/>
+    <p:sldId id="268" r:id="rId15"/>
+    <p:sldId id="269" r:id="rId16"/>
+    <p:sldId id="270" r:id="rId17"/>
+    <p:sldId id="271" r:id="rId18"/>
+    <p:sldId id="272" r:id="rId19"/>
+    <p:sldId id="273" r:id="rId20"/>
   </p:sldIdLst>
   <p:sldSz cx="12192000" cy="6858000"/>
   <p:notesSz cx="6858000" cy="9144000"/>
@@ -351,7 +354,7 @@
           <a:p>
             <a:fld id="{C3606AC6-296F-46C9-AAA8-14F1B17A7BB9}" type="datetimeFigureOut">
               <a:rPr lang="en-US" smtClean="0"/>
-              <a:t>6/11/2015</a:t>
+              <a:t>6/12/2015</a:t>
             </a:fld>
             <a:endParaRPr lang="en-US"/>
           </a:p>
@@ -521,7 +524,7 @@
           <a:p>
             <a:fld id="{C3606AC6-296F-46C9-AAA8-14F1B17A7BB9}" type="datetimeFigureOut">
               <a:rPr lang="en-US" smtClean="0"/>
-              <a:t>6/11/2015</a:t>
+              <a:t>6/12/2015</a:t>
             </a:fld>
             <a:endParaRPr lang="en-US"/>
           </a:p>
@@ -701,7 +704,7 @@
           <a:p>
             <a:fld id="{C3606AC6-296F-46C9-AAA8-14F1B17A7BB9}" type="datetimeFigureOut">
               <a:rPr lang="en-US" smtClean="0"/>
-              <a:t>6/11/2015</a:t>
+              <a:t>6/12/2015</a:t>
             </a:fld>
             <a:endParaRPr lang="en-US"/>
           </a:p>
@@ -871,7 +874,7 @@
           <a:p>
             <a:fld id="{C3606AC6-296F-46C9-AAA8-14F1B17A7BB9}" type="datetimeFigureOut">
               <a:rPr lang="en-US" smtClean="0"/>
-              <a:t>6/11/2015</a:t>
+              <a:t>6/12/2015</a:t>
             </a:fld>
             <a:endParaRPr lang="en-US"/>
           </a:p>
@@ -1129,7 +1132,7 @@
           <a:p>
             <a:fld id="{C3606AC6-296F-46C9-AAA8-14F1B17A7BB9}" type="datetimeFigureOut">
               <a:rPr lang="en-US" smtClean="0"/>
-              <a:t>6/11/2015</a:t>
+              <a:t>6/12/2015</a:t>
             </a:fld>
             <a:endParaRPr lang="en-US"/>
           </a:p>
@@ -1417,7 +1420,7 @@
           <a:p>
             <a:fld id="{C3606AC6-296F-46C9-AAA8-14F1B17A7BB9}" type="datetimeFigureOut">
               <a:rPr lang="en-US" smtClean="0"/>
-              <a:t>6/11/2015</a:t>
+              <a:t>6/12/2015</a:t>
             </a:fld>
             <a:endParaRPr lang="en-US"/>
           </a:p>
@@ -1859,7 +1862,7 @@
           <a:p>
             <a:fld id="{C3606AC6-296F-46C9-AAA8-14F1B17A7BB9}" type="datetimeFigureOut">
               <a:rPr lang="en-US" smtClean="0"/>
-              <a:t>6/11/2015</a:t>
+              <a:t>6/12/2015</a:t>
             </a:fld>
             <a:endParaRPr lang="en-US"/>
           </a:p>
@@ -1977,7 +1980,7 @@
           <a:p>
             <a:fld id="{C3606AC6-296F-46C9-AAA8-14F1B17A7BB9}" type="datetimeFigureOut">
               <a:rPr lang="en-US" smtClean="0"/>
-              <a:t>6/11/2015</a:t>
+              <a:t>6/12/2015</a:t>
             </a:fld>
             <a:endParaRPr lang="en-US"/>
           </a:p>
@@ -2072,7 +2075,7 @@
           <a:p>
             <a:fld id="{C3606AC6-296F-46C9-AAA8-14F1B17A7BB9}" type="datetimeFigureOut">
               <a:rPr lang="en-US" smtClean="0"/>
-              <a:t>6/11/2015</a:t>
+              <a:t>6/12/2015</a:t>
             </a:fld>
             <a:endParaRPr lang="en-US"/>
           </a:p>
@@ -2360,7 +2363,7 @@
           <a:p>
             <a:fld id="{C3606AC6-296F-46C9-AAA8-14F1B17A7BB9}" type="datetimeFigureOut">
               <a:rPr lang="en-US" smtClean="0"/>
-              <a:t>6/11/2015</a:t>
+              <a:t>6/12/2015</a:t>
             </a:fld>
             <a:endParaRPr lang="en-US"/>
           </a:p>
@@ -2633,7 +2636,7 @@
           <a:p>
             <a:fld id="{C3606AC6-296F-46C9-AAA8-14F1B17A7BB9}" type="datetimeFigureOut">
               <a:rPr lang="en-US" smtClean="0"/>
-              <a:t>6/11/2015</a:t>
+              <a:t>6/12/2015</a:t>
             </a:fld>
             <a:endParaRPr lang="en-US"/>
           </a:p>
@@ -2930,7 +2933,7 @@
           <a:p>
             <a:fld id="{C3606AC6-296F-46C9-AAA8-14F1B17A7BB9}" type="datetimeFigureOut">
               <a:rPr lang="en-US" smtClean="0"/>
-              <a:t>6/11/2015</a:t>
+              <a:t>6/12/2015</a:t>
             </a:fld>
             <a:endParaRPr lang="en-US"/>
           </a:p>
@@ -3439,21 +3442,7 @@
                 <a:latin typeface="Times New Roman" panose="02020603050405020304" pitchFamily="18" charset="0"/>
                 <a:cs typeface="Times New Roman" panose="02020603050405020304" pitchFamily="18" charset="0"/>
               </a:rPr>
-              <a:t>TOPIC </a:t>
-            </a:r>
-            <a:r>
-              <a:rPr lang="en-US" b="1" smtClean="0">
-                <a:latin typeface="Times New Roman" panose="02020603050405020304" pitchFamily="18" charset="0"/>
-                <a:cs typeface="Times New Roman" panose="02020603050405020304" pitchFamily="18" charset="0"/>
-              </a:rPr>
-              <a:t>1: TCP/IP Basics and </a:t>
-            </a:r>
-            <a:r>
-              <a:rPr lang="en-US" b="1" smtClean="0">
-                <a:latin typeface="Times New Roman" panose="02020603050405020304" pitchFamily="18" charset="0"/>
-                <a:cs typeface="Times New Roman" panose="02020603050405020304" pitchFamily="18" charset="0"/>
-              </a:rPr>
-              <a:t>				 Wireshark</a:t>
+              <a:t>TOPIC 1: TCP/IP Basics and 				 Wireshark</a:t>
             </a:r>
             <a:endParaRPr lang="en-US" b="1">
               <a:latin typeface="Times New Roman" panose="02020603050405020304" pitchFamily="18" charset="0"/>
@@ -4240,11 +4229,7 @@
             <a:pPr algn="ctr"/>
             <a:r>
               <a:rPr lang="en-US" b="1" smtClean="0"/>
-              <a:t>CÁC </a:t>
-            </a:r>
-            <a:r>
-              <a:rPr lang="en-US" b="1" smtClean="0"/>
-              <a:t>GIAO THỨC / DỊCH VỤ TRONG TẦNG APPLICATION</a:t>
+              <a:t>CÁC GIAO THỨC / DỊCH VỤ TRONG TẦNG APPLICATION</a:t>
             </a:r>
             <a:endParaRPr lang="en-US"/>
           </a:p>
@@ -4271,235 +4256,190 @@
           </a:bodyPr>
           <a:lstStyle/>
           <a:p>
-            <a:pPr algn="just"/>
-            <a:r>
-              <a:rPr lang="en-US" sz="2000" b="1" i="0" smtClean="0">
-                <a:solidFill>
-                  <a:srgbClr val="252525"/>
-                </a:solidFill>
-                <a:effectLst/>
-                <a:latin typeface="Times New Roman" panose="02020603050405020304" pitchFamily="18" charset="0"/>
-                <a:cs typeface="Times New Roman" panose="02020603050405020304" pitchFamily="18" charset="0"/>
-              </a:rPr>
-              <a:t>- </a:t>
-            </a:r>
-            <a:r>
-              <a:rPr lang="vi-VN" sz="2000" b="1" i="0" smtClean="0">
-                <a:solidFill>
-                  <a:srgbClr val="252525"/>
-                </a:solidFill>
-                <a:effectLst/>
-                <a:latin typeface="Times New Roman" panose="02020603050405020304" pitchFamily="18" charset="0"/>
-                <a:cs typeface="Times New Roman" panose="02020603050405020304" pitchFamily="18" charset="0"/>
-              </a:rPr>
-              <a:t>HTTP</a:t>
-            </a:r>
-            <a:r>
-              <a:rPr lang="vi-VN" sz="2000" b="0" i="0" smtClean="0">
-                <a:solidFill>
-                  <a:srgbClr val="252525"/>
-                </a:solidFill>
-                <a:effectLst/>
-                <a:latin typeface="Times New Roman" panose="02020603050405020304" pitchFamily="18" charset="0"/>
-                <a:cs typeface="Times New Roman" panose="02020603050405020304" pitchFamily="18" charset="0"/>
-              </a:rPr>
-              <a:t> (</a:t>
-            </a:r>
-            <a:r>
-              <a:rPr lang="vi-VN" sz="2000" i="0" smtClean="0">
-                <a:solidFill>
-                  <a:srgbClr val="252525"/>
-                </a:solidFill>
-                <a:effectLst/>
-                <a:latin typeface="Times New Roman" panose="02020603050405020304" pitchFamily="18" charset="0"/>
-                <a:cs typeface="Times New Roman" panose="02020603050405020304" pitchFamily="18" charset="0"/>
-              </a:rPr>
-              <a:t>HyperText Transfer Protocol</a:t>
-            </a:r>
-            <a:r>
-              <a:rPr lang="vi-VN" sz="2000" b="0" i="0" smtClean="0">
-                <a:solidFill>
-                  <a:srgbClr val="252525"/>
-                </a:solidFill>
-                <a:effectLst/>
-                <a:latin typeface="Times New Roman" panose="02020603050405020304" pitchFamily="18" charset="0"/>
-                <a:cs typeface="Times New Roman" panose="02020603050405020304" pitchFamily="18" charset="0"/>
-              </a:rPr>
-              <a:t> - </a:t>
-            </a:r>
-            <a:r>
-              <a:rPr lang="vi-VN" sz="2000" b="0" i="1" smtClean="0">
-                <a:solidFill>
-                  <a:srgbClr val="252525"/>
-                </a:solidFill>
-                <a:effectLst/>
-                <a:latin typeface="Times New Roman" panose="02020603050405020304" pitchFamily="18" charset="0"/>
-                <a:cs typeface="Times New Roman" panose="02020603050405020304" pitchFamily="18" charset="0"/>
-              </a:rPr>
-              <a:t>Giao thức truyền tải siêu văn bản</a:t>
-            </a:r>
-            <a:r>
-              <a:rPr lang="vi-VN" sz="2000" b="0" i="0" smtClean="0">
-                <a:solidFill>
-                  <a:srgbClr val="252525"/>
-                </a:solidFill>
-                <a:effectLst/>
-                <a:latin typeface="Times New Roman" panose="02020603050405020304" pitchFamily="18" charset="0"/>
-                <a:cs typeface="Times New Roman" panose="02020603050405020304" pitchFamily="18" charset="0"/>
-              </a:rPr>
-              <a:t>) là một trong năm giao thức chuẩn về mạng </a:t>
-            </a:r>
-            <a:r>
-              <a:rPr lang="en-US" sz="2000" b="0" i="0" smtClean="0">
-                <a:solidFill>
-                  <a:srgbClr val="252525"/>
-                </a:solidFill>
-                <a:effectLst/>
-                <a:latin typeface="Times New Roman" panose="02020603050405020304" pitchFamily="18" charset="0"/>
-                <a:cs typeface="Times New Roman" panose="02020603050405020304" pitchFamily="18" charset="0"/>
-              </a:rPr>
-              <a:t>Internet, </a:t>
-            </a:r>
-            <a:r>
-              <a:rPr lang="vi-VN" sz="2000" b="0" i="0" smtClean="0">
-                <a:solidFill>
-                  <a:srgbClr val="252525"/>
-                </a:solidFill>
-                <a:effectLst/>
-                <a:latin typeface="Times New Roman" panose="02020603050405020304" pitchFamily="18" charset="0"/>
-                <a:cs typeface="Times New Roman" panose="02020603050405020304" pitchFamily="18" charset="0"/>
-              </a:rPr>
-              <a:t>được dùng để liên hệ thông tin giữa Máy cung cấp dịch vụ (Web server) và Máy sử dụng dịch vụ (Web client) là giao thức Client/Server dùng cho </a:t>
-            </a:r>
-            <a:r>
-              <a:rPr lang="vi-VN" sz="2000" b="0" i="1" smtClean="0">
-                <a:solidFill>
-                  <a:srgbClr val="252525"/>
-                </a:solidFill>
-                <a:effectLst/>
-                <a:latin typeface="Times New Roman" panose="02020603050405020304" pitchFamily="18" charset="0"/>
-                <a:cs typeface="Times New Roman" panose="02020603050405020304" pitchFamily="18" charset="0"/>
-              </a:rPr>
-              <a:t>World Wide Web</a:t>
-            </a:r>
-            <a:r>
-              <a:rPr lang="en-US" sz="2000">
-                <a:solidFill>
-                  <a:srgbClr val="252525"/>
-                </a:solidFill>
-                <a:latin typeface="Times New Roman" panose="02020603050405020304" pitchFamily="18" charset="0"/>
-                <a:cs typeface="Times New Roman" panose="02020603050405020304" pitchFamily="18" charset="0"/>
-              </a:rPr>
-              <a:t> </a:t>
-            </a:r>
-            <a:r>
-              <a:rPr lang="en-US" sz="2000" smtClean="0">
-                <a:solidFill>
-                  <a:srgbClr val="252525"/>
-                </a:solidFill>
-                <a:latin typeface="Times New Roman" panose="02020603050405020304" pitchFamily="18" charset="0"/>
-                <a:cs typeface="Times New Roman" panose="02020603050405020304" pitchFamily="18" charset="0"/>
-              </a:rPr>
-              <a:t>- www</a:t>
-            </a:r>
-            <a:r>
-              <a:rPr lang="vi-VN" sz="2000" b="0" i="0" smtClean="0">
-                <a:solidFill>
-                  <a:srgbClr val="252525"/>
-                </a:solidFill>
-                <a:effectLst/>
-                <a:latin typeface="Times New Roman" panose="02020603050405020304" pitchFamily="18" charset="0"/>
-                <a:cs typeface="Times New Roman" panose="02020603050405020304" pitchFamily="18" charset="0"/>
-              </a:rPr>
-              <a:t>, </a:t>
-            </a:r>
-            <a:r>
-              <a:rPr lang="vi-VN" sz="2000" i="0" smtClean="0">
-                <a:solidFill>
-                  <a:srgbClr val="252525"/>
-                </a:solidFill>
-                <a:effectLst/>
-                <a:latin typeface="Times New Roman" panose="02020603050405020304" pitchFamily="18" charset="0"/>
-                <a:cs typeface="Times New Roman" panose="02020603050405020304" pitchFamily="18" charset="0"/>
-              </a:rPr>
-              <a:t>HTTP</a:t>
-            </a:r>
-            <a:r>
-              <a:rPr lang="vi-VN" sz="2000" b="0" i="0" smtClean="0">
-                <a:solidFill>
-                  <a:srgbClr val="252525"/>
-                </a:solidFill>
-                <a:effectLst/>
-                <a:latin typeface="Times New Roman" panose="02020603050405020304" pitchFamily="18" charset="0"/>
-                <a:cs typeface="Times New Roman" panose="02020603050405020304" pitchFamily="18" charset="0"/>
-              </a:rPr>
-              <a:t> là một giao thức ứng dụng của bộ giao thức </a:t>
-            </a:r>
-            <a:r>
-              <a:rPr lang="en-US" sz="2000" smtClean="0">
-                <a:latin typeface="Times New Roman" panose="02020603050405020304" pitchFamily="18" charset="0"/>
-                <a:cs typeface="Times New Roman" panose="02020603050405020304" pitchFamily="18" charset="0"/>
-              </a:rPr>
-              <a:t>TCP/IP</a:t>
-            </a:r>
-            <a:r>
-              <a:rPr lang="vi-VN" sz="2000" b="0" i="0" smtClean="0">
-                <a:effectLst/>
-                <a:latin typeface="Times New Roman" panose="02020603050405020304" pitchFamily="18" charset="0"/>
-                <a:cs typeface="Times New Roman" panose="02020603050405020304" pitchFamily="18" charset="0"/>
-              </a:rPr>
-              <a:t> </a:t>
-            </a:r>
-            <a:r>
-              <a:rPr lang="vi-VN" sz="2000" b="0" i="0" smtClean="0">
-                <a:solidFill>
-                  <a:srgbClr val="252525"/>
-                </a:solidFill>
-                <a:effectLst/>
-                <a:latin typeface="Times New Roman" panose="02020603050405020304" pitchFamily="18" charset="0"/>
-                <a:cs typeface="Times New Roman" panose="02020603050405020304" pitchFamily="18" charset="0"/>
-              </a:rPr>
-              <a:t>(các giao thức nền tảng cho Internet).</a:t>
-            </a:r>
-            <a:endParaRPr lang="en-US" sz="2000" b="0" i="0" smtClean="0">
-              <a:solidFill>
-                <a:srgbClr val="252525"/>
-              </a:solidFill>
-              <a:effectLst/>
-              <a:latin typeface="Times New Roman" panose="02020603050405020304" pitchFamily="18" charset="0"/>
-              <a:cs typeface="Times New Roman" panose="02020603050405020304" pitchFamily="18" charset="0"/>
-            </a:endParaRPr>
-          </a:p>
-          <a:p>
-            <a:pPr algn="just"/>
+            <a:pPr marL="342900" indent="-342900" algn="just">
+              <a:buFontTx/>
+              <a:buChar char="-"/>
+            </a:pPr>
+            <a:r>
+              <a:rPr lang="vi-VN" sz="2000" b="1" smtClean="0">
+                <a:latin typeface="Times New Roman" panose="02020603050405020304" pitchFamily="18" charset="0"/>
+                <a:cs typeface="Times New Roman" panose="02020603050405020304" pitchFamily="18" charset="0"/>
+              </a:rPr>
+              <a:t>Dịch </a:t>
+            </a:r>
+            <a:r>
+              <a:rPr lang="vi-VN" sz="2000" b="1">
+                <a:latin typeface="Times New Roman" panose="02020603050405020304" pitchFamily="18" charset="0"/>
+                <a:cs typeface="Times New Roman" panose="02020603050405020304" pitchFamily="18" charset="0"/>
+              </a:rPr>
+              <a:t>vụ Web:</a:t>
+            </a:r>
+            <a:r>
+              <a:rPr lang="vi-VN" sz="2000">
+                <a:latin typeface="Times New Roman" panose="02020603050405020304" pitchFamily="18" charset="0"/>
+                <a:cs typeface="Times New Roman" panose="02020603050405020304" pitchFamily="18" charset="0"/>
+              </a:rPr>
+              <a:t> là dịch vụ liên kết trang siêu văn bản. Dùng để truyền thông tin tới người dùng một cách đa dạng và phong </a:t>
+            </a:r>
+            <a:r>
+              <a:rPr lang="vi-VN" sz="2000">
+                <a:latin typeface="Times New Roman" panose="02020603050405020304" pitchFamily="18" charset="0"/>
+                <a:cs typeface="Times New Roman" panose="02020603050405020304" pitchFamily="18" charset="0"/>
+              </a:rPr>
+              <a:t>phú</a:t>
+            </a:r>
+            <a:r>
+              <a:rPr lang="vi-VN" sz="2000" smtClean="0">
+                <a:latin typeface="Times New Roman" panose="02020603050405020304" pitchFamily="18" charset="0"/>
+                <a:cs typeface="Times New Roman" panose="02020603050405020304" pitchFamily="18" charset="0"/>
+              </a:rPr>
+              <a:t>.</a:t>
+            </a:r>
             <a:endParaRPr lang="en-US" sz="2000" smtClean="0">
               <a:latin typeface="Times New Roman" panose="02020603050405020304" pitchFamily="18" charset="0"/>
               <a:cs typeface="Times New Roman" panose="02020603050405020304" pitchFamily="18" charset="0"/>
             </a:endParaRPr>
           </a:p>
           <a:p>
+            <a:pPr marL="342900" indent="-342900" algn="just">
+              <a:buFontTx/>
+              <a:buChar char="-"/>
+            </a:pPr>
+            <a:r>
+              <a:rPr lang="vi-VN" sz="2000">
+                <a:latin typeface="Times New Roman" panose="02020603050405020304" pitchFamily="18" charset="0"/>
+                <a:cs typeface="Times New Roman" panose="02020603050405020304" pitchFamily="18" charset="0"/>
+              </a:rPr>
+              <a:t>Dịch vụ Web dùng 2 cách để gửi dữ liệu tới người dùng đó là HTTP (không bảo mật) và HTTPS (có bảo </a:t>
+            </a:r>
+            <a:r>
+              <a:rPr lang="vi-VN" sz="2000">
+                <a:latin typeface="Times New Roman" panose="02020603050405020304" pitchFamily="18" charset="0"/>
+                <a:cs typeface="Times New Roman" panose="02020603050405020304" pitchFamily="18" charset="0"/>
+              </a:rPr>
+              <a:t>mật</a:t>
+            </a:r>
+            <a:r>
+              <a:rPr lang="vi-VN" sz="2000" smtClean="0">
+                <a:latin typeface="Times New Roman" panose="02020603050405020304" pitchFamily="18" charset="0"/>
+                <a:cs typeface="Times New Roman" panose="02020603050405020304" pitchFamily="18" charset="0"/>
+              </a:rPr>
+              <a:t>).</a:t>
+            </a:r>
+            <a:endParaRPr lang="en-US" sz="2000" smtClean="0">
+              <a:latin typeface="Times New Roman" panose="02020603050405020304" pitchFamily="18" charset="0"/>
+              <a:cs typeface="Times New Roman" panose="02020603050405020304" pitchFamily="18" charset="0"/>
+            </a:endParaRPr>
+          </a:p>
+          <a:p>
+            <a:pPr marL="342900" indent="-342900" algn="just">
+              <a:buFontTx/>
+              <a:buChar char="-"/>
+            </a:pPr>
+            <a:r>
+              <a:rPr lang="vi-VN" sz="2000" smtClean="0">
+                <a:latin typeface="Times New Roman" panose="02020603050405020304" pitchFamily="18" charset="0"/>
+                <a:cs typeface="Times New Roman" panose="02020603050405020304" pitchFamily="18" charset="0"/>
+              </a:rPr>
+              <a:t>Để </a:t>
+            </a:r>
+            <a:r>
+              <a:rPr lang="vi-VN" sz="2000">
+                <a:latin typeface="Times New Roman" panose="02020603050405020304" pitchFamily="18" charset="0"/>
+                <a:cs typeface="Times New Roman" panose="02020603050405020304" pitchFamily="18" charset="0"/>
+              </a:rPr>
+              <a:t>dịch vụ Web hoạt động được nó phải có 2 thành phần: Web Server và </a:t>
+            </a:r>
+            <a:r>
+              <a:rPr lang="vi-VN" sz="2000">
+                <a:latin typeface="Times New Roman" panose="02020603050405020304" pitchFamily="18" charset="0"/>
+                <a:cs typeface="Times New Roman" panose="02020603050405020304" pitchFamily="18" charset="0"/>
+              </a:rPr>
+              <a:t>Web </a:t>
+            </a:r>
+            <a:r>
+              <a:rPr lang="vi-VN" sz="2000" smtClean="0">
+                <a:latin typeface="Times New Roman" panose="02020603050405020304" pitchFamily="18" charset="0"/>
+                <a:cs typeface="Times New Roman" panose="02020603050405020304" pitchFamily="18" charset="0"/>
+              </a:rPr>
+              <a:t>Client</a:t>
+            </a:r>
+            <a:r>
+              <a:rPr lang="en-US" sz="2000" smtClean="0">
+                <a:latin typeface="Times New Roman" panose="02020603050405020304" pitchFamily="18" charset="0"/>
+                <a:cs typeface="Times New Roman" panose="02020603050405020304" pitchFamily="18" charset="0"/>
+              </a:rPr>
+              <a:t>.</a:t>
+            </a:r>
+          </a:p>
+          <a:p>
+            <a:pPr marL="347663" algn="just"/>
+            <a:r>
+              <a:rPr lang="en-US" sz="2000" smtClean="0">
+                <a:latin typeface="Times New Roman" panose="02020603050405020304" pitchFamily="18" charset="0"/>
+                <a:cs typeface="Times New Roman" panose="02020603050405020304" pitchFamily="18" charset="0"/>
+              </a:rPr>
+              <a:t>+ </a:t>
+            </a:r>
+            <a:r>
+              <a:rPr lang="vi-VN" sz="2000" smtClean="0">
+                <a:latin typeface="Times New Roman" panose="02020603050405020304" pitchFamily="18" charset="0"/>
+                <a:cs typeface="Times New Roman" panose="02020603050405020304" pitchFamily="18" charset="0"/>
+              </a:rPr>
+              <a:t>Web </a:t>
+            </a:r>
+            <a:r>
+              <a:rPr lang="vi-VN" sz="2000">
+                <a:latin typeface="Times New Roman" panose="02020603050405020304" pitchFamily="18" charset="0"/>
+                <a:cs typeface="Times New Roman" panose="02020603050405020304" pitchFamily="18" charset="0"/>
+              </a:rPr>
+              <a:t>Server là nơi cung cấp dữ liệu Web. Người ta xây dựng lên một Website để người dùng truy cập vào. Web Server sẽ chạy ở Port 80 hoặc </a:t>
+            </a:r>
+            <a:r>
+              <a:rPr lang="vi-VN" sz="2000">
+                <a:latin typeface="Times New Roman" panose="02020603050405020304" pitchFamily="18" charset="0"/>
+                <a:cs typeface="Times New Roman" panose="02020603050405020304" pitchFamily="18" charset="0"/>
+              </a:rPr>
+              <a:t>443</a:t>
+            </a:r>
+            <a:r>
+              <a:rPr lang="vi-VN" sz="2000" smtClean="0">
+                <a:latin typeface="Times New Roman" panose="02020603050405020304" pitchFamily="18" charset="0"/>
+                <a:cs typeface="Times New Roman" panose="02020603050405020304" pitchFamily="18" charset="0"/>
+              </a:rPr>
+              <a:t>.</a:t>
+            </a:r>
+            <a:endParaRPr lang="en-US" sz="2000" smtClean="0">
+              <a:latin typeface="Times New Roman" panose="02020603050405020304" pitchFamily="18" charset="0"/>
+              <a:cs typeface="Times New Roman" panose="02020603050405020304" pitchFamily="18" charset="0"/>
+            </a:endParaRPr>
+          </a:p>
+          <a:p>
+            <a:pPr marL="347663" algn="just"/>
+            <a:r>
+              <a:rPr lang="en-US" sz="2000" smtClean="0">
+                <a:latin typeface="Times New Roman" panose="02020603050405020304" pitchFamily="18" charset="0"/>
+                <a:cs typeface="Times New Roman" panose="02020603050405020304" pitchFamily="18" charset="0"/>
+              </a:rPr>
+              <a:t>+ </a:t>
+            </a:r>
+            <a:r>
+              <a:rPr lang="vi-VN" sz="2000" smtClean="0">
+                <a:latin typeface="Times New Roman" panose="02020603050405020304" pitchFamily="18" charset="0"/>
+                <a:cs typeface="Times New Roman" panose="02020603050405020304" pitchFamily="18" charset="0"/>
+              </a:rPr>
+              <a:t>Web </a:t>
+            </a:r>
+            <a:r>
+              <a:rPr lang="vi-VN" sz="2000">
+                <a:latin typeface="Times New Roman" panose="02020603050405020304" pitchFamily="18" charset="0"/>
+                <a:cs typeface="Times New Roman" panose="02020603050405020304" pitchFamily="18" charset="0"/>
+              </a:rPr>
+              <a:t>Client là phía người dùng. Người dùng mở IE hoặc Firefox truy cập vào tên miền của trang Web.</a:t>
+            </a:r>
+          </a:p>
+          <a:p>
             <a:pPr algn="just"/>
-            <a:r>
-              <a:rPr lang="en-US" sz="2000" smtClean="0">
-                <a:latin typeface="Times New Roman" panose="02020603050405020304" pitchFamily="18" charset="0"/>
-                <a:cs typeface="Times New Roman" panose="02020603050405020304" pitchFamily="18" charset="0"/>
-              </a:rPr>
-              <a:t>- </a:t>
-            </a:r>
-            <a:r>
-              <a:rPr lang="vi-VN" sz="2000" b="1">
-                <a:latin typeface="Times New Roman" panose="02020603050405020304" pitchFamily="18" charset="0"/>
-                <a:cs typeface="Times New Roman" panose="02020603050405020304" pitchFamily="18" charset="0"/>
-              </a:rPr>
-              <a:t>HTTPS</a:t>
-            </a:r>
-            <a:r>
-              <a:rPr lang="vi-VN" sz="2000">
-                <a:latin typeface="Times New Roman" panose="02020603050405020304" pitchFamily="18" charset="0"/>
-                <a:cs typeface="Times New Roman" panose="02020603050405020304" pitchFamily="18" charset="0"/>
-              </a:rPr>
-              <a:t> là viết tắt của "Hypertext Transfer Protocol Secure", Nó là một sự kết hợp giữa giao thức HTTP và giao thức bảo mật SSL hay TLS cho phép trao đổi thông tin một cách bảo mật trên Internet. Giao thức HTTPS thường được dùng trong các giao dịch nhậy cảm cần tính bảo mật cao.</a:t>
-            </a:r>
             <a:endParaRPr lang="en-US" sz="2000">
               <a:latin typeface="Times New Roman" panose="02020603050405020304" pitchFamily="18" charset="0"/>
               <a:cs typeface="Times New Roman" panose="02020603050405020304" pitchFamily="18" charset="0"/>
@@ -4531,7 +4471,7 @@
           <a:p>
             <a:pPr algn="ctr"/>
             <a:r>
-              <a:rPr lang="en-US" sz="2200" b="1" smtClean="0">
+              <a:rPr lang="en-US" sz="2200" b="1">
                 <a:solidFill>
                   <a:schemeClr val="accent2">
                     <a:lumMod val="75000"/>
@@ -4540,7 +4480,7 @@
                 <a:latin typeface="Times New Roman" panose="02020603050405020304" pitchFamily="18" charset="0"/>
                 <a:cs typeface="Times New Roman" panose="02020603050405020304" pitchFamily="18" charset="0"/>
               </a:rPr>
-              <a:t>Giao </a:t>
+              <a:t>D</a:t>
             </a:r>
             <a:r>
               <a:rPr lang="en-US" sz="2200" b="1" smtClean="0">
@@ -4552,7 +4492,7 @@
                 <a:latin typeface="Times New Roman" panose="02020603050405020304" pitchFamily="18" charset="0"/>
                 <a:cs typeface="Times New Roman" panose="02020603050405020304" pitchFamily="18" charset="0"/>
               </a:rPr>
-              <a:t>thức dịch vụ Web: HTTP </a:t>
+              <a:t>ịch </a:t>
             </a:r>
             <a:r>
               <a:rPr lang="en-US" sz="2200" b="1" smtClean="0">
@@ -4564,19 +4504,7 @@
                 <a:latin typeface="Times New Roman" panose="02020603050405020304" pitchFamily="18" charset="0"/>
                 <a:cs typeface="Times New Roman" panose="02020603050405020304" pitchFamily="18" charset="0"/>
               </a:rPr>
-              <a:t>và </a:t>
-            </a:r>
-            <a:r>
-              <a:rPr lang="en-US" sz="2200" b="1" smtClean="0">
-                <a:solidFill>
-                  <a:schemeClr val="accent2">
-                    <a:lumMod val="75000"/>
-                  </a:schemeClr>
-                </a:solidFill>
-                <a:latin typeface="Times New Roman" panose="02020603050405020304" pitchFamily="18" charset="0"/>
-                <a:cs typeface="Times New Roman" panose="02020603050405020304" pitchFamily="18" charset="0"/>
-              </a:rPr>
-              <a:t>HTTPS.</a:t>
+              <a:t>vụ Web: HTTP và HTTPS.</a:t>
             </a:r>
             <a:endParaRPr lang="en-US" sz="2200" b="1">
               <a:solidFill>
@@ -4629,7 +4557,7 @@
       </p:grpSpPr>
       <p:sp>
         <p:nvSpPr>
-          <p:cNvPr id="5" name="Title 1"/>
+          <p:cNvPr id="4" name="Title 1"/>
           <p:cNvSpPr txBox="1">
             <a:spLocks noGrp="1"/>
           </p:cNvSpPr>
@@ -4638,10 +4566,6 @@
           </p:nvPr>
         </p:nvSpPr>
         <p:spPr>
-          <a:xfrm>
-            <a:off x="252413" y="1123950"/>
-            <a:ext cx="2947987" cy="4600575"/>
-          </a:xfrm>
           <a:prstGeom prst="rect">
             <a:avLst/>
           </a:prstGeom>
@@ -4673,11 +4597,7 @@
             <a:pPr algn="ctr"/>
             <a:r>
               <a:rPr lang="en-US" b="1" smtClean="0"/>
-              <a:t>CÁC </a:t>
-            </a:r>
-            <a:r>
-              <a:rPr lang="en-US" b="1" smtClean="0"/>
-              <a:t>GIAO THỨC / DỊCH VỤ TRONG TẦNG APPLICATION</a:t>
+              <a:t>CÁC GIAO THỨC / DỊCH VỤ TRONG TẦNG APPLICATION</a:t>
             </a:r>
             <a:endParaRPr lang="en-US"/>
           </a:p>
@@ -4685,14 +4605,14 @@
       </p:sp>
       <p:sp>
         <p:nvSpPr>
-          <p:cNvPr id="6" name="TextBox 5"/>
+          <p:cNvPr id="5" name="TextBox 4"/>
           <p:cNvSpPr txBox="1"/>
           <p:nvPr/>
         </p:nvSpPr>
         <p:spPr>
           <a:xfrm>
-            <a:off x="4509367" y="605268"/>
-            <a:ext cx="6383920" cy="430887"/>
+            <a:off x="4509368" y="605268"/>
+            <a:ext cx="5787026" cy="430887"/>
           </a:xfrm>
           <a:prstGeom prst="rect">
             <a:avLst/>
@@ -4707,7 +4627,7 @@
           <a:p>
             <a:pPr algn="ctr"/>
             <a:r>
-              <a:rPr lang="en-US" sz="2200" b="1" smtClean="0">
+              <a:rPr lang="en-US" sz="2200" b="1">
                 <a:solidFill>
                   <a:schemeClr val="accent2">
                     <a:lumMod val="75000"/>
@@ -4716,7 +4636,7 @@
                 <a:latin typeface="Times New Roman" panose="02020603050405020304" pitchFamily="18" charset="0"/>
                 <a:cs typeface="Times New Roman" panose="02020603050405020304" pitchFamily="18" charset="0"/>
               </a:rPr>
-              <a:t>Giao </a:t>
+              <a:t>D</a:t>
             </a:r>
             <a:r>
               <a:rPr lang="en-US" sz="2200" b="1" smtClean="0">
@@ -4728,7 +4648,19 @@
                 <a:latin typeface="Times New Roman" panose="02020603050405020304" pitchFamily="18" charset="0"/>
                 <a:cs typeface="Times New Roman" panose="02020603050405020304" pitchFamily="18" charset="0"/>
               </a:rPr>
-              <a:t>thức dịch vụ Mail: SMTP, POP, IMAP</a:t>
+              <a:t>ịch </a:t>
+            </a:r>
+            <a:r>
+              <a:rPr lang="en-US" sz="2200" b="1" smtClean="0">
+                <a:solidFill>
+                  <a:schemeClr val="accent2">
+                    <a:lumMod val="75000"/>
+                  </a:schemeClr>
+                </a:solidFill>
+                <a:latin typeface="Times New Roman" panose="02020603050405020304" pitchFamily="18" charset="0"/>
+                <a:cs typeface="Times New Roman" panose="02020603050405020304" pitchFamily="18" charset="0"/>
+              </a:rPr>
+              <a:t>vụ Web: HTTP và HTTPS.</a:t>
             </a:r>
             <a:endParaRPr lang="en-US" sz="2200" b="1">
               <a:solidFill>
@@ -4744,14 +4676,14 @@
       </p:sp>
       <p:sp>
         <p:nvSpPr>
-          <p:cNvPr id="7" name="Rectangle 6"/>
+          <p:cNvPr id="6" name="Rectangle 5"/>
           <p:cNvSpPr/>
           <p:nvPr/>
         </p:nvSpPr>
         <p:spPr>
           <a:xfrm>
-            <a:off x="4253948" y="1212073"/>
-            <a:ext cx="7301948" cy="5016758"/>
+            <a:off x="4198513" y="1278385"/>
+            <a:ext cx="7328078" cy="5062924"/>
           </a:xfrm>
           <a:prstGeom prst="rect">
             <a:avLst/>
@@ -4763,9 +4695,9 @@
           </a:bodyPr>
           <a:lstStyle/>
           <a:p>
-            <a:pPr algn="just"/>
-            <a:r>
-              <a:rPr lang="en-US" sz="2000" b="1" smtClean="0">
+            <a:pPr algn="just" fontAlgn="base"/>
+            <a:r>
+              <a:rPr lang="en-US" sz="1900" smtClean="0">
                 <a:solidFill>
                   <a:srgbClr val="1D1D1D"/>
                 </a:solidFill>
@@ -4775,46 +4707,149 @@
               <a:t>- </a:t>
             </a:r>
             <a:r>
-              <a:rPr lang="vi-VN" sz="2000" b="1" smtClean="0">
-                <a:solidFill>
-                  <a:srgbClr val="1D1D1D"/>
-                </a:solidFill>
-                <a:latin typeface="Times New Roman" panose="02020603050405020304" pitchFamily="18" charset="0"/>
-                <a:cs typeface="Times New Roman" panose="02020603050405020304" pitchFamily="18" charset="0"/>
-              </a:rPr>
-              <a:t>Dịch </a:t>
-            </a:r>
-            <a:r>
-              <a:rPr lang="vi-VN" sz="2000" b="1">
-                <a:solidFill>
-                  <a:srgbClr val="1D1D1D"/>
-                </a:solidFill>
-                <a:latin typeface="Times New Roman" panose="02020603050405020304" pitchFamily="18" charset="0"/>
-                <a:cs typeface="Times New Roman" panose="02020603050405020304" pitchFamily="18" charset="0"/>
-              </a:rPr>
-              <a:t>vụ Mail: </a:t>
-            </a:r>
-            <a:r>
-              <a:rPr lang="vi-VN" sz="2000">
-                <a:solidFill>
-                  <a:srgbClr val="1D1D1D"/>
-                </a:solidFill>
-                <a:latin typeface="Times New Roman" panose="02020603050405020304" pitchFamily="18" charset="0"/>
-                <a:cs typeface="Times New Roman" panose="02020603050405020304" pitchFamily="18" charset="0"/>
-              </a:rPr>
-              <a:t>là dịch vụ thư điện tử. Thay vì nội dung thư của bạn được viết lên giấy và chuyển đi qua đường bưu điện thì email được lưu dưới dạng các tệp văn bản trong máy tính và được chuyển đi qua đường Internet.</a:t>
-            </a:r>
-            <a:r>
-              <a:rPr lang="vi-VN" sz="2000">
-                <a:solidFill>
-                  <a:srgbClr val="1D1D1D"/>
-                </a:solidFill>
-                <a:latin typeface="Times New Roman" panose="02020603050405020304" pitchFamily="18" charset="0"/>
-                <a:cs typeface="Times New Roman" panose="02020603050405020304" pitchFamily="18" charset="0"/>
-              </a:rPr>
-              <a:t> </a:t>
-            </a:r>
-            <a:endParaRPr lang="en-US" sz="2000" smtClean="0">
+              <a:rPr lang="vi-VN" sz="1900" smtClean="0">
+                <a:solidFill>
+                  <a:srgbClr val="1D1D1D"/>
+                </a:solidFill>
+                <a:latin typeface="Times New Roman" panose="02020603050405020304" pitchFamily="18" charset="0"/>
+                <a:cs typeface="Times New Roman" panose="02020603050405020304" pitchFamily="18" charset="0"/>
+              </a:rPr>
+              <a:t>Các </a:t>
+            </a:r>
+            <a:r>
+              <a:rPr lang="vi-VN" sz="1900">
+                <a:solidFill>
+                  <a:srgbClr val="1D1D1D"/>
+                </a:solidFill>
+                <a:latin typeface="Times New Roman" panose="02020603050405020304" pitchFamily="18" charset="0"/>
+                <a:cs typeface="Times New Roman" panose="02020603050405020304" pitchFamily="18" charset="0"/>
+              </a:rPr>
+              <a:t>bước hoạt động:</a:t>
+            </a:r>
+          </a:p>
+          <a:p>
+            <a:pPr algn="just" fontAlgn="base"/>
+            <a:r>
+              <a:rPr lang="en-US" sz="1900">
+                <a:solidFill>
+                  <a:srgbClr val="1D1D1D"/>
+                </a:solidFill>
+                <a:latin typeface="Times New Roman" panose="02020603050405020304" pitchFamily="18" charset="0"/>
+                <a:cs typeface="Times New Roman" panose="02020603050405020304" pitchFamily="18" charset="0"/>
+              </a:rPr>
+              <a:t> </a:t>
+            </a:r>
+            <a:r>
+              <a:rPr lang="en-US" sz="1900" smtClean="0">
+                <a:solidFill>
+                  <a:srgbClr val="1D1D1D"/>
+                </a:solidFill>
+                <a:latin typeface="Times New Roman" panose="02020603050405020304" pitchFamily="18" charset="0"/>
+                <a:cs typeface="Times New Roman" panose="02020603050405020304" pitchFamily="18" charset="0"/>
+              </a:rPr>
+              <a:t>+ </a:t>
+            </a:r>
+            <a:r>
+              <a:rPr lang="vi-VN" sz="1900" b="1" smtClean="0">
+                <a:solidFill>
+                  <a:srgbClr val="1D1D1D"/>
+                </a:solidFill>
+                <a:latin typeface="Times New Roman" panose="02020603050405020304" pitchFamily="18" charset="0"/>
+                <a:cs typeface="Times New Roman" panose="02020603050405020304" pitchFamily="18" charset="0"/>
+              </a:rPr>
+              <a:t>Bước </a:t>
+            </a:r>
+            <a:r>
+              <a:rPr lang="vi-VN" sz="1900" b="1">
+                <a:solidFill>
+                  <a:srgbClr val="1D1D1D"/>
+                </a:solidFill>
+                <a:latin typeface="Times New Roman" panose="02020603050405020304" pitchFamily="18" charset="0"/>
+                <a:cs typeface="Times New Roman" panose="02020603050405020304" pitchFamily="18" charset="0"/>
+              </a:rPr>
+              <a:t>1</a:t>
+            </a:r>
+            <a:r>
+              <a:rPr lang="vi-VN" sz="1900">
+                <a:solidFill>
+                  <a:srgbClr val="1D1D1D"/>
+                </a:solidFill>
+                <a:latin typeface="Times New Roman" panose="02020603050405020304" pitchFamily="18" charset="0"/>
+                <a:cs typeface="Times New Roman" panose="02020603050405020304" pitchFamily="18" charset="0"/>
+              </a:rPr>
+              <a:t>: </a:t>
+            </a:r>
+            <a:r>
+              <a:rPr lang="en-US" sz="1900" smtClean="0">
+                <a:solidFill>
+                  <a:srgbClr val="1D1D1D"/>
+                </a:solidFill>
+                <a:latin typeface="Times New Roman" panose="02020603050405020304" pitchFamily="18" charset="0"/>
+                <a:cs typeface="Times New Roman" panose="02020603050405020304" pitchFamily="18" charset="0"/>
+              </a:rPr>
+              <a:t>N</a:t>
+            </a:r>
+            <a:r>
+              <a:rPr lang="vi-VN" sz="1900" smtClean="0">
+                <a:solidFill>
+                  <a:srgbClr val="1D1D1D"/>
+                </a:solidFill>
+                <a:latin typeface="Times New Roman" panose="02020603050405020304" pitchFamily="18" charset="0"/>
+                <a:cs typeface="Times New Roman" panose="02020603050405020304" pitchFamily="18" charset="0"/>
+              </a:rPr>
+              <a:t>gười </a:t>
+            </a:r>
+            <a:r>
+              <a:rPr lang="vi-VN" sz="1900">
+                <a:solidFill>
+                  <a:srgbClr val="1D1D1D"/>
+                </a:solidFill>
+                <a:latin typeface="Times New Roman" panose="02020603050405020304" pitchFamily="18" charset="0"/>
+                <a:cs typeface="Times New Roman" panose="02020603050405020304" pitchFamily="18" charset="0"/>
+              </a:rPr>
+              <a:t>dùng truy cập tên </a:t>
+            </a:r>
+            <a:r>
+              <a:rPr lang="vi-VN" sz="1900">
+                <a:solidFill>
+                  <a:srgbClr val="1D1D1D"/>
+                </a:solidFill>
+                <a:latin typeface="Times New Roman" panose="02020603050405020304" pitchFamily="18" charset="0"/>
+                <a:cs typeface="Times New Roman" panose="02020603050405020304" pitchFamily="18" charset="0"/>
+              </a:rPr>
+              <a:t>miền </a:t>
+            </a:r>
+            <a:r>
+              <a:rPr lang="vi-VN" sz="1900" smtClean="0">
+                <a:solidFill>
+                  <a:srgbClr val="1D1D1D"/>
+                </a:solidFill>
+                <a:latin typeface="Times New Roman" panose="02020603050405020304" pitchFamily="18" charset="0"/>
+                <a:cs typeface="Times New Roman" panose="02020603050405020304" pitchFamily="18" charset="0"/>
+              </a:rPr>
+              <a:t>Website</a:t>
+            </a:r>
+            <a:r>
+              <a:rPr lang="en-US" sz="1900" smtClean="0">
+                <a:solidFill>
+                  <a:srgbClr val="1D1D1D"/>
+                </a:solidFill>
+                <a:latin typeface="Times New Roman" panose="02020603050405020304" pitchFamily="18" charset="0"/>
+                <a:cs typeface="Times New Roman" panose="02020603050405020304" pitchFamily="18" charset="0"/>
+              </a:rPr>
+              <a:t> bằng trình duyệt</a:t>
+            </a:r>
+            <a:r>
+              <a:rPr lang="vi-VN" sz="1900" smtClean="0">
+                <a:solidFill>
+                  <a:srgbClr val="1D1D1D"/>
+                </a:solidFill>
+                <a:latin typeface="Times New Roman" panose="02020603050405020304" pitchFamily="18" charset="0"/>
+                <a:cs typeface="Times New Roman" panose="02020603050405020304" pitchFamily="18" charset="0"/>
+              </a:rPr>
+              <a:t>.</a:t>
+            </a:r>
+            <a:endParaRPr lang="vi-VN" sz="1900">
               <a:solidFill>
                 <a:srgbClr val="1D1D1D"/>
               </a:solidFill>
@@ -4823,147 +4858,374 @@
             </a:endParaRPr>
           </a:p>
           <a:p>
-            <a:pPr marL="342900" indent="-342900" algn="just">
-              <a:buFontTx/>
-              <a:buChar char="-"/>
-            </a:pPr>
-            <a:r>
-              <a:rPr lang="vi-VN" sz="2000" smtClean="0">
-                <a:latin typeface="Times New Roman" panose="02020603050405020304" pitchFamily="18" charset="0"/>
-                <a:cs typeface="Times New Roman" panose="02020603050405020304" pitchFamily="18" charset="0"/>
-              </a:rPr>
-              <a:t>Để </a:t>
-            </a:r>
-            <a:r>
-              <a:rPr lang="vi-VN" sz="2000">
-                <a:latin typeface="Times New Roman" panose="02020603050405020304" pitchFamily="18" charset="0"/>
-                <a:cs typeface="Times New Roman" panose="02020603050405020304" pitchFamily="18" charset="0"/>
-              </a:rPr>
-              <a:t>dịch vụ Mail hoạt động được thì phải đảm bảo 2 thành phần: Mail Server, Mail </a:t>
-            </a:r>
-            <a:r>
-              <a:rPr lang="vi-VN" sz="2000">
-                <a:latin typeface="Times New Roman" panose="02020603050405020304" pitchFamily="18" charset="0"/>
-                <a:cs typeface="Times New Roman" panose="02020603050405020304" pitchFamily="18" charset="0"/>
-              </a:rPr>
-              <a:t>Client</a:t>
-            </a:r>
-            <a:r>
-              <a:rPr lang="vi-VN" sz="2000" smtClean="0">
-                <a:latin typeface="Times New Roman" panose="02020603050405020304" pitchFamily="18" charset="0"/>
-                <a:cs typeface="Times New Roman" panose="02020603050405020304" pitchFamily="18" charset="0"/>
-              </a:rPr>
-              <a:t>.</a:t>
-            </a:r>
-            <a:endParaRPr lang="en-US" sz="2000" smtClean="0">
+            <a:pPr algn="just" fontAlgn="base"/>
+            <a:r>
+              <a:rPr lang="en-US" sz="1900">
+                <a:solidFill>
+                  <a:srgbClr val="1D1D1D"/>
+                </a:solidFill>
+                <a:latin typeface="Times New Roman" panose="02020603050405020304" pitchFamily="18" charset="0"/>
+                <a:cs typeface="Times New Roman" panose="02020603050405020304" pitchFamily="18" charset="0"/>
+              </a:rPr>
+              <a:t> </a:t>
+            </a:r>
+            <a:r>
+              <a:rPr lang="en-US" sz="1900" smtClean="0">
+                <a:solidFill>
+                  <a:srgbClr val="1D1D1D"/>
+                </a:solidFill>
+                <a:latin typeface="Times New Roman" panose="02020603050405020304" pitchFamily="18" charset="0"/>
+                <a:cs typeface="Times New Roman" panose="02020603050405020304" pitchFamily="18" charset="0"/>
+              </a:rPr>
+              <a:t>+ </a:t>
+            </a:r>
+            <a:r>
+              <a:rPr lang="vi-VN" sz="1900" b="1" smtClean="0">
+                <a:solidFill>
+                  <a:srgbClr val="1D1D1D"/>
+                </a:solidFill>
+                <a:latin typeface="Times New Roman" panose="02020603050405020304" pitchFamily="18" charset="0"/>
+                <a:cs typeface="Times New Roman" panose="02020603050405020304" pitchFamily="18" charset="0"/>
+              </a:rPr>
+              <a:t>Bước</a:t>
+            </a:r>
+            <a:r>
+              <a:rPr lang="en-US" sz="1900" b="1" smtClean="0">
+                <a:solidFill>
+                  <a:srgbClr val="1D1D1D"/>
+                </a:solidFill>
+                <a:latin typeface="Times New Roman" panose="02020603050405020304" pitchFamily="18" charset="0"/>
+                <a:cs typeface="Times New Roman" panose="02020603050405020304" pitchFamily="18" charset="0"/>
+              </a:rPr>
+              <a:t> </a:t>
+            </a:r>
+            <a:r>
+              <a:rPr lang="vi-VN" sz="1900" b="1" smtClean="0">
+                <a:solidFill>
+                  <a:srgbClr val="1D1D1D"/>
+                </a:solidFill>
+                <a:latin typeface="Times New Roman" panose="02020603050405020304" pitchFamily="18" charset="0"/>
+                <a:cs typeface="Times New Roman" panose="02020603050405020304" pitchFamily="18" charset="0"/>
+              </a:rPr>
+              <a:t>2</a:t>
+            </a:r>
+            <a:r>
+              <a:rPr lang="vi-VN" sz="1900">
+                <a:solidFill>
+                  <a:srgbClr val="1D1D1D"/>
+                </a:solidFill>
+                <a:latin typeface="Times New Roman" panose="02020603050405020304" pitchFamily="18" charset="0"/>
+                <a:cs typeface="Times New Roman" panose="02020603050405020304" pitchFamily="18" charset="0"/>
+              </a:rPr>
+              <a:t>: IE hoặc Firefox sẽ sinh ra một Port cao đồng thời dữ liệu sẽ chuyển xuống tầng Transport. Đồng </a:t>
+            </a:r>
+            <a:r>
+              <a:rPr lang="vi-VN" sz="1900">
+                <a:solidFill>
+                  <a:srgbClr val="1D1D1D"/>
+                </a:solidFill>
+                <a:latin typeface="Times New Roman" panose="02020603050405020304" pitchFamily="18" charset="0"/>
+                <a:cs typeface="Times New Roman" panose="02020603050405020304" pitchFamily="18" charset="0"/>
+              </a:rPr>
+              <a:t>thời </a:t>
+            </a:r>
+            <a:r>
+              <a:rPr lang="en-US" sz="1900" smtClean="0">
+                <a:solidFill>
+                  <a:srgbClr val="1D1D1D"/>
+                </a:solidFill>
+                <a:latin typeface="Times New Roman" panose="02020603050405020304" pitchFamily="18" charset="0"/>
+                <a:cs typeface="Times New Roman" panose="02020603050405020304" pitchFamily="18" charset="0"/>
+              </a:rPr>
+              <a:t>trình duyệt </a:t>
+            </a:r>
+            <a:r>
+              <a:rPr lang="vi-VN" sz="1900" smtClean="0">
+                <a:solidFill>
+                  <a:srgbClr val="1D1D1D"/>
+                </a:solidFill>
+                <a:latin typeface="Times New Roman" panose="02020603050405020304" pitchFamily="18" charset="0"/>
+                <a:cs typeface="Times New Roman" panose="02020603050405020304" pitchFamily="18" charset="0"/>
+              </a:rPr>
+              <a:t>sẽ </a:t>
+            </a:r>
+            <a:r>
+              <a:rPr lang="vi-VN" sz="1900">
+                <a:solidFill>
+                  <a:srgbClr val="1D1D1D"/>
+                </a:solidFill>
+                <a:latin typeface="Times New Roman" panose="02020603050405020304" pitchFamily="18" charset="0"/>
+                <a:cs typeface="Times New Roman" panose="02020603050405020304" pitchFamily="18" charset="0"/>
+              </a:rPr>
+              <a:t>nhờ DNS Client phân giải hộ tên miền ra địa chỉ IP Web Server.</a:t>
+            </a:r>
+          </a:p>
+          <a:p>
+            <a:pPr algn="just" fontAlgn="base"/>
+            <a:r>
+              <a:rPr lang="en-US" sz="1900">
+                <a:solidFill>
+                  <a:srgbClr val="1D1D1D"/>
+                </a:solidFill>
+                <a:latin typeface="Times New Roman" panose="02020603050405020304" pitchFamily="18" charset="0"/>
+                <a:cs typeface="Times New Roman" panose="02020603050405020304" pitchFamily="18" charset="0"/>
+              </a:rPr>
+              <a:t> </a:t>
+            </a:r>
+            <a:r>
+              <a:rPr lang="en-US" sz="1900" smtClean="0">
+                <a:solidFill>
+                  <a:srgbClr val="1D1D1D"/>
+                </a:solidFill>
+                <a:latin typeface="Times New Roman" panose="02020603050405020304" pitchFamily="18" charset="0"/>
+                <a:cs typeface="Times New Roman" panose="02020603050405020304" pitchFamily="18" charset="0"/>
+              </a:rPr>
+              <a:t>+ </a:t>
+            </a:r>
+            <a:r>
+              <a:rPr lang="vi-VN" sz="1900" b="1" smtClean="0">
+                <a:solidFill>
+                  <a:srgbClr val="1D1D1D"/>
+                </a:solidFill>
+                <a:latin typeface="Times New Roman" panose="02020603050405020304" pitchFamily="18" charset="0"/>
+                <a:cs typeface="Times New Roman" panose="02020603050405020304" pitchFamily="18" charset="0"/>
+              </a:rPr>
+              <a:t>Bước </a:t>
+            </a:r>
+            <a:r>
+              <a:rPr lang="vi-VN" sz="1900" b="1">
+                <a:solidFill>
+                  <a:srgbClr val="1D1D1D"/>
+                </a:solidFill>
+                <a:latin typeface="Times New Roman" panose="02020603050405020304" pitchFamily="18" charset="0"/>
+                <a:cs typeface="Times New Roman" panose="02020603050405020304" pitchFamily="18" charset="0"/>
+              </a:rPr>
+              <a:t>3</a:t>
+            </a:r>
+            <a:r>
+              <a:rPr lang="vi-VN" sz="1900">
+                <a:solidFill>
+                  <a:srgbClr val="1D1D1D"/>
+                </a:solidFill>
+                <a:latin typeface="Times New Roman" panose="02020603050405020304" pitchFamily="18" charset="0"/>
+                <a:cs typeface="Times New Roman" panose="02020603050405020304" pitchFamily="18" charset="0"/>
+              </a:rPr>
+              <a:t>: </a:t>
+            </a:r>
+            <a:r>
+              <a:rPr lang="en-US" sz="1900" smtClean="0">
+                <a:solidFill>
+                  <a:srgbClr val="1D1D1D"/>
+                </a:solidFill>
+                <a:latin typeface="Times New Roman" panose="02020603050405020304" pitchFamily="18" charset="0"/>
+                <a:cs typeface="Times New Roman" panose="02020603050405020304" pitchFamily="18" charset="0"/>
+              </a:rPr>
+              <a:t>Tầng </a:t>
+            </a:r>
+            <a:r>
+              <a:rPr lang="vi-VN" sz="1900" smtClean="0">
+                <a:solidFill>
+                  <a:srgbClr val="1D1D1D"/>
+                </a:solidFill>
+                <a:latin typeface="Times New Roman" panose="02020603050405020304" pitchFamily="18" charset="0"/>
+                <a:cs typeface="Times New Roman" panose="02020603050405020304" pitchFamily="18" charset="0"/>
+              </a:rPr>
+              <a:t>Transport thấy </a:t>
+            </a:r>
+            <a:r>
+              <a:rPr lang="vi-VN" sz="1900">
+                <a:solidFill>
+                  <a:srgbClr val="1D1D1D"/>
+                </a:solidFill>
+                <a:latin typeface="Times New Roman" panose="02020603050405020304" pitchFamily="18" charset="0"/>
+                <a:cs typeface="Times New Roman" panose="02020603050405020304" pitchFamily="18" charset="0"/>
+              </a:rPr>
+              <a:t>dữ liệu là Web nó sẽ nhận bằng Port 80 hoặc 443 sau đó đóng giao thức TCP rồi truyền xuống dưới.</a:t>
+            </a:r>
+          </a:p>
+          <a:p>
+            <a:pPr algn="just" fontAlgn="base"/>
+            <a:r>
+              <a:rPr lang="en-US" sz="1900">
+                <a:solidFill>
+                  <a:srgbClr val="1D1D1D"/>
+                </a:solidFill>
+                <a:latin typeface="Times New Roman" panose="02020603050405020304" pitchFamily="18" charset="0"/>
+                <a:cs typeface="Times New Roman" panose="02020603050405020304" pitchFamily="18" charset="0"/>
+              </a:rPr>
+              <a:t> </a:t>
+            </a:r>
+            <a:r>
+              <a:rPr lang="en-US" sz="1900" smtClean="0">
+                <a:solidFill>
+                  <a:srgbClr val="1D1D1D"/>
+                </a:solidFill>
+                <a:latin typeface="Times New Roman" panose="02020603050405020304" pitchFamily="18" charset="0"/>
+                <a:cs typeface="Times New Roman" panose="02020603050405020304" pitchFamily="18" charset="0"/>
+              </a:rPr>
+              <a:t>+ </a:t>
+            </a:r>
+            <a:r>
+              <a:rPr lang="vi-VN" sz="1900" b="1" smtClean="0">
+                <a:solidFill>
+                  <a:srgbClr val="1D1D1D"/>
+                </a:solidFill>
+                <a:latin typeface="Times New Roman" panose="02020603050405020304" pitchFamily="18" charset="0"/>
+                <a:cs typeface="Times New Roman" panose="02020603050405020304" pitchFamily="18" charset="0"/>
+              </a:rPr>
+              <a:t>Bước </a:t>
+            </a:r>
+            <a:r>
+              <a:rPr lang="vi-VN" sz="1900" b="1">
+                <a:solidFill>
+                  <a:srgbClr val="1D1D1D"/>
+                </a:solidFill>
+                <a:latin typeface="Times New Roman" panose="02020603050405020304" pitchFamily="18" charset="0"/>
+                <a:cs typeface="Times New Roman" panose="02020603050405020304" pitchFamily="18" charset="0"/>
+              </a:rPr>
+              <a:t>4</a:t>
+            </a:r>
+            <a:r>
+              <a:rPr lang="vi-VN" sz="1900">
+                <a:solidFill>
+                  <a:srgbClr val="1D1D1D"/>
+                </a:solidFill>
+                <a:latin typeface="Times New Roman" panose="02020603050405020304" pitchFamily="18" charset="0"/>
+                <a:cs typeface="Times New Roman" panose="02020603050405020304" pitchFamily="18" charset="0"/>
+              </a:rPr>
+              <a:t>: Dữ liệu sẽ được tầng Network đóng IP máy mình và IP máy Web Server (IP Web Server được DNS Client nhờ DNS Server phân giải hộ).</a:t>
+            </a:r>
+          </a:p>
+          <a:p>
+            <a:pPr algn="just" fontAlgn="base"/>
+            <a:r>
+              <a:rPr lang="en-US" sz="1900">
+                <a:solidFill>
+                  <a:srgbClr val="1D1D1D"/>
+                </a:solidFill>
+                <a:latin typeface="Times New Roman" panose="02020603050405020304" pitchFamily="18" charset="0"/>
+                <a:cs typeface="Times New Roman" panose="02020603050405020304" pitchFamily="18" charset="0"/>
+              </a:rPr>
+              <a:t> </a:t>
+            </a:r>
+            <a:r>
+              <a:rPr lang="en-US" sz="1900" smtClean="0">
+                <a:solidFill>
+                  <a:srgbClr val="1D1D1D"/>
+                </a:solidFill>
+                <a:latin typeface="Times New Roman" panose="02020603050405020304" pitchFamily="18" charset="0"/>
+                <a:cs typeface="Times New Roman" panose="02020603050405020304" pitchFamily="18" charset="0"/>
+              </a:rPr>
+              <a:t>+ </a:t>
+            </a:r>
+            <a:r>
+              <a:rPr lang="vi-VN" sz="1900" b="1" smtClean="0">
+                <a:solidFill>
+                  <a:srgbClr val="1D1D1D"/>
+                </a:solidFill>
+                <a:latin typeface="Times New Roman" panose="02020603050405020304" pitchFamily="18" charset="0"/>
+                <a:cs typeface="Times New Roman" panose="02020603050405020304" pitchFamily="18" charset="0"/>
+              </a:rPr>
+              <a:t>Bước </a:t>
+            </a:r>
+            <a:r>
+              <a:rPr lang="vi-VN" sz="1900" b="1">
+                <a:solidFill>
+                  <a:srgbClr val="1D1D1D"/>
+                </a:solidFill>
+                <a:latin typeface="Times New Roman" panose="02020603050405020304" pitchFamily="18" charset="0"/>
+                <a:cs typeface="Times New Roman" panose="02020603050405020304" pitchFamily="18" charset="0"/>
+              </a:rPr>
+              <a:t>5</a:t>
+            </a:r>
+            <a:r>
+              <a:rPr lang="vi-VN" sz="1900">
+                <a:solidFill>
+                  <a:srgbClr val="1D1D1D"/>
+                </a:solidFill>
+                <a:latin typeface="Times New Roman" panose="02020603050405020304" pitchFamily="18" charset="0"/>
+                <a:cs typeface="Times New Roman" panose="02020603050405020304" pitchFamily="18" charset="0"/>
+              </a:rPr>
+              <a:t>: Sau khi dữ liệu tới được Web Server nó sẽ được chuyển lên theo Port 80 hoặc 443. Sau đó dữ liệu được đóng lại và gửi xuống đường truyền.</a:t>
+            </a:r>
+          </a:p>
+          <a:p>
+            <a:pPr algn="just" fontAlgn="base"/>
+            <a:r>
+              <a:rPr lang="en-US" sz="1900">
+                <a:solidFill>
+                  <a:srgbClr val="1D1D1D"/>
+                </a:solidFill>
+                <a:latin typeface="Times New Roman" panose="02020603050405020304" pitchFamily="18" charset="0"/>
+                <a:cs typeface="Times New Roman" panose="02020603050405020304" pitchFamily="18" charset="0"/>
+              </a:rPr>
+              <a:t> </a:t>
+            </a:r>
+            <a:r>
+              <a:rPr lang="en-US" sz="1900" smtClean="0">
+                <a:solidFill>
+                  <a:srgbClr val="1D1D1D"/>
+                </a:solidFill>
+                <a:latin typeface="Times New Roman" panose="02020603050405020304" pitchFamily="18" charset="0"/>
+                <a:cs typeface="Times New Roman" panose="02020603050405020304" pitchFamily="18" charset="0"/>
+              </a:rPr>
+              <a:t>+ </a:t>
+            </a:r>
+            <a:r>
+              <a:rPr lang="en-US" sz="1900" b="1" smtClean="0">
+                <a:solidFill>
+                  <a:srgbClr val="1D1D1D"/>
+                </a:solidFill>
+                <a:latin typeface="Times New Roman" panose="02020603050405020304" pitchFamily="18" charset="0"/>
+                <a:cs typeface="Times New Roman" panose="02020603050405020304" pitchFamily="18" charset="0"/>
+              </a:rPr>
+              <a:t>Bước 6</a:t>
+            </a:r>
+            <a:r>
+              <a:rPr lang="en-US" sz="1900" smtClean="0">
+                <a:solidFill>
+                  <a:srgbClr val="1D1D1D"/>
+                </a:solidFill>
+                <a:latin typeface="Times New Roman" panose="02020603050405020304" pitchFamily="18" charset="0"/>
+                <a:cs typeface="Times New Roman" panose="02020603050405020304" pitchFamily="18" charset="0"/>
+              </a:rPr>
+              <a:t>: </a:t>
+            </a:r>
+            <a:r>
+              <a:rPr lang="vi-VN" sz="1900" smtClean="0">
+                <a:solidFill>
+                  <a:srgbClr val="1D1D1D"/>
+                </a:solidFill>
+                <a:latin typeface="Times New Roman" panose="02020603050405020304" pitchFamily="18" charset="0"/>
+                <a:cs typeface="Times New Roman" panose="02020603050405020304" pitchFamily="18" charset="0"/>
+              </a:rPr>
+              <a:t>Khi </a:t>
+            </a:r>
+            <a:r>
+              <a:rPr lang="vi-VN" sz="1900">
+                <a:solidFill>
+                  <a:srgbClr val="1D1D1D"/>
+                </a:solidFill>
+                <a:latin typeface="Times New Roman" panose="02020603050405020304" pitchFamily="18" charset="0"/>
+                <a:cs typeface="Times New Roman" panose="02020603050405020304" pitchFamily="18" charset="0"/>
+              </a:rPr>
+              <a:t>Client nhận được nó sẽ được Transport chuyển lên IE đúng vào Port cao khi khởi tạo (do có Port cao này nên ta có thể mở nhiều cửa sổ trên một trình duyệt với nhiều Website khác nhau mà không sợ bị trùng.</a:t>
+            </a:r>
+            <a:endParaRPr lang="vi-VN" sz="1900" b="0" i="0">
+              <a:solidFill>
+                <a:srgbClr val="1D1D1D"/>
+              </a:solidFill>
+              <a:effectLst/>
               <a:latin typeface="Times New Roman" panose="02020603050405020304" pitchFamily="18" charset="0"/>
               <a:cs typeface="Times New Roman" panose="02020603050405020304" pitchFamily="18" charset="0"/>
             </a:endParaRPr>
           </a:p>
-          <a:p>
-            <a:pPr algn="just"/>
-            <a:r>
-              <a:rPr lang="en-US" sz="2000" smtClean="0">
-                <a:latin typeface="Times New Roman" panose="02020603050405020304" pitchFamily="18" charset="0"/>
-                <a:cs typeface="Times New Roman" panose="02020603050405020304" pitchFamily="18" charset="0"/>
-              </a:rPr>
-              <a:t>+ </a:t>
-            </a:r>
-            <a:r>
-              <a:rPr lang="vi-VN" sz="2000" b="1">
-                <a:latin typeface="Times New Roman" panose="02020603050405020304" pitchFamily="18" charset="0"/>
-                <a:cs typeface="Times New Roman" panose="02020603050405020304" pitchFamily="18" charset="0"/>
-              </a:rPr>
-              <a:t>Mail Server:</a:t>
-            </a:r>
-            <a:r>
-              <a:rPr lang="vi-VN" sz="2000">
-                <a:latin typeface="Times New Roman" panose="02020603050405020304" pitchFamily="18" charset="0"/>
-                <a:cs typeface="Times New Roman" panose="02020603050405020304" pitchFamily="18" charset="0"/>
-              </a:rPr>
-              <a:t> dùng để nhận mail từ người dùng rồi chuyển Mail đi. Sau khi nhận được mail chuyển lại sẽ phân phối mail sang cho người dùng. Trong Mail Server có 2 thành phần chính là MDA (Mail Transfer Agent) dùng để quản lý mail, MTA (Mail Delivery Agent) dùng để gửi và nhận </a:t>
-            </a:r>
-            <a:r>
-              <a:rPr lang="vi-VN" sz="2000">
-                <a:latin typeface="Times New Roman" panose="02020603050405020304" pitchFamily="18" charset="0"/>
-                <a:cs typeface="Times New Roman" panose="02020603050405020304" pitchFamily="18" charset="0"/>
-              </a:rPr>
-              <a:t>mail</a:t>
-            </a:r>
-            <a:r>
-              <a:rPr lang="vi-VN" sz="2000" smtClean="0">
-                <a:latin typeface="Times New Roman" panose="02020603050405020304" pitchFamily="18" charset="0"/>
-                <a:cs typeface="Times New Roman" panose="02020603050405020304" pitchFamily="18" charset="0"/>
-              </a:rPr>
-              <a:t>.</a:t>
-            </a:r>
-            <a:endParaRPr lang="en-US" sz="2000" smtClean="0">
-              <a:latin typeface="Times New Roman" panose="02020603050405020304" pitchFamily="18" charset="0"/>
-              <a:cs typeface="Times New Roman" panose="02020603050405020304" pitchFamily="18" charset="0"/>
-            </a:endParaRPr>
-          </a:p>
-          <a:p>
-            <a:pPr algn="just"/>
-            <a:r>
-              <a:rPr lang="en-US" sz="2000" smtClean="0">
-                <a:latin typeface="Times New Roman" panose="02020603050405020304" pitchFamily="18" charset="0"/>
-                <a:cs typeface="Times New Roman" panose="02020603050405020304" pitchFamily="18" charset="0"/>
-              </a:rPr>
-              <a:t>+ </a:t>
-            </a:r>
-            <a:r>
-              <a:rPr lang="vi-VN" sz="2000" b="1">
-                <a:latin typeface="Times New Roman" panose="02020603050405020304" pitchFamily="18" charset="0"/>
-                <a:cs typeface="Times New Roman" panose="02020603050405020304" pitchFamily="18" charset="0"/>
-              </a:rPr>
-              <a:t>Mail Client:</a:t>
-            </a:r>
-            <a:r>
-              <a:rPr lang="vi-VN" sz="2000">
-                <a:latin typeface="Times New Roman" panose="02020603050405020304" pitchFamily="18" charset="0"/>
-                <a:cs typeface="Times New Roman" panose="02020603050405020304" pitchFamily="18" charset="0"/>
-              </a:rPr>
-              <a:t> dùng để gửi mail của người dùng đi lên Mail Server và nhận từ Server về để hiển thị cho người </a:t>
-            </a:r>
-            <a:r>
-              <a:rPr lang="vi-VN" sz="2000">
-                <a:latin typeface="Times New Roman" panose="02020603050405020304" pitchFamily="18" charset="0"/>
-                <a:cs typeface="Times New Roman" panose="02020603050405020304" pitchFamily="18" charset="0"/>
-              </a:rPr>
-              <a:t>dùng </a:t>
-            </a:r>
-            <a:r>
-              <a:rPr lang="vi-VN" sz="2000" smtClean="0">
-                <a:latin typeface="Times New Roman" panose="02020603050405020304" pitchFamily="18" charset="0"/>
-                <a:cs typeface="Times New Roman" panose="02020603050405020304" pitchFamily="18" charset="0"/>
-              </a:rPr>
-              <a:t>xem</a:t>
-            </a:r>
-            <a:r>
-              <a:rPr lang="en-US" sz="2000" smtClean="0">
-                <a:latin typeface="Times New Roman" panose="02020603050405020304" pitchFamily="18" charset="0"/>
-                <a:cs typeface="Times New Roman" panose="02020603050405020304" pitchFamily="18" charset="0"/>
-              </a:rPr>
-              <a:t>. </a:t>
-            </a:r>
-            <a:r>
-              <a:rPr lang="en-US" sz="2000">
-                <a:latin typeface="Times New Roman" panose="02020603050405020304" pitchFamily="18" charset="0"/>
-                <a:cs typeface="Times New Roman" panose="02020603050405020304" pitchFamily="18" charset="0"/>
-              </a:rPr>
-              <a:t>Mail Client sử dụng theo POP sẽ cắt toàn bộ Mail trên Server về, nếu sử dụng theo IMAP là lấy theo tiêu đề về. Tiêu đề nào lựa chọn thì sẽ lấy về. Giữ lại một bản trên Server.</a:t>
-            </a:r>
-            <a:endParaRPr lang="en-US" sz="2000">
-              <a:latin typeface="Times New Roman" panose="02020603050405020304" pitchFamily="18" charset="0"/>
-              <a:cs typeface="Times New Roman" panose="02020603050405020304" pitchFamily="18" charset="0"/>
-            </a:endParaRPr>
-          </a:p>
         </p:txBody>
       </p:sp>
     </p:spTree>
     <p:extLst>
       <p:ext uri="{BB962C8B-B14F-4D97-AF65-F5344CB8AC3E}">
-        <p14:creationId xmlns:p14="http://schemas.microsoft.com/office/powerpoint/2010/main" val="3500032751"/>
+        <p14:creationId xmlns:p14="http://schemas.microsoft.com/office/powerpoint/2010/main" val="4160904312"/>
       </p:ext>
     </p:extLst>
   </p:cSld>
@@ -5036,11 +5298,7 @@
             <a:pPr algn="ctr"/>
             <a:r>
               <a:rPr lang="en-US" b="1" smtClean="0"/>
-              <a:t>CÁC </a:t>
-            </a:r>
-            <a:r>
-              <a:rPr lang="en-US" b="1" smtClean="0"/>
-              <a:t>GIAO THỨC / DỊCH VỤ TRONG TẦNG APPLICATION</a:t>
+              <a:t>CÁC GIAO THỨC / DỊCH VỤ TRONG TẦNG APPLICATION</a:t>
             </a:r>
             <a:endParaRPr lang="en-US"/>
           </a:p>
@@ -5079,19 +5337,7 @@
                 <a:latin typeface="Times New Roman" panose="02020603050405020304" pitchFamily="18" charset="0"/>
                 <a:cs typeface="Times New Roman" panose="02020603050405020304" pitchFamily="18" charset="0"/>
               </a:rPr>
-              <a:t>Giao </a:t>
-            </a:r>
-            <a:r>
-              <a:rPr lang="en-US" sz="2200" b="1" smtClean="0">
-                <a:solidFill>
-                  <a:schemeClr val="accent2">
-                    <a:lumMod val="75000"/>
-                  </a:schemeClr>
-                </a:solidFill>
-                <a:latin typeface="Times New Roman" panose="02020603050405020304" pitchFamily="18" charset="0"/>
-                <a:cs typeface="Times New Roman" panose="02020603050405020304" pitchFamily="18" charset="0"/>
-              </a:rPr>
-              <a:t>thức dịch vụ Mail: SMTP, POP, IMAP</a:t>
+              <a:t>Giao thức dịch vụ Mail: SMTP, POP, IMAP</a:t>
             </a:r>
             <a:endParaRPr lang="en-US" sz="2200" b="1">
               <a:solidFill>
@@ -5113,8 +5359,8 @@
         </p:nvSpPr>
         <p:spPr>
           <a:xfrm>
-            <a:off x="4306958" y="1298067"/>
-            <a:ext cx="6864626" cy="4401205"/>
+            <a:off x="4253948" y="1212073"/>
+            <a:ext cx="7301948" cy="5016758"/>
           </a:xfrm>
           <a:prstGeom prst="rect">
             <a:avLst/>
@@ -5126,9 +5372,9 @@
           </a:bodyPr>
           <a:lstStyle/>
           <a:p>
-            <a:pPr algn="just" fontAlgn="base"/>
-            <a:r>
-              <a:rPr lang="en-US" sz="2000" smtClean="0">
+            <a:pPr algn="just"/>
+            <a:r>
+              <a:rPr lang="en-US" sz="2000" b="1" smtClean="0">
                 <a:solidFill>
                   <a:srgbClr val="1D1D1D"/>
                 </a:solidFill>
@@ -5138,14 +5384,24 @@
               <a:t>- </a:t>
             </a:r>
             <a:r>
-              <a:rPr lang="vi-VN" sz="2000" smtClean="0">
-                <a:solidFill>
-                  <a:srgbClr val="1D1D1D"/>
-                </a:solidFill>
-                <a:latin typeface="Times New Roman" panose="02020603050405020304" pitchFamily="18" charset="0"/>
-                <a:cs typeface="Times New Roman" panose="02020603050405020304" pitchFamily="18" charset="0"/>
-              </a:rPr>
-              <a:t>Các </a:t>
+              <a:rPr lang="vi-VN" sz="2000" b="1" smtClean="0">
+                <a:solidFill>
+                  <a:srgbClr val="1D1D1D"/>
+                </a:solidFill>
+                <a:latin typeface="Times New Roman" panose="02020603050405020304" pitchFamily="18" charset="0"/>
+                <a:cs typeface="Times New Roman" panose="02020603050405020304" pitchFamily="18" charset="0"/>
+              </a:rPr>
+              <a:t>Dịch </a:t>
+            </a:r>
+            <a:r>
+              <a:rPr lang="vi-VN" sz="2000" b="1">
+                <a:solidFill>
+                  <a:srgbClr val="1D1D1D"/>
+                </a:solidFill>
+                <a:latin typeface="Times New Roman" panose="02020603050405020304" pitchFamily="18" charset="0"/>
+                <a:cs typeface="Times New Roman" panose="02020603050405020304" pitchFamily="18" charset="0"/>
+              </a:rPr>
+              <a:t>vụ Mail: </a:t>
             </a:r>
             <a:r>
               <a:rPr lang="vi-VN" sz="2000">
@@ -5155,93 +5411,7 @@
                 <a:latin typeface="Times New Roman" panose="02020603050405020304" pitchFamily="18" charset="0"/>
                 <a:cs typeface="Times New Roman" panose="02020603050405020304" pitchFamily="18" charset="0"/>
               </a:rPr>
-              <a:t>bước hoạt động:</a:t>
-            </a:r>
-          </a:p>
-          <a:p>
-            <a:pPr algn="just" fontAlgn="base"/>
-            <a:r>
-              <a:rPr lang="en-US" sz="2000">
-                <a:solidFill>
-                  <a:srgbClr val="1D1D1D"/>
-                </a:solidFill>
-                <a:latin typeface="Times New Roman" panose="02020603050405020304" pitchFamily="18" charset="0"/>
-                <a:cs typeface="Times New Roman" panose="02020603050405020304" pitchFamily="18" charset="0"/>
-              </a:rPr>
-              <a:t>+</a:t>
-            </a:r>
-            <a:r>
-              <a:rPr lang="vi-VN" sz="2000" smtClean="0">
-                <a:solidFill>
-                  <a:srgbClr val="1D1D1D"/>
-                </a:solidFill>
-                <a:latin typeface="Times New Roman" panose="02020603050405020304" pitchFamily="18" charset="0"/>
-                <a:cs typeface="Times New Roman" panose="02020603050405020304" pitchFamily="18" charset="0"/>
-              </a:rPr>
-              <a:t> </a:t>
-            </a:r>
-            <a:r>
-              <a:rPr lang="vi-VN" sz="2000">
-                <a:solidFill>
-                  <a:srgbClr val="1D1D1D"/>
-                </a:solidFill>
-                <a:latin typeface="Times New Roman" panose="02020603050405020304" pitchFamily="18" charset="0"/>
-                <a:cs typeface="Times New Roman" panose="02020603050405020304" pitchFamily="18" charset="0"/>
-              </a:rPr>
-              <a:t>Bước 1: Mail Client gửi mail lên Server bằng giao thức SMTP thông qua Port 25</a:t>
-            </a:r>
-          </a:p>
-          <a:p>
-            <a:pPr algn="just" fontAlgn="base"/>
-            <a:r>
-              <a:rPr lang="en-US" sz="2000" smtClean="0">
-                <a:solidFill>
-                  <a:srgbClr val="1D1D1D"/>
-                </a:solidFill>
-                <a:latin typeface="Times New Roman" panose="02020603050405020304" pitchFamily="18" charset="0"/>
-                <a:cs typeface="Times New Roman" panose="02020603050405020304" pitchFamily="18" charset="0"/>
-              </a:rPr>
-              <a:t>+ </a:t>
-            </a:r>
-            <a:r>
-              <a:rPr lang="vi-VN" sz="2000" smtClean="0">
-                <a:solidFill>
-                  <a:srgbClr val="1D1D1D"/>
-                </a:solidFill>
-                <a:latin typeface="Times New Roman" panose="02020603050405020304" pitchFamily="18" charset="0"/>
-                <a:cs typeface="Times New Roman" panose="02020603050405020304" pitchFamily="18" charset="0"/>
-              </a:rPr>
-              <a:t>Bước </a:t>
-            </a:r>
-            <a:r>
-              <a:rPr lang="vi-VN" sz="2000">
-                <a:solidFill>
-                  <a:srgbClr val="1D1D1D"/>
-                </a:solidFill>
-                <a:latin typeface="Times New Roman" panose="02020603050405020304" pitchFamily="18" charset="0"/>
-                <a:cs typeface="Times New Roman" panose="02020603050405020304" pitchFamily="18" charset="0"/>
-              </a:rPr>
-              <a:t>2: Mail Server sẽ nhận mail từ Client bằng giao thức SMTP thông qua </a:t>
-            </a:r>
-            <a:r>
-              <a:rPr lang="vi-VN" sz="2000">
-                <a:solidFill>
-                  <a:srgbClr val="1D1D1D"/>
-                </a:solidFill>
-                <a:latin typeface="Times New Roman" panose="02020603050405020304" pitchFamily="18" charset="0"/>
-                <a:cs typeface="Times New Roman" panose="02020603050405020304" pitchFamily="18" charset="0"/>
-              </a:rPr>
-              <a:t>Port </a:t>
-            </a:r>
-            <a:r>
-              <a:rPr lang="vi-VN" sz="2000" smtClean="0">
-                <a:solidFill>
-                  <a:srgbClr val="1D1D1D"/>
-                </a:solidFill>
-                <a:latin typeface="Times New Roman" panose="02020603050405020304" pitchFamily="18" charset="0"/>
-                <a:cs typeface="Times New Roman" panose="02020603050405020304" pitchFamily="18" charset="0"/>
-              </a:rPr>
-              <a:t>25.</a:t>
+              <a:t>là dịch vụ thư điện tử. Thay vì nội dung thư của bạn được viết lên giấy và chuyển đi qua đường bưu điện thì email được lưu dưới dạng các tệp văn bản trong máy tính và được chuyển đi qua đường Internet. </a:t>
             </a:r>
             <a:endParaRPr lang="en-US" sz="2000" smtClean="0">
               <a:solidFill>
@@ -5252,265 +5422,122 @@
             </a:endParaRPr>
           </a:p>
           <a:p>
-            <a:pPr algn="just" fontAlgn="base"/>
-            <a:r>
-              <a:rPr lang="en-US" sz="2000" smtClean="0">
-                <a:solidFill>
-                  <a:srgbClr val="1D1D1D"/>
-                </a:solidFill>
-                <a:latin typeface="Times New Roman" panose="02020603050405020304" pitchFamily="18" charset="0"/>
-                <a:cs typeface="Times New Roman" panose="02020603050405020304" pitchFamily="18" charset="0"/>
-              </a:rPr>
-              <a:t>+ </a:t>
-            </a:r>
+            <a:pPr marL="342900" indent="-342900" algn="just">
+              <a:buFontTx/>
+              <a:buChar char="-"/>
+            </a:pPr>
             <a:r>
               <a:rPr lang="vi-VN" sz="2000" smtClean="0">
-                <a:solidFill>
-                  <a:srgbClr val="1D1D1D"/>
-                </a:solidFill>
-                <a:latin typeface="Times New Roman" panose="02020603050405020304" pitchFamily="18" charset="0"/>
-                <a:cs typeface="Times New Roman" panose="02020603050405020304" pitchFamily="18" charset="0"/>
-              </a:rPr>
-              <a:t>Bước </a:t>
+                <a:latin typeface="Times New Roman" panose="02020603050405020304" pitchFamily="18" charset="0"/>
+                <a:cs typeface="Times New Roman" panose="02020603050405020304" pitchFamily="18" charset="0"/>
+              </a:rPr>
+              <a:t>Để </a:t>
             </a:r>
             <a:r>
               <a:rPr lang="vi-VN" sz="2000">
-                <a:solidFill>
-                  <a:srgbClr val="1D1D1D"/>
-                </a:solidFill>
-                <a:latin typeface="Times New Roman" panose="02020603050405020304" pitchFamily="18" charset="0"/>
-                <a:cs typeface="Times New Roman" panose="02020603050405020304" pitchFamily="18" charset="0"/>
-              </a:rPr>
-              <a:t>3: Mail Server sẽ nhờ DNS Client của mình gửi tới</a:t>
-            </a:r>
-            <a:r>
-              <a:rPr lang="vi-VN" sz="2000">
-                <a:solidFill>
-                  <a:srgbClr val="1D1D1D"/>
-                </a:solidFill>
-                <a:latin typeface="Times New Roman" panose="02020603050405020304" pitchFamily="18" charset="0"/>
-                <a:cs typeface="Times New Roman" panose="02020603050405020304" pitchFamily="18" charset="0"/>
-              </a:rPr>
-              <a:t> </a:t>
-            </a:r>
-            <a:r>
-              <a:rPr lang="en-US" sz="2000" smtClean="0">
-                <a:solidFill>
-                  <a:srgbClr val="1D1D1D"/>
-                </a:solidFill>
-                <a:latin typeface="Times New Roman" panose="02020603050405020304" pitchFamily="18" charset="0"/>
-                <a:cs typeface="Times New Roman" panose="02020603050405020304" pitchFamily="18" charset="0"/>
-              </a:rPr>
-              <a:t> </a:t>
+                <a:latin typeface="Times New Roman" panose="02020603050405020304" pitchFamily="18" charset="0"/>
+                <a:cs typeface="Times New Roman" panose="02020603050405020304" pitchFamily="18" charset="0"/>
+              </a:rPr>
+              <a:t>dịch vụ Mail hoạt động được thì phải đảm bảo 2 thành phần: Mail Server, Mail Client</a:t>
             </a:r>
             <a:r>
               <a:rPr lang="vi-VN" sz="2000" smtClean="0">
-                <a:solidFill>
-                  <a:srgbClr val="1D1D1D"/>
-                </a:solidFill>
-                <a:latin typeface="Times New Roman" panose="02020603050405020304" pitchFamily="18" charset="0"/>
-                <a:cs typeface="Times New Roman" panose="02020603050405020304" pitchFamily="18" charset="0"/>
-              </a:rPr>
-              <a:t>DNS </a:t>
-            </a:r>
-            <a:r>
-              <a:rPr lang="vi-VN" sz="2000">
-                <a:solidFill>
-                  <a:srgbClr val="1D1D1D"/>
-                </a:solidFill>
-                <a:latin typeface="Times New Roman" panose="02020603050405020304" pitchFamily="18" charset="0"/>
-                <a:cs typeface="Times New Roman" panose="02020603050405020304" pitchFamily="18" charset="0"/>
-              </a:rPr>
-              <a:t>Server để phân giải từ tên miền Mail (vd:mail.google.com) ra địa chỉ IP của Mail Server đó.</a:t>
-            </a:r>
-          </a:p>
-          <a:p>
-            <a:pPr algn="just" fontAlgn="base"/>
-            <a:r>
-              <a:rPr lang="en-US" sz="2000" smtClean="0">
-                <a:solidFill>
-                  <a:srgbClr val="1D1D1D"/>
-                </a:solidFill>
-                <a:latin typeface="Times New Roman" panose="02020603050405020304" pitchFamily="18" charset="0"/>
-                <a:cs typeface="Times New Roman" panose="02020603050405020304" pitchFamily="18" charset="0"/>
-              </a:rPr>
-              <a:t>+</a:t>
-            </a:r>
-            <a:r>
-              <a:rPr lang="vi-VN" sz="2000" smtClean="0">
-                <a:solidFill>
-                  <a:srgbClr val="1D1D1D"/>
-                </a:solidFill>
-                <a:latin typeface="Times New Roman" panose="02020603050405020304" pitchFamily="18" charset="0"/>
-                <a:cs typeface="Times New Roman" panose="02020603050405020304" pitchFamily="18" charset="0"/>
-              </a:rPr>
-              <a:t> </a:t>
-            </a:r>
-            <a:r>
-              <a:rPr lang="vi-VN" sz="2000">
-                <a:solidFill>
-                  <a:srgbClr val="1D1D1D"/>
-                </a:solidFill>
-                <a:latin typeface="Times New Roman" panose="02020603050405020304" pitchFamily="18" charset="0"/>
-                <a:cs typeface="Times New Roman" panose="02020603050405020304" pitchFamily="18" charset="0"/>
-              </a:rPr>
-              <a:t>Bước 4: Sau khi có địa chỉ IP của Mail Server kia thì Mail Server sẽ  liên lạc trực tiếp, rồi gửi và nhận Mail từ Mail Server đó qua </a:t>
-            </a:r>
-            <a:r>
-              <a:rPr lang="vi-VN" sz="2000">
-                <a:solidFill>
-                  <a:srgbClr val="1D1D1D"/>
-                </a:solidFill>
-                <a:latin typeface="Times New Roman" panose="02020603050405020304" pitchFamily="18" charset="0"/>
-                <a:cs typeface="Times New Roman" panose="02020603050405020304" pitchFamily="18" charset="0"/>
-              </a:rPr>
-              <a:t>Port </a:t>
-            </a:r>
-            <a:r>
-              <a:rPr lang="vi-VN" sz="2000" smtClean="0">
-                <a:solidFill>
-                  <a:srgbClr val="1D1D1D"/>
-                </a:solidFill>
-                <a:latin typeface="Times New Roman" panose="02020603050405020304" pitchFamily="18" charset="0"/>
-                <a:cs typeface="Times New Roman" panose="02020603050405020304" pitchFamily="18" charset="0"/>
-              </a:rPr>
-              <a:t>25</a:t>
-            </a:r>
-            <a:r>
-              <a:rPr lang="en-US" sz="2000" smtClean="0">
-                <a:solidFill>
-                  <a:srgbClr val="1D1D1D"/>
-                </a:solidFill>
-                <a:latin typeface="Times New Roman" panose="02020603050405020304" pitchFamily="18" charset="0"/>
-                <a:cs typeface="Times New Roman" panose="02020603050405020304" pitchFamily="18" charset="0"/>
-              </a:rPr>
-              <a:t> bằng giao thức SMTP</a:t>
-            </a:r>
-            <a:r>
-              <a:rPr lang="vi-VN" sz="2000" smtClean="0">
-                <a:solidFill>
-                  <a:srgbClr val="1D1D1D"/>
-                </a:solidFill>
-                <a:latin typeface="Times New Roman" panose="02020603050405020304" pitchFamily="18" charset="0"/>
-                <a:cs typeface="Times New Roman" panose="02020603050405020304" pitchFamily="18" charset="0"/>
-              </a:rPr>
-              <a:t>. </a:t>
-            </a:r>
-            <a:r>
-              <a:rPr lang="vi-VN" sz="2000">
-                <a:solidFill>
-                  <a:srgbClr val="1D1D1D"/>
-                </a:solidFill>
-                <a:latin typeface="Times New Roman" panose="02020603050405020304" pitchFamily="18" charset="0"/>
-                <a:cs typeface="Times New Roman" panose="02020603050405020304" pitchFamily="18" charset="0"/>
-              </a:rPr>
-              <a:t>Sau đó sẽ chuyển sang Mail Box thông qua MDA để người dùng </a:t>
-            </a:r>
-            <a:r>
-              <a:rPr lang="vi-VN" sz="2000">
-                <a:solidFill>
-                  <a:srgbClr val="1D1D1D"/>
-                </a:solidFill>
-                <a:latin typeface="Times New Roman" panose="02020603050405020304" pitchFamily="18" charset="0"/>
-                <a:cs typeface="Times New Roman" panose="02020603050405020304" pitchFamily="18" charset="0"/>
-              </a:rPr>
-              <a:t>lấy </a:t>
-            </a:r>
-            <a:r>
-              <a:rPr lang="vi-VN" sz="2000" smtClean="0">
-                <a:solidFill>
-                  <a:srgbClr val="1D1D1D"/>
-                </a:solidFill>
-                <a:latin typeface="Times New Roman" panose="02020603050405020304" pitchFamily="18" charset="0"/>
-                <a:cs typeface="Times New Roman" panose="02020603050405020304" pitchFamily="18" charset="0"/>
-              </a:rPr>
-              <a:t>về.</a:t>
+                <a:latin typeface="Times New Roman" panose="02020603050405020304" pitchFamily="18" charset="0"/>
+                <a:cs typeface="Times New Roman" panose="02020603050405020304" pitchFamily="18" charset="0"/>
+              </a:rPr>
+              <a:t>.</a:t>
             </a:r>
             <a:endParaRPr lang="en-US" sz="2000" smtClean="0">
-              <a:solidFill>
-                <a:srgbClr val="1D1D1D"/>
-              </a:solidFill>
               <a:latin typeface="Times New Roman" panose="02020603050405020304" pitchFamily="18" charset="0"/>
               <a:cs typeface="Times New Roman" panose="02020603050405020304" pitchFamily="18" charset="0"/>
             </a:endParaRPr>
           </a:p>
           <a:p>
-            <a:pPr algn="just" fontAlgn="base"/>
+            <a:pPr algn="just"/>
             <a:r>
               <a:rPr lang="en-US" sz="2000" smtClean="0">
-                <a:solidFill>
-                  <a:srgbClr val="1D1D1D"/>
-                </a:solidFill>
                 <a:latin typeface="Times New Roman" panose="02020603050405020304" pitchFamily="18" charset="0"/>
                 <a:cs typeface="Times New Roman" panose="02020603050405020304" pitchFamily="18" charset="0"/>
               </a:rPr>
               <a:t>+ </a:t>
             </a:r>
             <a:r>
+              <a:rPr lang="vi-VN" sz="2000" b="1">
+                <a:latin typeface="Times New Roman" panose="02020603050405020304" pitchFamily="18" charset="0"/>
+                <a:cs typeface="Times New Roman" panose="02020603050405020304" pitchFamily="18" charset="0"/>
+              </a:rPr>
+              <a:t>Mail Server:</a:t>
+            </a:r>
+            <a:r>
+              <a:rPr lang="vi-VN" sz="2000">
+                <a:latin typeface="Times New Roman" panose="02020603050405020304" pitchFamily="18" charset="0"/>
+                <a:cs typeface="Times New Roman" panose="02020603050405020304" pitchFamily="18" charset="0"/>
+              </a:rPr>
+              <a:t> dùng để nhận mail từ người dùng rồi chuyển Mail đi. Sau khi nhận được mail chuyển lại sẽ phân phối mail sang cho người dùng. Trong Mail Server có 2 thành phần chính là MDA (Mail Transfer Agent) dùng để quản lý mail, MTA (Mail Delivery Agent) dùng để gửi và nhận mail</a:t>
+            </a:r>
+            <a:r>
               <a:rPr lang="vi-VN" sz="2000" smtClean="0">
-                <a:solidFill>
-                  <a:srgbClr val="1D1D1D"/>
-                </a:solidFill>
-                <a:latin typeface="Times New Roman" panose="02020603050405020304" pitchFamily="18" charset="0"/>
-                <a:cs typeface="Times New Roman" panose="02020603050405020304" pitchFamily="18" charset="0"/>
-              </a:rPr>
-              <a:t>Bước </a:t>
-            </a:r>
-            <a:r>
-              <a:rPr lang="vi-VN" sz="2000">
-                <a:solidFill>
-                  <a:srgbClr val="1D1D1D"/>
-                </a:solidFill>
-                <a:latin typeface="Times New Roman" panose="02020603050405020304" pitchFamily="18" charset="0"/>
-                <a:cs typeface="Times New Roman" panose="02020603050405020304" pitchFamily="18" charset="0"/>
-              </a:rPr>
-              <a:t>5: Người dùng sẽ lấy Mail từ trong Mail Box thông qua giao </a:t>
-            </a:r>
-            <a:r>
-              <a:rPr lang="vi-VN" sz="2000">
-                <a:solidFill>
-                  <a:srgbClr val="1D1D1D"/>
-                </a:solidFill>
-                <a:latin typeface="Times New Roman" panose="02020603050405020304" pitchFamily="18" charset="0"/>
-                <a:cs typeface="Times New Roman" panose="02020603050405020304" pitchFamily="18" charset="0"/>
-              </a:rPr>
-              <a:t>thức </a:t>
-            </a:r>
-            <a:r>
-              <a:rPr lang="vi-VN" sz="2000" smtClean="0">
-                <a:solidFill>
-                  <a:srgbClr val="1D1D1D"/>
-                </a:solidFill>
-                <a:latin typeface="Times New Roman" panose="02020603050405020304" pitchFamily="18" charset="0"/>
-                <a:cs typeface="Times New Roman" panose="02020603050405020304" pitchFamily="18" charset="0"/>
-              </a:rPr>
-              <a:t>POP3</a:t>
-            </a:r>
-            <a:r>
-              <a:rPr lang="en-US" sz="2000" smtClean="0">
-                <a:solidFill>
-                  <a:srgbClr val="1D1D1D"/>
-                </a:solidFill>
-                <a:latin typeface="Times New Roman" panose="02020603050405020304" pitchFamily="18" charset="0"/>
-                <a:cs typeface="Times New Roman" panose="02020603050405020304" pitchFamily="18" charset="0"/>
-              </a:rPr>
-              <a:t> hoặc IMAP</a:t>
-            </a:r>
-            <a:endParaRPr lang="vi-VN" sz="2000" b="0" i="0">
-              <a:solidFill>
-                <a:srgbClr val="1D1D1D"/>
-              </a:solidFill>
-              <a:effectLst/>
+                <a:latin typeface="Times New Roman" panose="02020603050405020304" pitchFamily="18" charset="0"/>
+                <a:cs typeface="Times New Roman" panose="02020603050405020304" pitchFamily="18" charset="0"/>
+              </a:rPr>
+              <a:t>.</a:t>
+            </a:r>
+            <a:endParaRPr lang="en-US" sz="2000" smtClean="0">
               <a:latin typeface="Times New Roman" panose="02020603050405020304" pitchFamily="18" charset="0"/>
               <a:cs typeface="Times New Roman" panose="02020603050405020304" pitchFamily="18" charset="0"/>
             </a:endParaRPr>
           </a:p>
+          <a:p>
+            <a:pPr algn="just"/>
+            <a:r>
+              <a:rPr lang="en-US" sz="2000" smtClean="0">
+                <a:latin typeface="Times New Roman" panose="02020603050405020304" pitchFamily="18" charset="0"/>
+                <a:cs typeface="Times New Roman" panose="02020603050405020304" pitchFamily="18" charset="0"/>
+              </a:rPr>
+              <a:t>+ </a:t>
+            </a:r>
+            <a:r>
+              <a:rPr lang="vi-VN" sz="2000" b="1">
+                <a:latin typeface="Times New Roman" panose="02020603050405020304" pitchFamily="18" charset="0"/>
+                <a:cs typeface="Times New Roman" panose="02020603050405020304" pitchFamily="18" charset="0"/>
+              </a:rPr>
+              <a:t>Mail Client:</a:t>
+            </a:r>
+            <a:r>
+              <a:rPr lang="vi-VN" sz="2000">
+                <a:latin typeface="Times New Roman" panose="02020603050405020304" pitchFamily="18" charset="0"/>
+                <a:cs typeface="Times New Roman" panose="02020603050405020304" pitchFamily="18" charset="0"/>
+              </a:rPr>
+              <a:t> dùng để gửi mail của người dùng đi lên Mail Server và nhận từ Server về để hiển thị cho người dùng </a:t>
+            </a:r>
+            <a:r>
+              <a:rPr lang="vi-VN" sz="2000" smtClean="0">
+                <a:latin typeface="Times New Roman" panose="02020603050405020304" pitchFamily="18" charset="0"/>
+                <a:cs typeface="Times New Roman" panose="02020603050405020304" pitchFamily="18" charset="0"/>
+              </a:rPr>
+              <a:t>xem</a:t>
+            </a:r>
+            <a:r>
+              <a:rPr lang="en-US" sz="2000" smtClean="0">
+                <a:latin typeface="Times New Roman" panose="02020603050405020304" pitchFamily="18" charset="0"/>
+                <a:cs typeface="Times New Roman" panose="02020603050405020304" pitchFamily="18" charset="0"/>
+              </a:rPr>
+              <a:t>. </a:t>
+            </a:r>
+            <a:r>
+              <a:rPr lang="en-US" sz="2000">
+                <a:latin typeface="Times New Roman" panose="02020603050405020304" pitchFamily="18" charset="0"/>
+                <a:cs typeface="Times New Roman" panose="02020603050405020304" pitchFamily="18" charset="0"/>
+              </a:rPr>
+              <a:t>Mail Client sử dụng theo POP sẽ cắt toàn bộ Mail trên Server về, nếu sử dụng theo IMAP là lấy theo tiêu đề về. Tiêu đề nào lựa chọn thì sẽ lấy về. Giữ lại một bản trên Server.</a:t>
+            </a:r>
+          </a:p>
         </p:txBody>
       </p:sp>
     </p:spTree>
     <p:extLst>
       <p:ext uri="{BB962C8B-B14F-4D97-AF65-F5344CB8AC3E}">
-        <p14:creationId xmlns:p14="http://schemas.microsoft.com/office/powerpoint/2010/main" val="2083171694"/>
+        <p14:creationId xmlns:p14="http://schemas.microsoft.com/office/powerpoint/2010/main" val="3500032751"/>
       </p:ext>
     </p:extLst>
   </p:cSld>
@@ -5539,7 +5566,7 @@
       </p:grpSpPr>
       <p:sp>
         <p:nvSpPr>
-          <p:cNvPr id="4" name="Title 1"/>
+          <p:cNvPr id="5" name="Title 1"/>
           <p:cNvSpPr txBox="1">
             <a:spLocks noGrp="1"/>
           </p:cNvSpPr>
@@ -5583,11 +5610,7 @@
             <a:pPr algn="ctr"/>
             <a:r>
               <a:rPr lang="en-US" b="1" smtClean="0"/>
-              <a:t>CÁC </a:t>
-            </a:r>
-            <a:r>
-              <a:rPr lang="en-US" b="1" smtClean="0"/>
-              <a:t>GIAO THỨC / DỊCH VỤ TRONG TẦNG APPLICATION</a:t>
+              <a:t>CÁC GIAO THỨC / DỊCH VỤ TRONG TẦNG APPLICATION</a:t>
             </a:r>
             <a:endParaRPr lang="en-US"/>
           </a:p>
@@ -5601,7 +5624,7 @@
         </p:nvSpPr>
         <p:spPr>
           <a:xfrm>
-            <a:off x="4443106" y="693063"/>
+            <a:off x="4509367" y="605268"/>
             <a:ext cx="6383920" cy="430887"/>
           </a:xfrm>
           <a:prstGeom prst="rect">
@@ -5617,7 +5640,7 @@
           <a:p>
             <a:pPr algn="ctr"/>
             <a:r>
-              <a:rPr lang="en-US" sz="2200" b="1" smtClean="0">
+              <a:rPr lang="en-US" sz="2200" b="1">
                 <a:solidFill>
                   <a:schemeClr val="accent2">
                     <a:lumMod val="75000"/>
@@ -5626,7 +5649,7 @@
                 <a:latin typeface="Times New Roman" panose="02020603050405020304" pitchFamily="18" charset="0"/>
                 <a:cs typeface="Times New Roman" panose="02020603050405020304" pitchFamily="18" charset="0"/>
               </a:rPr>
-              <a:t>Giao </a:t>
+              <a:t>D</a:t>
             </a:r>
             <a:r>
               <a:rPr lang="en-US" sz="2200" b="1" smtClean="0">
@@ -5638,7 +5661,19 @@
                 <a:latin typeface="Times New Roman" panose="02020603050405020304" pitchFamily="18" charset="0"/>
                 <a:cs typeface="Times New Roman" panose="02020603050405020304" pitchFamily="18" charset="0"/>
               </a:rPr>
-              <a:t>thức dịch vụ DNS</a:t>
+              <a:t>ịch </a:t>
+            </a:r>
+            <a:r>
+              <a:rPr lang="en-US" sz="2200" b="1" smtClean="0">
+                <a:solidFill>
+                  <a:schemeClr val="accent2">
+                    <a:lumMod val="75000"/>
+                  </a:schemeClr>
+                </a:solidFill>
+                <a:latin typeface="Times New Roman" panose="02020603050405020304" pitchFamily="18" charset="0"/>
+                <a:cs typeface="Times New Roman" panose="02020603050405020304" pitchFamily="18" charset="0"/>
+              </a:rPr>
+              <a:t>vụ Mail: SMTP, POP, IMAP</a:t>
             </a:r>
             <a:endParaRPr lang="en-US" sz="2200" b="1">
               <a:solidFill>
@@ -5660,8 +5695,8 @@
         </p:nvSpPr>
         <p:spPr>
           <a:xfrm>
-            <a:off x="4189501" y="1238575"/>
-            <a:ext cx="7326638" cy="5016758"/>
+            <a:off x="4306958" y="1298067"/>
+            <a:ext cx="6864626" cy="4401205"/>
           </a:xfrm>
           <a:prstGeom prst="rect">
             <a:avLst/>
@@ -5673,29 +5708,26 @@
           </a:bodyPr>
           <a:lstStyle/>
           <a:p>
-            <a:pPr marL="342900" indent="-342900" algn="just" fontAlgn="base">
-              <a:buFontTx/>
-              <a:buChar char="-"/>
-            </a:pPr>
-            <a:r>
-              <a:rPr lang="vi-VN" sz="2000" b="1" smtClean="0">
-                <a:solidFill>
-                  <a:srgbClr val="1D1D1D"/>
-                </a:solidFill>
-                <a:latin typeface="Times New Roman" panose="02020603050405020304" pitchFamily="18" charset="0"/>
-                <a:cs typeface="Times New Roman" panose="02020603050405020304" pitchFamily="18" charset="0"/>
-              </a:rPr>
-              <a:t>Dịch </a:t>
-            </a:r>
-            <a:r>
-              <a:rPr lang="vi-VN" sz="2000" b="1">
-                <a:solidFill>
-                  <a:srgbClr val="1D1D1D"/>
-                </a:solidFill>
-                <a:latin typeface="Times New Roman" panose="02020603050405020304" pitchFamily="18" charset="0"/>
-                <a:cs typeface="Times New Roman" panose="02020603050405020304" pitchFamily="18" charset="0"/>
-              </a:rPr>
-              <a:t>vụ DNS:</a:t>
+            <a:pPr algn="just" fontAlgn="base"/>
+            <a:r>
+              <a:rPr lang="en-US" sz="2000" smtClean="0">
+                <a:solidFill>
+                  <a:srgbClr val="1D1D1D"/>
+                </a:solidFill>
+                <a:latin typeface="Times New Roman" panose="02020603050405020304" pitchFamily="18" charset="0"/>
+                <a:cs typeface="Times New Roman" panose="02020603050405020304" pitchFamily="18" charset="0"/>
+              </a:rPr>
+              <a:t>- </a:t>
+            </a:r>
+            <a:r>
+              <a:rPr lang="vi-VN" sz="2000" smtClean="0">
+                <a:solidFill>
+                  <a:srgbClr val="1D1D1D"/>
+                </a:solidFill>
+                <a:latin typeface="Times New Roman" panose="02020603050405020304" pitchFamily="18" charset="0"/>
+                <a:cs typeface="Times New Roman" panose="02020603050405020304" pitchFamily="18" charset="0"/>
+              </a:rPr>
+              <a:t>Các </a:t>
             </a:r>
             <a:r>
               <a:rPr lang="vi-VN" sz="2000">
@@ -5705,7 +5737,30 @@
                 <a:latin typeface="Times New Roman" panose="02020603050405020304" pitchFamily="18" charset="0"/>
                 <a:cs typeface="Times New Roman" panose="02020603050405020304" pitchFamily="18" charset="0"/>
               </a:rPr>
-              <a:t> là một dịch vụ phân giải tên miền có cơ sở dữ liệu phân cấp, phân tán đồng thời có chứa cơ chế ánh xạ từ tên miền tới những địa chỉ IP và ngược lại. DNS sử dụng Port giao tiếp là </a:t>
+              <a:t>bước hoạt động:</a:t>
+            </a:r>
+          </a:p>
+          <a:p>
+            <a:pPr algn="just" fontAlgn="base"/>
+            <a:r>
+              <a:rPr lang="en-US" sz="2000">
+                <a:solidFill>
+                  <a:srgbClr val="1D1D1D"/>
+                </a:solidFill>
+                <a:latin typeface="Times New Roman" panose="02020603050405020304" pitchFamily="18" charset="0"/>
+                <a:cs typeface="Times New Roman" panose="02020603050405020304" pitchFamily="18" charset="0"/>
+              </a:rPr>
+              <a:t>+</a:t>
+            </a:r>
+            <a:r>
+              <a:rPr lang="vi-VN" sz="2000" smtClean="0">
+                <a:solidFill>
+                  <a:srgbClr val="1D1D1D"/>
+                </a:solidFill>
+                <a:latin typeface="Times New Roman" panose="02020603050405020304" pitchFamily="18" charset="0"/>
+                <a:cs typeface="Times New Roman" panose="02020603050405020304" pitchFamily="18" charset="0"/>
+              </a:rPr>
+              <a:t> </a:t>
             </a:r>
             <a:r>
               <a:rPr lang="vi-VN" sz="2000">
@@ -5715,7 +5770,20 @@
                 <a:latin typeface="Times New Roman" panose="02020603050405020304" pitchFamily="18" charset="0"/>
                 <a:cs typeface="Times New Roman" panose="02020603050405020304" pitchFamily="18" charset="0"/>
               </a:rPr>
-              <a:t>53</a:t>
+              <a:t>Bước 1: Mail Client gửi mail lên Server bằng giao thức SMTP thông qua Port 25</a:t>
+            </a:r>
+          </a:p>
+          <a:p>
+            <a:pPr algn="just" fontAlgn="base"/>
+            <a:r>
+              <a:rPr lang="en-US" sz="2000" smtClean="0">
+                <a:solidFill>
+                  <a:srgbClr val="1D1D1D"/>
+                </a:solidFill>
+                <a:latin typeface="Times New Roman" panose="02020603050405020304" pitchFamily="18" charset="0"/>
+                <a:cs typeface="Times New Roman" panose="02020603050405020304" pitchFamily="18" charset="0"/>
+              </a:rPr>
+              <a:t>+ </a:t>
             </a:r>
             <a:r>
               <a:rPr lang="vi-VN" sz="2000" smtClean="0">
@@ -5725,7 +5793,27 @@
                 <a:latin typeface="Times New Roman" panose="02020603050405020304" pitchFamily="18" charset="0"/>
                 <a:cs typeface="Times New Roman" panose="02020603050405020304" pitchFamily="18" charset="0"/>
               </a:rPr>
-              <a:t>.</a:t>
+              <a:t>Bước </a:t>
+            </a:r>
+            <a:r>
+              <a:rPr lang="vi-VN" sz="2000">
+                <a:solidFill>
+                  <a:srgbClr val="1D1D1D"/>
+                </a:solidFill>
+                <a:latin typeface="Times New Roman" panose="02020603050405020304" pitchFamily="18" charset="0"/>
+                <a:cs typeface="Times New Roman" panose="02020603050405020304" pitchFamily="18" charset="0"/>
+              </a:rPr>
+              <a:t>2: Mail Server sẽ nhận mail từ Client bằng giao thức SMTP thông qua Port </a:t>
+            </a:r>
+            <a:r>
+              <a:rPr lang="vi-VN" sz="2000" smtClean="0">
+                <a:solidFill>
+                  <a:srgbClr val="1D1D1D"/>
+                </a:solidFill>
+                <a:latin typeface="Times New Roman" panose="02020603050405020304" pitchFamily="18" charset="0"/>
+                <a:cs typeface="Times New Roman" panose="02020603050405020304" pitchFamily="18" charset="0"/>
+              </a:rPr>
+              <a:t>25.</a:t>
             </a:r>
             <a:endParaRPr lang="en-US" sz="2000" smtClean="0">
               <a:solidFill>
@@ -5736,173 +5824,215 @@
             </a:endParaRPr>
           </a:p>
           <a:p>
-            <a:pPr marL="342900" indent="-342900" algn="just" fontAlgn="base">
-              <a:buFontTx/>
-              <a:buChar char="-"/>
-            </a:pPr>
+            <a:pPr algn="just" fontAlgn="base"/>
+            <a:r>
+              <a:rPr lang="en-US" sz="2000" smtClean="0">
+                <a:solidFill>
+                  <a:srgbClr val="1D1D1D"/>
+                </a:solidFill>
+                <a:latin typeface="Times New Roman" panose="02020603050405020304" pitchFamily="18" charset="0"/>
+                <a:cs typeface="Times New Roman" panose="02020603050405020304" pitchFamily="18" charset="0"/>
+              </a:rPr>
+              <a:t>+ </a:t>
+            </a:r>
+            <a:r>
+              <a:rPr lang="vi-VN" sz="2000" smtClean="0">
+                <a:solidFill>
+                  <a:srgbClr val="1D1D1D"/>
+                </a:solidFill>
+                <a:latin typeface="Times New Roman" panose="02020603050405020304" pitchFamily="18" charset="0"/>
+                <a:cs typeface="Times New Roman" panose="02020603050405020304" pitchFamily="18" charset="0"/>
+              </a:rPr>
+              <a:t>Bước </a:t>
+            </a:r>
             <a:r>
               <a:rPr lang="vi-VN" sz="2000">
-                <a:latin typeface="Times New Roman" panose="02020603050405020304" pitchFamily="18" charset="0"/>
-                <a:cs typeface="Times New Roman" panose="02020603050405020304" pitchFamily="18" charset="0"/>
-              </a:rPr>
-              <a:t>Để hoạt động được thì DNS phải có 2 thành phần: DNS Server và </a:t>
+                <a:solidFill>
+                  <a:srgbClr val="1D1D1D"/>
+                </a:solidFill>
+                <a:latin typeface="Times New Roman" panose="02020603050405020304" pitchFamily="18" charset="0"/>
+                <a:cs typeface="Times New Roman" panose="02020603050405020304" pitchFamily="18" charset="0"/>
+              </a:rPr>
+              <a:t>3: Mail Server sẽ nhờ DNS Client của mình gửi tới </a:t>
+            </a:r>
+            <a:r>
+              <a:rPr lang="en-US" sz="2000" smtClean="0">
+                <a:solidFill>
+                  <a:srgbClr val="1D1D1D"/>
+                </a:solidFill>
+                <a:latin typeface="Times New Roman" panose="02020603050405020304" pitchFamily="18" charset="0"/>
+                <a:cs typeface="Times New Roman" panose="02020603050405020304" pitchFamily="18" charset="0"/>
+              </a:rPr>
+              <a:t> </a:t>
+            </a:r>
+            <a:r>
+              <a:rPr lang="vi-VN" sz="2000" smtClean="0">
+                <a:solidFill>
+                  <a:srgbClr val="1D1D1D"/>
+                </a:solidFill>
+                <a:latin typeface="Times New Roman" panose="02020603050405020304" pitchFamily="18" charset="0"/>
+                <a:cs typeface="Times New Roman" panose="02020603050405020304" pitchFamily="18" charset="0"/>
+              </a:rPr>
+              <a:t>DNS </a:t>
             </a:r>
             <a:r>
               <a:rPr lang="vi-VN" sz="2000">
-                <a:latin typeface="Times New Roman" panose="02020603050405020304" pitchFamily="18" charset="0"/>
-                <a:cs typeface="Times New Roman" panose="02020603050405020304" pitchFamily="18" charset="0"/>
-              </a:rPr>
-              <a:t>DNS </a:t>
+                <a:solidFill>
+                  <a:srgbClr val="1D1D1D"/>
+                </a:solidFill>
+                <a:latin typeface="Times New Roman" panose="02020603050405020304" pitchFamily="18" charset="0"/>
+                <a:cs typeface="Times New Roman" panose="02020603050405020304" pitchFamily="18" charset="0"/>
+              </a:rPr>
+              <a:t>Server để phân giải từ tên miền Mail (vd:mail.google.com) ra địa chỉ IP của Mail Server đó.</a:t>
+            </a:r>
+          </a:p>
+          <a:p>
+            <a:pPr algn="just" fontAlgn="base"/>
+            <a:r>
+              <a:rPr lang="en-US" sz="2000" smtClean="0">
+                <a:solidFill>
+                  <a:srgbClr val="1D1D1D"/>
+                </a:solidFill>
+                <a:latin typeface="Times New Roman" panose="02020603050405020304" pitchFamily="18" charset="0"/>
+                <a:cs typeface="Times New Roman" panose="02020603050405020304" pitchFamily="18" charset="0"/>
+              </a:rPr>
+              <a:t>+</a:t>
             </a:r>
             <a:r>
               <a:rPr lang="vi-VN" sz="2000" smtClean="0">
-                <a:latin typeface="Times New Roman" panose="02020603050405020304" pitchFamily="18" charset="0"/>
-                <a:cs typeface="Times New Roman" panose="02020603050405020304" pitchFamily="18" charset="0"/>
-              </a:rPr>
-              <a:t>Client</a:t>
+                <a:solidFill>
+                  <a:srgbClr val="1D1D1D"/>
+                </a:solidFill>
+                <a:latin typeface="Times New Roman" panose="02020603050405020304" pitchFamily="18" charset="0"/>
+                <a:cs typeface="Times New Roman" panose="02020603050405020304" pitchFamily="18" charset="0"/>
+              </a:rPr>
+              <a:t> </a:t>
+            </a:r>
+            <a:r>
+              <a:rPr lang="vi-VN" sz="2000">
+                <a:solidFill>
+                  <a:srgbClr val="1D1D1D"/>
+                </a:solidFill>
+                <a:latin typeface="Times New Roman" panose="02020603050405020304" pitchFamily="18" charset="0"/>
+                <a:cs typeface="Times New Roman" panose="02020603050405020304" pitchFamily="18" charset="0"/>
+              </a:rPr>
+              <a:t>Bước 4: Sau khi có địa chỉ IP của Mail Server kia thì Mail Server sẽ  liên lạc trực tiếp, rồi gửi và nhận Mail từ Mail Server đó qua Port </a:t>
+            </a:r>
+            <a:r>
+              <a:rPr lang="vi-VN" sz="2000" smtClean="0">
+                <a:solidFill>
+                  <a:srgbClr val="1D1D1D"/>
+                </a:solidFill>
+                <a:latin typeface="Times New Roman" panose="02020603050405020304" pitchFamily="18" charset="0"/>
+                <a:cs typeface="Times New Roman" panose="02020603050405020304" pitchFamily="18" charset="0"/>
+              </a:rPr>
+              <a:t>25</a:t>
             </a:r>
             <a:r>
               <a:rPr lang="en-US" sz="2000" smtClean="0">
-                <a:latin typeface="Times New Roman" panose="02020603050405020304" pitchFamily="18" charset="0"/>
-                <a:cs typeface="Times New Roman" panose="02020603050405020304" pitchFamily="18" charset="0"/>
-              </a:rPr>
-              <a:t>.</a:t>
-            </a:r>
-          </a:p>
-          <a:p>
-            <a:pPr marL="342900" indent="-342900" algn="just" fontAlgn="base">
-              <a:buFontTx/>
-              <a:buChar char="-"/>
-            </a:pPr>
+                <a:solidFill>
+                  <a:srgbClr val="1D1D1D"/>
+                </a:solidFill>
+                <a:latin typeface="Times New Roman" panose="02020603050405020304" pitchFamily="18" charset="0"/>
+                <a:cs typeface="Times New Roman" panose="02020603050405020304" pitchFamily="18" charset="0"/>
+              </a:rPr>
+              <a:t> bằng giao thức SMTP</a:t>
+            </a:r>
+            <a:r>
+              <a:rPr lang="vi-VN" sz="2000" smtClean="0">
+                <a:solidFill>
+                  <a:srgbClr val="1D1D1D"/>
+                </a:solidFill>
+                <a:latin typeface="Times New Roman" panose="02020603050405020304" pitchFamily="18" charset="0"/>
+                <a:cs typeface="Times New Roman" panose="02020603050405020304" pitchFamily="18" charset="0"/>
+              </a:rPr>
+              <a:t>. </a:t>
+            </a:r>
             <a:r>
               <a:rPr lang="vi-VN" sz="2000">
-                <a:latin typeface="Times New Roman" panose="02020603050405020304" pitchFamily="18" charset="0"/>
-                <a:cs typeface="Times New Roman" panose="02020603050405020304" pitchFamily="18" charset="0"/>
-              </a:rPr>
-              <a:t>DNS Server dùng để phân giải tên miền ra IP và ngược lại là IP sang tên miền. Thông qua tìm kiếm trên cơ sở dữ liệu của nó, nếu không có nó sẽ đi hỏi </a:t>
-            </a:r>
-            <a:r>
-              <a:rPr lang="vi-VN" sz="2000">
-                <a:latin typeface="Times New Roman" panose="02020603050405020304" pitchFamily="18" charset="0"/>
-                <a:cs typeface="Times New Roman" panose="02020603050405020304" pitchFamily="18" charset="0"/>
-              </a:rPr>
-              <a:t>DNS </a:t>
+                <a:solidFill>
+                  <a:srgbClr val="1D1D1D"/>
+                </a:solidFill>
+                <a:latin typeface="Times New Roman" panose="02020603050405020304" pitchFamily="18" charset="0"/>
+                <a:cs typeface="Times New Roman" panose="02020603050405020304" pitchFamily="18" charset="0"/>
+              </a:rPr>
+              <a:t>Sau đó sẽ chuyển sang Mail Box thông qua MDA để người dùng lấy </a:t>
             </a:r>
             <a:r>
               <a:rPr lang="vi-VN" sz="2000" smtClean="0">
-                <a:latin typeface="Times New Roman" panose="02020603050405020304" pitchFamily="18" charset="0"/>
-                <a:cs typeface="Times New Roman" panose="02020603050405020304" pitchFamily="18" charset="0"/>
-              </a:rPr>
-              <a:t>khác</a:t>
-            </a:r>
-            <a:r>
-              <a:rPr lang="en-US" sz="2000" smtClean="0">
-                <a:latin typeface="Times New Roman" panose="02020603050405020304" pitchFamily="18" charset="0"/>
-                <a:cs typeface="Times New Roman" panose="02020603050405020304" pitchFamily="18" charset="0"/>
-              </a:rPr>
-              <a:t>.</a:t>
-            </a:r>
-            <a:r>
-              <a:rPr lang="en-US" sz="2000">
-                <a:latin typeface="Times New Roman" panose="02020603050405020304" pitchFamily="18" charset="0"/>
-                <a:cs typeface="Times New Roman" panose="02020603050405020304" pitchFamily="18" charset="0"/>
-              </a:rPr>
-              <a:t> DNS Server sử dụng 2 giao thức để hoạt động là TCP </a:t>
-            </a:r>
-            <a:r>
-              <a:rPr lang="en-US" sz="2000">
-                <a:latin typeface="Times New Roman" panose="02020603050405020304" pitchFamily="18" charset="0"/>
-                <a:cs typeface="Times New Roman" panose="02020603050405020304" pitchFamily="18" charset="0"/>
-              </a:rPr>
-              <a:t>và </a:t>
-            </a:r>
-            <a:r>
-              <a:rPr lang="en-US" sz="2000" smtClean="0">
-                <a:latin typeface="Times New Roman" panose="02020603050405020304" pitchFamily="18" charset="0"/>
-                <a:cs typeface="Times New Roman" panose="02020603050405020304" pitchFamily="18" charset="0"/>
-              </a:rPr>
-              <a:t>UDP:</a:t>
-            </a:r>
-          </a:p>
-          <a:p>
-            <a:pPr marL="344488" indent="-344488" algn="just" fontAlgn="base"/>
-            <a:r>
-              <a:rPr lang="en-US" sz="2000" smtClean="0">
-                <a:latin typeface="Times New Roman" panose="02020603050405020304" pitchFamily="18" charset="0"/>
-                <a:cs typeface="Times New Roman" panose="02020603050405020304" pitchFamily="18" charset="0"/>
-              </a:rPr>
-              <a:t>     + </a:t>
-            </a:r>
-            <a:r>
-              <a:rPr lang="en-US" sz="2000">
-                <a:latin typeface="Times New Roman" panose="02020603050405020304" pitchFamily="18" charset="0"/>
-                <a:cs typeface="Times New Roman" panose="02020603050405020304" pitchFamily="18" charset="0"/>
-              </a:rPr>
-              <a:t>TCP dùng để đóng gói khi 2 Server DNS trao đổi dữ liệu với nhau. Đảm bảo an toàn cho dữ </a:t>
-            </a:r>
-            <a:r>
-              <a:rPr lang="en-US" sz="2000">
-                <a:latin typeface="Times New Roman" panose="02020603050405020304" pitchFamily="18" charset="0"/>
-                <a:cs typeface="Times New Roman" panose="02020603050405020304" pitchFamily="18" charset="0"/>
-              </a:rPr>
-              <a:t>liệu</a:t>
-            </a:r>
-            <a:r>
-              <a:rPr lang="en-US" sz="2000" smtClean="0">
-                <a:latin typeface="Times New Roman" panose="02020603050405020304" pitchFamily="18" charset="0"/>
-                <a:cs typeface="Times New Roman" panose="02020603050405020304" pitchFamily="18" charset="0"/>
-              </a:rPr>
-              <a:t>.</a:t>
-            </a:r>
-          </a:p>
-          <a:p>
-            <a:pPr algn="just" fontAlgn="base"/>
-            <a:r>
-              <a:rPr lang="en-US" sz="2000" smtClean="0">
-                <a:latin typeface="Times New Roman" panose="02020603050405020304" pitchFamily="18" charset="0"/>
-                <a:cs typeface="Times New Roman" panose="02020603050405020304" pitchFamily="18" charset="0"/>
-              </a:rPr>
-              <a:t>     + </a:t>
-            </a:r>
-            <a:r>
-              <a:rPr lang="en-US" sz="2000">
-                <a:latin typeface="Times New Roman" panose="02020603050405020304" pitchFamily="18" charset="0"/>
-                <a:cs typeface="Times New Roman" panose="02020603050405020304" pitchFamily="18" charset="0"/>
-              </a:rPr>
-              <a:t>UDP dùng để đóng gói khi Client yêu cầu phân giải tên miền</a:t>
+                <a:solidFill>
+                  <a:srgbClr val="1D1D1D"/>
+                </a:solidFill>
+                <a:latin typeface="Times New Roman" panose="02020603050405020304" pitchFamily="18" charset="0"/>
+                <a:cs typeface="Times New Roman" panose="02020603050405020304" pitchFamily="18" charset="0"/>
+              </a:rPr>
+              <a:t>về.</a:t>
             </a:r>
             <a:endParaRPr lang="en-US" sz="2000" smtClean="0">
+              <a:solidFill>
+                <a:srgbClr val="1D1D1D"/>
+              </a:solidFill>
               <a:latin typeface="Times New Roman" panose="02020603050405020304" pitchFamily="18" charset="0"/>
               <a:cs typeface="Times New Roman" panose="02020603050405020304" pitchFamily="18" charset="0"/>
             </a:endParaRPr>
           </a:p>
           <a:p>
-            <a:pPr marL="342900" indent="-342900" algn="just" fontAlgn="base">
-              <a:buFontTx/>
-              <a:buChar char="-"/>
-            </a:pPr>
+            <a:pPr algn="just" fontAlgn="base"/>
+            <a:r>
+              <a:rPr lang="en-US" sz="2000" smtClean="0">
+                <a:solidFill>
+                  <a:srgbClr val="1D1D1D"/>
+                </a:solidFill>
+                <a:latin typeface="Times New Roman" panose="02020603050405020304" pitchFamily="18" charset="0"/>
+                <a:cs typeface="Times New Roman" panose="02020603050405020304" pitchFamily="18" charset="0"/>
+              </a:rPr>
+              <a:t>+ </a:t>
+            </a:r>
+            <a:r>
+              <a:rPr lang="vi-VN" sz="2000" smtClean="0">
+                <a:solidFill>
+                  <a:srgbClr val="1D1D1D"/>
+                </a:solidFill>
+                <a:latin typeface="Times New Roman" panose="02020603050405020304" pitchFamily="18" charset="0"/>
+                <a:cs typeface="Times New Roman" panose="02020603050405020304" pitchFamily="18" charset="0"/>
+              </a:rPr>
+              <a:t>Bước </a:t>
+            </a:r>
             <a:r>
               <a:rPr lang="vi-VN" sz="2000">
-                <a:latin typeface="Times New Roman" panose="02020603050405020304" pitchFamily="18" charset="0"/>
-                <a:cs typeface="Times New Roman" panose="02020603050405020304" pitchFamily="18" charset="0"/>
-              </a:rPr>
-              <a:t>DNS Client dùng để phân giải cho máy người dùng. Khi người dùng truy cập tên miền DNS Client sẽ nhờ sang DNS Server phân </a:t>
-            </a:r>
-            <a:r>
-              <a:rPr lang="vi-VN" sz="2000">
-                <a:latin typeface="Times New Roman" panose="02020603050405020304" pitchFamily="18" charset="0"/>
-                <a:cs typeface="Times New Roman" panose="02020603050405020304" pitchFamily="18" charset="0"/>
-              </a:rPr>
-              <a:t>giải</a:t>
+                <a:solidFill>
+                  <a:srgbClr val="1D1D1D"/>
+                </a:solidFill>
+                <a:latin typeface="Times New Roman" panose="02020603050405020304" pitchFamily="18" charset="0"/>
+                <a:cs typeface="Times New Roman" panose="02020603050405020304" pitchFamily="18" charset="0"/>
+              </a:rPr>
+              <a:t>5: Người dùng sẽ lấy Mail từ trong Mail Box thông qua giao thức </a:t>
             </a:r>
             <a:r>
               <a:rPr lang="vi-VN" sz="2000" smtClean="0">
-                <a:latin typeface="Times New Roman" panose="02020603050405020304" pitchFamily="18" charset="0"/>
-                <a:cs typeface="Times New Roman" panose="02020603050405020304" pitchFamily="18" charset="0"/>
-              </a:rPr>
-              <a:t>.</a:t>
-            </a:r>
-            <a:endParaRPr lang="en-US" sz="2000" smtClean="0">
+                <a:solidFill>
+                  <a:srgbClr val="1D1D1D"/>
+                </a:solidFill>
+                <a:latin typeface="Times New Roman" panose="02020603050405020304" pitchFamily="18" charset="0"/>
+                <a:cs typeface="Times New Roman" panose="02020603050405020304" pitchFamily="18" charset="0"/>
+              </a:rPr>
+              <a:t>POP3</a:t>
+            </a:r>
+            <a:r>
+              <a:rPr lang="en-US" sz="2000" smtClean="0">
+                <a:solidFill>
+                  <a:srgbClr val="1D1D1D"/>
+                </a:solidFill>
+                <a:latin typeface="Times New Roman" panose="02020603050405020304" pitchFamily="18" charset="0"/>
+                <a:cs typeface="Times New Roman" panose="02020603050405020304" pitchFamily="18" charset="0"/>
+              </a:rPr>
+              <a:t> hoặc IMAP</a:t>
+            </a:r>
+            <a:endParaRPr lang="vi-VN" sz="2000" b="0" i="0">
+              <a:solidFill>
+                <a:srgbClr val="1D1D1D"/>
+              </a:solidFill>
+              <a:effectLst/>
               <a:latin typeface="Times New Roman" panose="02020603050405020304" pitchFamily="18" charset="0"/>
               <a:cs typeface="Times New Roman" panose="02020603050405020304" pitchFamily="18" charset="0"/>
             </a:endParaRPr>
@@ -5912,7 +6042,7 @@
     </p:spTree>
     <p:extLst>
       <p:ext uri="{BB962C8B-B14F-4D97-AF65-F5344CB8AC3E}">
-        <p14:creationId xmlns:p14="http://schemas.microsoft.com/office/powerpoint/2010/main" val="1435304489"/>
+        <p14:creationId xmlns:p14="http://schemas.microsoft.com/office/powerpoint/2010/main" val="2083171694"/>
       </p:ext>
     </p:extLst>
   </p:cSld>
@@ -5950,6 +6080,10 @@
           </p:nvPr>
         </p:nvSpPr>
         <p:spPr>
+          <a:xfrm>
+            <a:off x="252413" y="1123950"/>
+            <a:ext cx="2947987" cy="4600575"/>
+          </a:xfrm>
           <a:prstGeom prst="rect">
             <a:avLst/>
           </a:prstGeom>
@@ -5981,11 +6115,7 @@
             <a:pPr algn="ctr"/>
             <a:r>
               <a:rPr lang="en-US" b="1" smtClean="0"/>
-              <a:t>CÁC </a:t>
-            </a:r>
-            <a:r>
-              <a:rPr lang="en-US" b="1" smtClean="0"/>
-              <a:t>GIAO THỨC / DỊCH VỤ TRONG TẦNG APPLICATION</a:t>
+              <a:t>CÁC GIAO THỨC / DỊCH VỤ TRONG TẦNG APPLICATION</a:t>
             </a:r>
             <a:endParaRPr lang="en-US"/>
           </a:p>
@@ -5993,7 +6123,7 @@
       </p:sp>
       <p:sp>
         <p:nvSpPr>
-          <p:cNvPr id="5" name="TextBox 4"/>
+          <p:cNvPr id="6" name="TextBox 5"/>
           <p:cNvSpPr txBox="1"/>
           <p:nvPr/>
         </p:nvSpPr>
@@ -6015,7 +6145,7 @@
           <a:p>
             <a:pPr algn="ctr"/>
             <a:r>
-              <a:rPr lang="en-US" sz="2200" b="1" smtClean="0">
+              <a:rPr lang="en-US" sz="2200" b="1">
                 <a:solidFill>
                   <a:schemeClr val="accent2">
                     <a:lumMod val="75000"/>
@@ -6024,7 +6154,7 @@
                 <a:latin typeface="Times New Roman" panose="02020603050405020304" pitchFamily="18" charset="0"/>
                 <a:cs typeface="Times New Roman" panose="02020603050405020304" pitchFamily="18" charset="0"/>
               </a:rPr>
-              <a:t>Giao </a:t>
+              <a:t>D</a:t>
             </a:r>
             <a:r>
               <a:rPr lang="en-US" sz="2200" b="1" smtClean="0">
@@ -6036,7 +6166,19 @@
                 <a:latin typeface="Times New Roman" panose="02020603050405020304" pitchFamily="18" charset="0"/>
                 <a:cs typeface="Times New Roman" panose="02020603050405020304" pitchFamily="18" charset="0"/>
               </a:rPr>
-              <a:t>thức dịch vụ DNS</a:t>
+              <a:t>ịch </a:t>
+            </a:r>
+            <a:r>
+              <a:rPr lang="en-US" sz="2200" b="1" smtClean="0">
+                <a:solidFill>
+                  <a:schemeClr val="accent2">
+                    <a:lumMod val="75000"/>
+                  </a:schemeClr>
+                </a:solidFill>
+                <a:latin typeface="Times New Roman" panose="02020603050405020304" pitchFamily="18" charset="0"/>
+                <a:cs typeface="Times New Roman" panose="02020603050405020304" pitchFamily="18" charset="0"/>
+              </a:rPr>
+              <a:t>vụ DNS</a:t>
             </a:r>
             <a:endParaRPr lang="en-US" sz="2200" b="1">
               <a:solidFill>
@@ -6052,6 +6194,367 @@
       </p:sp>
       <p:sp>
         <p:nvSpPr>
+          <p:cNvPr id="7" name="Rectangle 6"/>
+          <p:cNvSpPr/>
+          <p:nvPr/>
+        </p:nvSpPr>
+        <p:spPr>
+          <a:xfrm>
+            <a:off x="4189501" y="1238575"/>
+            <a:ext cx="7326638" cy="5016758"/>
+          </a:xfrm>
+          <a:prstGeom prst="rect">
+            <a:avLst/>
+          </a:prstGeom>
+        </p:spPr>
+        <p:txBody>
+          <a:bodyPr wrap="square">
+            <a:spAutoFit/>
+          </a:bodyPr>
+          <a:lstStyle/>
+          <a:p>
+            <a:pPr marL="342900" indent="-342900" algn="just" fontAlgn="base">
+              <a:buFontTx/>
+              <a:buChar char="-"/>
+            </a:pPr>
+            <a:r>
+              <a:rPr lang="vi-VN" sz="2000" b="1" smtClean="0">
+                <a:solidFill>
+                  <a:srgbClr val="1D1D1D"/>
+                </a:solidFill>
+                <a:latin typeface="Times New Roman" panose="02020603050405020304" pitchFamily="18" charset="0"/>
+                <a:cs typeface="Times New Roman" panose="02020603050405020304" pitchFamily="18" charset="0"/>
+              </a:rPr>
+              <a:t>Dịch </a:t>
+            </a:r>
+            <a:r>
+              <a:rPr lang="vi-VN" sz="2000" b="1">
+                <a:solidFill>
+                  <a:srgbClr val="1D1D1D"/>
+                </a:solidFill>
+                <a:latin typeface="Times New Roman" panose="02020603050405020304" pitchFamily="18" charset="0"/>
+                <a:cs typeface="Times New Roman" panose="02020603050405020304" pitchFamily="18" charset="0"/>
+              </a:rPr>
+              <a:t>vụ DNS:</a:t>
+            </a:r>
+            <a:r>
+              <a:rPr lang="vi-VN" sz="2000">
+                <a:solidFill>
+                  <a:srgbClr val="1D1D1D"/>
+                </a:solidFill>
+                <a:latin typeface="Times New Roman" panose="02020603050405020304" pitchFamily="18" charset="0"/>
+                <a:cs typeface="Times New Roman" panose="02020603050405020304" pitchFamily="18" charset="0"/>
+              </a:rPr>
+              <a:t> là một dịch vụ phân giải tên miền có cơ sở dữ liệu phân cấp, phân tán đồng thời có chứa cơ chế ánh xạ từ tên miền tới những địa chỉ IP và ngược lại. DNS sử dụng Port giao tiếp là 53</a:t>
+            </a:r>
+            <a:r>
+              <a:rPr lang="vi-VN" sz="2000" smtClean="0">
+                <a:solidFill>
+                  <a:srgbClr val="1D1D1D"/>
+                </a:solidFill>
+                <a:latin typeface="Times New Roman" panose="02020603050405020304" pitchFamily="18" charset="0"/>
+                <a:cs typeface="Times New Roman" panose="02020603050405020304" pitchFamily="18" charset="0"/>
+              </a:rPr>
+              <a:t>.</a:t>
+            </a:r>
+            <a:endParaRPr lang="en-US" sz="2000" smtClean="0">
+              <a:solidFill>
+                <a:srgbClr val="1D1D1D"/>
+              </a:solidFill>
+              <a:latin typeface="Times New Roman" panose="02020603050405020304" pitchFamily="18" charset="0"/>
+              <a:cs typeface="Times New Roman" panose="02020603050405020304" pitchFamily="18" charset="0"/>
+            </a:endParaRPr>
+          </a:p>
+          <a:p>
+            <a:pPr marL="342900" indent="-342900" algn="just" fontAlgn="base">
+              <a:buFontTx/>
+              <a:buChar char="-"/>
+            </a:pPr>
+            <a:r>
+              <a:rPr lang="vi-VN" sz="2000">
+                <a:latin typeface="Times New Roman" panose="02020603050405020304" pitchFamily="18" charset="0"/>
+                <a:cs typeface="Times New Roman" panose="02020603050405020304" pitchFamily="18" charset="0"/>
+              </a:rPr>
+              <a:t>Để hoạt động được thì DNS phải có 2 thành phần: DNS Server và DNS </a:t>
+            </a:r>
+            <a:r>
+              <a:rPr lang="vi-VN" sz="2000" smtClean="0">
+                <a:latin typeface="Times New Roman" panose="02020603050405020304" pitchFamily="18" charset="0"/>
+                <a:cs typeface="Times New Roman" panose="02020603050405020304" pitchFamily="18" charset="0"/>
+              </a:rPr>
+              <a:t>Client</a:t>
+            </a:r>
+            <a:r>
+              <a:rPr lang="en-US" sz="2000" smtClean="0">
+                <a:latin typeface="Times New Roman" panose="02020603050405020304" pitchFamily="18" charset="0"/>
+                <a:cs typeface="Times New Roman" panose="02020603050405020304" pitchFamily="18" charset="0"/>
+              </a:rPr>
+              <a:t>.</a:t>
+            </a:r>
+          </a:p>
+          <a:p>
+            <a:pPr marL="342900" indent="-342900" algn="just" fontAlgn="base">
+              <a:buFontTx/>
+              <a:buChar char="-"/>
+            </a:pPr>
+            <a:r>
+              <a:rPr lang="vi-VN" sz="2000">
+                <a:latin typeface="Times New Roman" panose="02020603050405020304" pitchFamily="18" charset="0"/>
+                <a:cs typeface="Times New Roman" panose="02020603050405020304" pitchFamily="18" charset="0"/>
+              </a:rPr>
+              <a:t>DNS Server dùng để phân giải tên miền ra IP và ngược lại là IP sang tên miền. Thông qua tìm kiếm trên cơ sở dữ liệu của nó, nếu không có nó sẽ đi hỏi DNS </a:t>
+            </a:r>
+            <a:r>
+              <a:rPr lang="vi-VN" sz="2000" smtClean="0">
+                <a:latin typeface="Times New Roman" panose="02020603050405020304" pitchFamily="18" charset="0"/>
+                <a:cs typeface="Times New Roman" panose="02020603050405020304" pitchFamily="18" charset="0"/>
+              </a:rPr>
+              <a:t>khác</a:t>
+            </a:r>
+            <a:r>
+              <a:rPr lang="en-US" sz="2000" smtClean="0">
+                <a:latin typeface="Times New Roman" panose="02020603050405020304" pitchFamily="18" charset="0"/>
+                <a:cs typeface="Times New Roman" panose="02020603050405020304" pitchFamily="18" charset="0"/>
+              </a:rPr>
+              <a:t>.</a:t>
+            </a:r>
+            <a:r>
+              <a:rPr lang="en-US" sz="2000">
+                <a:latin typeface="Times New Roman" panose="02020603050405020304" pitchFamily="18" charset="0"/>
+                <a:cs typeface="Times New Roman" panose="02020603050405020304" pitchFamily="18" charset="0"/>
+              </a:rPr>
+              <a:t> DNS Server sử dụng 2 giao thức để hoạt động là TCP và </a:t>
+            </a:r>
+            <a:r>
+              <a:rPr lang="en-US" sz="2000" smtClean="0">
+                <a:latin typeface="Times New Roman" panose="02020603050405020304" pitchFamily="18" charset="0"/>
+                <a:cs typeface="Times New Roman" panose="02020603050405020304" pitchFamily="18" charset="0"/>
+              </a:rPr>
+              <a:t>UDP:</a:t>
+            </a:r>
+          </a:p>
+          <a:p>
+            <a:pPr marL="344488" indent="-344488" algn="just" fontAlgn="base"/>
+            <a:r>
+              <a:rPr lang="en-US" sz="2000" smtClean="0">
+                <a:latin typeface="Times New Roman" panose="02020603050405020304" pitchFamily="18" charset="0"/>
+                <a:cs typeface="Times New Roman" panose="02020603050405020304" pitchFamily="18" charset="0"/>
+              </a:rPr>
+              <a:t>     + </a:t>
+            </a:r>
+            <a:r>
+              <a:rPr lang="en-US" sz="2000">
+                <a:latin typeface="Times New Roman" panose="02020603050405020304" pitchFamily="18" charset="0"/>
+                <a:cs typeface="Times New Roman" panose="02020603050405020304" pitchFamily="18" charset="0"/>
+              </a:rPr>
+              <a:t>TCP dùng để đóng gói khi 2 Server DNS trao đổi dữ liệu với nhau. Đảm bảo an toàn cho dữ liệu</a:t>
+            </a:r>
+            <a:r>
+              <a:rPr lang="en-US" sz="2000" smtClean="0">
+                <a:latin typeface="Times New Roman" panose="02020603050405020304" pitchFamily="18" charset="0"/>
+                <a:cs typeface="Times New Roman" panose="02020603050405020304" pitchFamily="18" charset="0"/>
+              </a:rPr>
+              <a:t>.</a:t>
+            </a:r>
+          </a:p>
+          <a:p>
+            <a:pPr algn="just" fontAlgn="base"/>
+            <a:r>
+              <a:rPr lang="en-US" sz="2000" smtClean="0">
+                <a:latin typeface="Times New Roman" panose="02020603050405020304" pitchFamily="18" charset="0"/>
+                <a:cs typeface="Times New Roman" panose="02020603050405020304" pitchFamily="18" charset="0"/>
+              </a:rPr>
+              <a:t>     + </a:t>
+            </a:r>
+            <a:r>
+              <a:rPr lang="en-US" sz="2000">
+                <a:latin typeface="Times New Roman" panose="02020603050405020304" pitchFamily="18" charset="0"/>
+                <a:cs typeface="Times New Roman" panose="02020603050405020304" pitchFamily="18" charset="0"/>
+              </a:rPr>
+              <a:t>UDP dùng để đóng gói khi Client yêu cầu phân giải tên miền</a:t>
+            </a:r>
+            <a:endParaRPr lang="en-US" sz="2000" smtClean="0">
+              <a:latin typeface="Times New Roman" panose="02020603050405020304" pitchFamily="18" charset="0"/>
+              <a:cs typeface="Times New Roman" panose="02020603050405020304" pitchFamily="18" charset="0"/>
+            </a:endParaRPr>
+          </a:p>
+          <a:p>
+            <a:pPr marL="342900" indent="-342900" algn="just" fontAlgn="base">
+              <a:buFontTx/>
+              <a:buChar char="-"/>
+            </a:pPr>
+            <a:r>
+              <a:rPr lang="vi-VN" sz="2000">
+                <a:latin typeface="Times New Roman" panose="02020603050405020304" pitchFamily="18" charset="0"/>
+                <a:cs typeface="Times New Roman" panose="02020603050405020304" pitchFamily="18" charset="0"/>
+              </a:rPr>
+              <a:t>DNS Client dùng để phân giải cho máy người dùng. Khi người dùng truy cập tên miền DNS Client sẽ nhờ sang DNS Server phân giải</a:t>
+            </a:r>
+            <a:r>
+              <a:rPr lang="vi-VN" sz="2000" smtClean="0">
+                <a:latin typeface="Times New Roman" panose="02020603050405020304" pitchFamily="18" charset="0"/>
+                <a:cs typeface="Times New Roman" panose="02020603050405020304" pitchFamily="18" charset="0"/>
+              </a:rPr>
+              <a:t>.</a:t>
+            </a:r>
+            <a:endParaRPr lang="en-US" sz="2000" smtClean="0">
+              <a:latin typeface="Times New Roman" panose="02020603050405020304" pitchFamily="18" charset="0"/>
+              <a:cs typeface="Times New Roman" panose="02020603050405020304" pitchFamily="18" charset="0"/>
+            </a:endParaRPr>
+          </a:p>
+        </p:txBody>
+      </p:sp>
+    </p:spTree>
+    <p:extLst>
+      <p:ext uri="{BB962C8B-B14F-4D97-AF65-F5344CB8AC3E}">
+        <p14:creationId xmlns:p14="http://schemas.microsoft.com/office/powerpoint/2010/main" val="1435304489"/>
+      </p:ext>
+    </p:extLst>
+  </p:cSld>
+  <p:clrMapOvr>
+    <a:masterClrMapping/>
+  </p:clrMapOvr>
+</p:sld>
+</file>
+
+<file path=ppt/slides/slide17.xml><?xml version="1.0" encoding="utf-8"?>
+<p:sld xmlns:a="http://schemas.openxmlformats.org/drawingml/2006/main" xmlns:r="http://schemas.openxmlformats.org/officeDocument/2006/relationships" xmlns:p="http://schemas.openxmlformats.org/presentationml/2006/main">
+  <p:cSld>
+    <p:spTree>
+      <p:nvGrpSpPr>
+        <p:cNvPr id="1" name=""/>
+        <p:cNvGrpSpPr/>
+        <p:nvPr/>
+      </p:nvGrpSpPr>
+      <p:grpSpPr>
+        <a:xfrm>
+          <a:off x="0" y="0"/>
+          <a:ext cx="0" cy="0"/>
+          <a:chOff x="0" y="0"/>
+          <a:chExt cx="0" cy="0"/>
+        </a:xfrm>
+      </p:grpSpPr>
+      <p:sp>
+        <p:nvSpPr>
+          <p:cNvPr id="4" name="Title 1"/>
+          <p:cNvSpPr txBox="1">
+            <a:spLocks noGrp="1"/>
+          </p:cNvSpPr>
+          <p:nvPr>
+            <p:ph type="title"/>
+          </p:nvPr>
+        </p:nvSpPr>
+        <p:spPr>
+          <a:prstGeom prst="rect">
+            <a:avLst/>
+          </a:prstGeom>
+        </p:spPr>
+        <p:txBody>
+          <a:bodyPr vert="horz" lIns="91440" tIns="45720" rIns="91440" bIns="45720" rtlCol="0" anchor="ctr">
+            <a:normAutofit/>
+          </a:bodyPr>
+          <a:lstStyle>
+            <a:lvl1pPr algn="l" defTabSz="914400" rtl="0" eaLnBrk="1" latinLnBrk="0" hangingPunct="1">
+              <a:lnSpc>
+                <a:spcPct val="90000"/>
+              </a:lnSpc>
+              <a:spcBef>
+                <a:spcPct val="0"/>
+              </a:spcBef>
+              <a:buNone/>
+              <a:defRPr sz="3600" kern="1200" spc="-60" baseline="0">
+                <a:solidFill>
+                  <a:srgbClr val="FFFFFF"/>
+                </a:solidFill>
+                <a:latin typeface="+mj-lt"/>
+                <a:ea typeface="+mj-ea"/>
+                <a:cs typeface="+mj-cs"/>
+              </a:defRPr>
+            </a:lvl1pPr>
+          </a:lstStyle>
+          <a:p>
+            <a:pPr algn="ctr"/>
+            <a:r>
+              <a:rPr lang="en-US" b="1" smtClean="0"/>
+              <a:t>CÁC GIAO THỨC / DỊCH VỤ TRONG TẦNG APPLICATION</a:t>
+            </a:r>
+            <a:endParaRPr lang="en-US"/>
+          </a:p>
+        </p:txBody>
+      </p:sp>
+      <p:sp>
+        <p:nvSpPr>
+          <p:cNvPr id="5" name="TextBox 4"/>
+          <p:cNvSpPr txBox="1"/>
+          <p:nvPr/>
+        </p:nvSpPr>
+        <p:spPr>
+          <a:xfrm>
+            <a:off x="4443106" y="693063"/>
+            <a:ext cx="6383920" cy="430887"/>
+          </a:xfrm>
+          <a:prstGeom prst="rect">
+            <a:avLst/>
+          </a:prstGeom>
+          <a:noFill/>
+        </p:spPr>
+        <p:txBody>
+          <a:bodyPr wrap="square" rtlCol="0">
+            <a:spAutoFit/>
+          </a:bodyPr>
+          <a:lstStyle/>
+          <a:p>
+            <a:pPr algn="ctr"/>
+            <a:r>
+              <a:rPr lang="en-US" sz="2200" b="1">
+                <a:solidFill>
+                  <a:schemeClr val="accent2">
+                    <a:lumMod val="75000"/>
+                  </a:schemeClr>
+                </a:solidFill>
+                <a:latin typeface="Times New Roman" panose="02020603050405020304" pitchFamily="18" charset="0"/>
+                <a:cs typeface="Times New Roman" panose="02020603050405020304" pitchFamily="18" charset="0"/>
+              </a:rPr>
+              <a:t>D</a:t>
+            </a:r>
+            <a:r>
+              <a:rPr lang="en-US" sz="2200" b="1" smtClean="0">
+                <a:solidFill>
+                  <a:schemeClr val="accent2">
+                    <a:lumMod val="75000"/>
+                  </a:schemeClr>
+                </a:solidFill>
+                <a:latin typeface="Times New Roman" panose="02020603050405020304" pitchFamily="18" charset="0"/>
+                <a:cs typeface="Times New Roman" panose="02020603050405020304" pitchFamily="18" charset="0"/>
+              </a:rPr>
+              <a:t>ịch </a:t>
+            </a:r>
+            <a:r>
+              <a:rPr lang="en-US" sz="2200" b="1" smtClean="0">
+                <a:solidFill>
+                  <a:schemeClr val="accent2">
+                    <a:lumMod val="75000"/>
+                  </a:schemeClr>
+                </a:solidFill>
+                <a:latin typeface="Times New Roman" panose="02020603050405020304" pitchFamily="18" charset="0"/>
+                <a:cs typeface="Times New Roman" panose="02020603050405020304" pitchFamily="18" charset="0"/>
+              </a:rPr>
+              <a:t>vụ DNS</a:t>
+            </a:r>
+            <a:endParaRPr lang="en-US" sz="2200" b="1">
+              <a:solidFill>
+                <a:schemeClr val="accent2">
+                  <a:lumMod val="75000"/>
+                </a:schemeClr>
+              </a:solidFill>
+              <a:latin typeface="Times New Roman" panose="02020603050405020304" pitchFamily="18" charset="0"/>
+              <a:cs typeface="Times New Roman" panose="02020603050405020304" pitchFamily="18" charset="0"/>
+            </a:endParaRPr>
+          </a:p>
+        </p:txBody>
+      </p:sp>
+      <p:sp>
+        <p:nvSpPr>
           <p:cNvPr id="6" name="Rectangle 5"/>
           <p:cNvSpPr/>
           <p:nvPr/>
@@ -6396,6 +6899,783 @@
     <p:extLst>
       <p:ext uri="{BB962C8B-B14F-4D97-AF65-F5344CB8AC3E}">
         <p14:creationId xmlns:p14="http://schemas.microsoft.com/office/powerpoint/2010/main" val="2152591897"/>
+      </p:ext>
+    </p:extLst>
+  </p:cSld>
+  <p:clrMapOvr>
+    <a:masterClrMapping/>
+  </p:clrMapOvr>
+</p:sld>
+</file>
+
+<file path=ppt/slides/slide18.xml><?xml version="1.0" encoding="utf-8"?>
+<p:sld xmlns:a="http://schemas.openxmlformats.org/drawingml/2006/main" xmlns:r="http://schemas.openxmlformats.org/officeDocument/2006/relationships" xmlns:p="http://schemas.openxmlformats.org/presentationml/2006/main">
+  <p:cSld>
+    <p:spTree>
+      <p:nvGrpSpPr>
+        <p:cNvPr id="1" name=""/>
+        <p:cNvGrpSpPr/>
+        <p:nvPr/>
+      </p:nvGrpSpPr>
+      <p:grpSpPr>
+        <a:xfrm>
+          <a:off x="0" y="0"/>
+          <a:ext cx="0" cy="0"/>
+          <a:chOff x="0" y="0"/>
+          <a:chExt cx="0" cy="0"/>
+        </a:xfrm>
+      </p:grpSpPr>
+      <p:sp>
+        <p:nvSpPr>
+          <p:cNvPr id="5" name="Title 1"/>
+          <p:cNvSpPr txBox="1">
+            <a:spLocks noGrp="1"/>
+          </p:cNvSpPr>
+          <p:nvPr>
+            <p:ph type="title"/>
+          </p:nvPr>
+        </p:nvSpPr>
+        <p:spPr>
+          <a:xfrm>
+            <a:off x="252919" y="1123837"/>
+            <a:ext cx="2947482" cy="4601183"/>
+          </a:xfrm>
+          <a:prstGeom prst="rect">
+            <a:avLst/>
+          </a:prstGeom>
+        </p:spPr>
+        <p:txBody>
+          <a:bodyPr vert="horz" lIns="91440" tIns="45720" rIns="91440" bIns="45720" rtlCol="0" anchor="ctr">
+            <a:normAutofit/>
+          </a:bodyPr>
+          <a:lstStyle>
+            <a:lvl1pPr algn="l" defTabSz="914400" rtl="0" eaLnBrk="1" latinLnBrk="0" hangingPunct="1">
+              <a:lnSpc>
+                <a:spcPct val="90000"/>
+              </a:lnSpc>
+              <a:spcBef>
+                <a:spcPct val="0"/>
+              </a:spcBef>
+              <a:buNone/>
+              <a:defRPr sz="3600" kern="1200" spc="-60" baseline="0">
+                <a:solidFill>
+                  <a:srgbClr val="FFFFFF"/>
+                </a:solidFill>
+                <a:latin typeface="+mj-lt"/>
+                <a:ea typeface="+mj-ea"/>
+                <a:cs typeface="+mj-cs"/>
+              </a:defRPr>
+            </a:lvl1pPr>
+          </a:lstStyle>
+          <a:p>
+            <a:pPr algn="ctr"/>
+            <a:r>
+              <a:rPr lang="en-US" b="1" smtClean="0"/>
+              <a:t>CÁC GIAO THỨC / DỊCH VỤ TRONG TẦNG APPLICATION</a:t>
+            </a:r>
+            <a:endParaRPr lang="en-US"/>
+          </a:p>
+        </p:txBody>
+      </p:sp>
+      <p:sp>
+        <p:nvSpPr>
+          <p:cNvPr id="6" name="TextBox 5"/>
+          <p:cNvSpPr txBox="1"/>
+          <p:nvPr/>
+        </p:nvSpPr>
+        <p:spPr>
+          <a:xfrm>
+            <a:off x="4443106" y="693063"/>
+            <a:ext cx="6383920" cy="430887"/>
+          </a:xfrm>
+          <a:prstGeom prst="rect">
+            <a:avLst/>
+          </a:prstGeom>
+          <a:noFill/>
+        </p:spPr>
+        <p:txBody>
+          <a:bodyPr wrap="square" rtlCol="0">
+            <a:spAutoFit/>
+          </a:bodyPr>
+          <a:lstStyle/>
+          <a:p>
+            <a:pPr algn="ctr"/>
+            <a:r>
+              <a:rPr lang="en-US" sz="2200" b="1">
+                <a:solidFill>
+                  <a:schemeClr val="accent2">
+                    <a:lumMod val="75000"/>
+                  </a:schemeClr>
+                </a:solidFill>
+                <a:latin typeface="Times New Roman" panose="02020603050405020304" pitchFamily="18" charset="0"/>
+                <a:cs typeface="Times New Roman" panose="02020603050405020304" pitchFamily="18" charset="0"/>
+              </a:rPr>
+              <a:t>D</a:t>
+            </a:r>
+            <a:r>
+              <a:rPr lang="en-US" sz="2200" b="1" smtClean="0">
+                <a:solidFill>
+                  <a:schemeClr val="accent2">
+                    <a:lumMod val="75000"/>
+                  </a:schemeClr>
+                </a:solidFill>
+                <a:latin typeface="Times New Roman" panose="02020603050405020304" pitchFamily="18" charset="0"/>
+                <a:cs typeface="Times New Roman" panose="02020603050405020304" pitchFamily="18" charset="0"/>
+              </a:rPr>
+              <a:t>ịch vụ DHCP</a:t>
+            </a:r>
+            <a:endParaRPr lang="en-US" sz="2200" b="1">
+              <a:solidFill>
+                <a:schemeClr val="accent2">
+                  <a:lumMod val="75000"/>
+                </a:schemeClr>
+              </a:solidFill>
+              <a:latin typeface="Times New Roman" panose="02020603050405020304" pitchFamily="18" charset="0"/>
+              <a:cs typeface="Times New Roman" panose="02020603050405020304" pitchFamily="18" charset="0"/>
+            </a:endParaRPr>
+          </a:p>
+        </p:txBody>
+      </p:sp>
+      <p:sp>
+        <p:nvSpPr>
+          <p:cNvPr id="7" name="Rectangle 6"/>
+          <p:cNvSpPr/>
+          <p:nvPr/>
+        </p:nvSpPr>
+        <p:spPr>
+          <a:xfrm>
+            <a:off x="4262905" y="1431375"/>
+            <a:ext cx="7289443" cy="5062924"/>
+          </a:xfrm>
+          <a:prstGeom prst="rect">
+            <a:avLst/>
+          </a:prstGeom>
+        </p:spPr>
+        <p:txBody>
+          <a:bodyPr wrap="square">
+            <a:spAutoFit/>
+          </a:bodyPr>
+          <a:lstStyle/>
+          <a:p>
+            <a:pPr marL="342900" indent="-342900" algn="just" fontAlgn="base">
+              <a:buFontTx/>
+              <a:buChar char="-"/>
+            </a:pPr>
+            <a:r>
+              <a:rPr lang="en-US" sz="1900" b="1" smtClean="0">
+                <a:solidFill>
+                  <a:srgbClr val="1D1D1D"/>
+                </a:solidFill>
+                <a:latin typeface="Times New Roman" panose="02020603050405020304" pitchFamily="18" charset="0"/>
+                <a:cs typeface="Times New Roman" panose="02020603050405020304" pitchFamily="18" charset="0"/>
+              </a:rPr>
+              <a:t>Dịch </a:t>
+            </a:r>
+            <a:r>
+              <a:rPr lang="en-US" sz="1900" b="1">
+                <a:solidFill>
+                  <a:srgbClr val="1D1D1D"/>
+                </a:solidFill>
+                <a:latin typeface="Times New Roman" panose="02020603050405020304" pitchFamily="18" charset="0"/>
+                <a:cs typeface="Times New Roman" panose="02020603050405020304" pitchFamily="18" charset="0"/>
+              </a:rPr>
+              <a:t>vụ DHCP:</a:t>
+            </a:r>
+            <a:r>
+              <a:rPr lang="en-US" sz="1900">
+                <a:solidFill>
+                  <a:srgbClr val="1D1D1D"/>
+                </a:solidFill>
+                <a:latin typeface="Times New Roman" panose="02020603050405020304" pitchFamily="18" charset="0"/>
+                <a:cs typeface="Times New Roman" panose="02020603050405020304" pitchFamily="18" charset="0"/>
+              </a:rPr>
+              <a:t> là dịch vụ cấp phát địa chỉ IP động. Trong một hệ thống lớn có nhiều máy, thay vì chúng ta phải đi nhập IP bằng tay cho tất cả các máy thì chúng ta dùng DHCP cấp </a:t>
+            </a:r>
+            <a:r>
+              <a:rPr lang="en-US" sz="1900">
+                <a:solidFill>
+                  <a:srgbClr val="1D1D1D"/>
+                </a:solidFill>
+                <a:latin typeface="Times New Roman" panose="02020603050405020304" pitchFamily="18" charset="0"/>
+                <a:cs typeface="Times New Roman" panose="02020603050405020304" pitchFamily="18" charset="0"/>
+              </a:rPr>
+              <a:t>phát </a:t>
+            </a:r>
+            <a:r>
+              <a:rPr lang="en-US" sz="1900" smtClean="0">
+                <a:solidFill>
+                  <a:srgbClr val="1D1D1D"/>
+                </a:solidFill>
+                <a:latin typeface="Times New Roman" panose="02020603050405020304" pitchFamily="18" charset="0"/>
+                <a:cs typeface="Times New Roman" panose="02020603050405020304" pitchFamily="18" charset="0"/>
+              </a:rPr>
+              <a:t>IP.</a:t>
+            </a:r>
+          </a:p>
+          <a:p>
+            <a:pPr marL="342900" indent="-342900" algn="just" fontAlgn="base">
+              <a:buFontTx/>
+              <a:buChar char="-"/>
+            </a:pPr>
+            <a:r>
+              <a:rPr lang="vi-VN" sz="1900">
+                <a:latin typeface="Times New Roman" panose="02020603050405020304" pitchFamily="18" charset="0"/>
+                <a:cs typeface="Times New Roman" panose="02020603050405020304" pitchFamily="18" charset="0"/>
+              </a:rPr>
+              <a:t>Để dịch vụ DHCP hoạt động được nó phải có 2 thành phần: DHCP Server và </a:t>
+            </a:r>
+            <a:r>
+              <a:rPr lang="vi-VN" sz="1900">
+                <a:latin typeface="Times New Roman" panose="02020603050405020304" pitchFamily="18" charset="0"/>
+                <a:cs typeface="Times New Roman" panose="02020603050405020304" pitchFamily="18" charset="0"/>
+              </a:rPr>
+              <a:t>DHCP </a:t>
+            </a:r>
+            <a:r>
+              <a:rPr lang="vi-VN" sz="1900" smtClean="0">
+                <a:latin typeface="Times New Roman" panose="02020603050405020304" pitchFamily="18" charset="0"/>
+                <a:cs typeface="Times New Roman" panose="02020603050405020304" pitchFamily="18" charset="0"/>
+              </a:rPr>
+              <a:t>Client</a:t>
+            </a:r>
+            <a:r>
+              <a:rPr lang="en-US" sz="1900" smtClean="0">
+                <a:latin typeface="Times New Roman" panose="02020603050405020304" pitchFamily="18" charset="0"/>
+                <a:cs typeface="Times New Roman" panose="02020603050405020304" pitchFamily="18" charset="0"/>
+              </a:rPr>
+              <a:t>.</a:t>
+            </a:r>
+          </a:p>
+          <a:p>
+            <a:pPr marL="566738" indent="-219075" algn="just" fontAlgn="base"/>
+            <a:r>
+              <a:rPr lang="en-US" sz="1900" smtClean="0">
+                <a:solidFill>
+                  <a:srgbClr val="1D1D1D"/>
+                </a:solidFill>
+                <a:latin typeface="Times New Roman" panose="02020603050405020304" pitchFamily="18" charset="0"/>
+                <a:cs typeface="Times New Roman" panose="02020603050405020304" pitchFamily="18" charset="0"/>
+              </a:rPr>
+              <a:t>+ </a:t>
+            </a:r>
+            <a:r>
+              <a:rPr lang="en-US" sz="1900">
+                <a:latin typeface="Times New Roman" panose="02020603050405020304" pitchFamily="18" charset="0"/>
+                <a:cs typeface="Times New Roman" panose="02020603050405020304" pitchFamily="18" charset="0"/>
+              </a:rPr>
+              <a:t>DHCP Server dùng để cấp phát IP động sử dụng </a:t>
+            </a:r>
+            <a:r>
+              <a:rPr lang="en-US" sz="1900">
+                <a:latin typeface="Times New Roman" panose="02020603050405020304" pitchFamily="18" charset="0"/>
+                <a:cs typeface="Times New Roman" panose="02020603050405020304" pitchFamily="18" charset="0"/>
+              </a:rPr>
+              <a:t>Port </a:t>
+            </a:r>
+            <a:r>
+              <a:rPr lang="en-US" sz="1900" smtClean="0">
+                <a:latin typeface="Times New Roman" panose="02020603050405020304" pitchFamily="18" charset="0"/>
+                <a:cs typeface="Times New Roman" panose="02020603050405020304" pitchFamily="18" charset="0"/>
+              </a:rPr>
+              <a:t>67. </a:t>
+            </a:r>
+            <a:r>
+              <a:rPr lang="en-US" sz="1900">
+                <a:latin typeface="Times New Roman" panose="02020603050405020304" pitchFamily="18" charset="0"/>
+                <a:cs typeface="Times New Roman" panose="02020603050405020304" pitchFamily="18" charset="0"/>
+              </a:rPr>
+              <a:t>Gửi IP hoặc nhận thông tin đều ở Port </a:t>
+            </a:r>
+            <a:r>
+              <a:rPr lang="en-US" sz="1900">
+                <a:latin typeface="Times New Roman" panose="02020603050405020304" pitchFamily="18" charset="0"/>
+                <a:cs typeface="Times New Roman" panose="02020603050405020304" pitchFamily="18" charset="0"/>
+              </a:rPr>
+              <a:t>này</a:t>
+            </a:r>
+            <a:r>
+              <a:rPr lang="en-US" sz="1900" smtClean="0">
+                <a:latin typeface="Times New Roman" panose="02020603050405020304" pitchFamily="18" charset="0"/>
+                <a:cs typeface="Times New Roman" panose="02020603050405020304" pitchFamily="18" charset="0"/>
+              </a:rPr>
+              <a:t>.</a:t>
+            </a:r>
+          </a:p>
+          <a:p>
+            <a:pPr marL="566738" indent="-219075" algn="just" fontAlgn="base"/>
+            <a:r>
+              <a:rPr lang="en-US" sz="1900" smtClean="0">
+                <a:solidFill>
+                  <a:srgbClr val="1D1D1D"/>
+                </a:solidFill>
+                <a:latin typeface="Times New Roman" panose="02020603050405020304" pitchFamily="18" charset="0"/>
+                <a:cs typeface="Times New Roman" panose="02020603050405020304" pitchFamily="18" charset="0"/>
+              </a:rPr>
+              <a:t>+ </a:t>
+            </a:r>
+            <a:r>
+              <a:rPr lang="en-US" sz="1900">
+                <a:latin typeface="Times New Roman" panose="02020603050405020304" pitchFamily="18" charset="0"/>
+                <a:cs typeface="Times New Roman" panose="02020603050405020304" pitchFamily="18" charset="0"/>
+              </a:rPr>
+              <a:t>DHCP Client dùng để nhận IP, xin cấp phát IP sử dụng </a:t>
+            </a:r>
+            <a:r>
+              <a:rPr lang="en-US" sz="1900">
+                <a:latin typeface="Times New Roman" panose="02020603050405020304" pitchFamily="18" charset="0"/>
+                <a:cs typeface="Times New Roman" panose="02020603050405020304" pitchFamily="18" charset="0"/>
+              </a:rPr>
+              <a:t>Port </a:t>
+            </a:r>
+            <a:r>
+              <a:rPr lang="en-US" sz="1900" smtClean="0">
+                <a:latin typeface="Times New Roman" panose="02020603050405020304" pitchFamily="18" charset="0"/>
+                <a:cs typeface="Times New Roman" panose="02020603050405020304" pitchFamily="18" charset="0"/>
+              </a:rPr>
+              <a:t>68. </a:t>
+            </a:r>
+            <a:r>
+              <a:rPr lang="en-US" sz="1900">
+                <a:latin typeface="Times New Roman" panose="02020603050405020304" pitchFamily="18" charset="0"/>
+                <a:cs typeface="Times New Roman" panose="02020603050405020304" pitchFamily="18" charset="0"/>
+              </a:rPr>
+              <a:t>Xin IP hoặc nhận IP đều dùng ở Port </a:t>
+            </a:r>
+            <a:r>
+              <a:rPr lang="en-US" sz="1900">
+                <a:latin typeface="Times New Roman" panose="02020603050405020304" pitchFamily="18" charset="0"/>
+                <a:cs typeface="Times New Roman" panose="02020603050405020304" pitchFamily="18" charset="0"/>
+              </a:rPr>
+              <a:t>này</a:t>
+            </a:r>
+            <a:r>
+              <a:rPr lang="en-US" sz="1900" smtClean="0">
+                <a:latin typeface="Times New Roman" panose="02020603050405020304" pitchFamily="18" charset="0"/>
+                <a:cs typeface="Times New Roman" panose="02020603050405020304" pitchFamily="18" charset="0"/>
+              </a:rPr>
+              <a:t>.</a:t>
+            </a:r>
+            <a:endParaRPr lang="en-US" sz="1900">
+              <a:solidFill>
+                <a:srgbClr val="1D1D1D"/>
+              </a:solidFill>
+              <a:latin typeface="Times New Roman" panose="02020603050405020304" pitchFamily="18" charset="0"/>
+              <a:cs typeface="Times New Roman" panose="02020603050405020304" pitchFamily="18" charset="0"/>
+            </a:endParaRPr>
+          </a:p>
+          <a:p>
+            <a:pPr marL="342900" indent="-342900" algn="just" fontAlgn="base">
+              <a:buFontTx/>
+              <a:buChar char="-"/>
+            </a:pPr>
+            <a:r>
+              <a:rPr lang="en-US" sz="1900" smtClean="0">
+                <a:solidFill>
+                  <a:srgbClr val="1D1D1D"/>
+                </a:solidFill>
+                <a:latin typeface="Times New Roman" panose="02020603050405020304" pitchFamily="18" charset="0"/>
+                <a:cs typeface="Times New Roman" panose="02020603050405020304" pitchFamily="18" charset="0"/>
+              </a:rPr>
+              <a:t>Các bước hoạt động:</a:t>
+            </a:r>
+          </a:p>
+          <a:p>
+            <a:pPr algn="just" fontAlgn="base"/>
+            <a:r>
+              <a:rPr lang="en-US" sz="1900" smtClean="0">
+                <a:solidFill>
+                  <a:srgbClr val="1D1D1D"/>
+                </a:solidFill>
+                <a:latin typeface="Times New Roman" panose="02020603050405020304" pitchFamily="18" charset="0"/>
+                <a:cs typeface="Times New Roman" panose="02020603050405020304" pitchFamily="18" charset="0"/>
+              </a:rPr>
+              <a:t>+ </a:t>
+            </a:r>
+            <a:r>
+              <a:rPr lang="vi-VN" sz="1900">
+                <a:latin typeface="Times New Roman" panose="02020603050405020304" pitchFamily="18" charset="0"/>
+                <a:cs typeface="Times New Roman" panose="02020603050405020304" pitchFamily="18" charset="0"/>
+              </a:rPr>
+              <a:t>Bước 1: DHCP Client sẽ gửi một bản tin Broadcast là Discover. Bản tin là thông tin yêu cầu xin địa chỉ IP. Bản tin sẽ được tầng Transport nhận bằng cổng 68 sau đó đóng gói bằng giao thức UDP  rồi truyền xuống dưới. Tầng Network Access sẽ đóng địa chỉ MAC nguồn là máy mình và MAC đích là MAC Broadcast  rồi chuyển ra đường truyền. Do có địa chỉ MAC là Broadcast nên tất cả các máy trong mạng đều nhận được, trong đó có máy DHCP Server.</a:t>
+            </a:r>
+            <a:endParaRPr lang="en-US" sz="1900" smtClean="0">
+              <a:latin typeface="Times New Roman" panose="02020603050405020304" pitchFamily="18" charset="0"/>
+              <a:cs typeface="Times New Roman" panose="02020603050405020304" pitchFamily="18" charset="0"/>
+            </a:endParaRPr>
+          </a:p>
+        </p:txBody>
+      </p:sp>
+    </p:spTree>
+    <p:extLst>
+      <p:ext uri="{BB962C8B-B14F-4D97-AF65-F5344CB8AC3E}">
+        <p14:creationId xmlns:p14="http://schemas.microsoft.com/office/powerpoint/2010/main" val="1513036006"/>
+      </p:ext>
+    </p:extLst>
+  </p:cSld>
+  <p:clrMapOvr>
+    <a:masterClrMapping/>
+  </p:clrMapOvr>
+</p:sld>
+</file>
+
+<file path=ppt/slides/slide19.xml><?xml version="1.0" encoding="utf-8"?>
+<p:sld xmlns:a="http://schemas.openxmlformats.org/drawingml/2006/main" xmlns:r="http://schemas.openxmlformats.org/officeDocument/2006/relationships" xmlns:p="http://schemas.openxmlformats.org/presentationml/2006/main">
+  <p:cSld>
+    <p:spTree>
+      <p:nvGrpSpPr>
+        <p:cNvPr id="1" name=""/>
+        <p:cNvGrpSpPr/>
+        <p:nvPr/>
+      </p:nvGrpSpPr>
+      <p:grpSpPr>
+        <a:xfrm>
+          <a:off x="0" y="0"/>
+          <a:ext cx="0" cy="0"/>
+          <a:chOff x="0" y="0"/>
+          <a:chExt cx="0" cy="0"/>
+        </a:xfrm>
+      </p:grpSpPr>
+      <p:sp>
+        <p:nvSpPr>
+          <p:cNvPr id="4" name="Title 1"/>
+          <p:cNvSpPr txBox="1">
+            <a:spLocks noGrp="1"/>
+          </p:cNvSpPr>
+          <p:nvPr>
+            <p:ph type="title"/>
+          </p:nvPr>
+        </p:nvSpPr>
+        <p:spPr>
+          <a:prstGeom prst="rect">
+            <a:avLst/>
+          </a:prstGeom>
+        </p:spPr>
+        <p:txBody>
+          <a:bodyPr vert="horz" lIns="91440" tIns="45720" rIns="91440" bIns="45720" rtlCol="0" anchor="ctr">
+            <a:normAutofit/>
+          </a:bodyPr>
+          <a:lstStyle>
+            <a:lvl1pPr algn="l" defTabSz="914400" rtl="0" eaLnBrk="1" latinLnBrk="0" hangingPunct="1">
+              <a:lnSpc>
+                <a:spcPct val="90000"/>
+              </a:lnSpc>
+              <a:spcBef>
+                <a:spcPct val="0"/>
+              </a:spcBef>
+              <a:buNone/>
+              <a:defRPr sz="3600" kern="1200" spc="-60" baseline="0">
+                <a:solidFill>
+                  <a:srgbClr val="FFFFFF"/>
+                </a:solidFill>
+                <a:latin typeface="+mj-lt"/>
+                <a:ea typeface="+mj-ea"/>
+                <a:cs typeface="+mj-cs"/>
+              </a:defRPr>
+            </a:lvl1pPr>
+          </a:lstStyle>
+          <a:p>
+            <a:pPr algn="ctr"/>
+            <a:r>
+              <a:rPr lang="en-US" b="1" smtClean="0"/>
+              <a:t>CÁC GIAO THỨC / DỊCH VỤ TRONG TẦNG APPLICATION</a:t>
+            </a:r>
+            <a:endParaRPr lang="en-US"/>
+          </a:p>
+        </p:txBody>
+      </p:sp>
+      <p:sp>
+        <p:nvSpPr>
+          <p:cNvPr id="5" name="TextBox 4"/>
+          <p:cNvSpPr txBox="1"/>
+          <p:nvPr/>
+        </p:nvSpPr>
+        <p:spPr>
+          <a:xfrm>
+            <a:off x="4443106" y="693063"/>
+            <a:ext cx="6383920" cy="430887"/>
+          </a:xfrm>
+          <a:prstGeom prst="rect">
+            <a:avLst/>
+          </a:prstGeom>
+          <a:noFill/>
+        </p:spPr>
+        <p:txBody>
+          <a:bodyPr wrap="square" rtlCol="0">
+            <a:spAutoFit/>
+          </a:bodyPr>
+          <a:lstStyle/>
+          <a:p>
+            <a:pPr algn="ctr"/>
+            <a:r>
+              <a:rPr lang="en-US" sz="2200" b="1">
+                <a:solidFill>
+                  <a:schemeClr val="accent2">
+                    <a:lumMod val="75000"/>
+                  </a:schemeClr>
+                </a:solidFill>
+                <a:latin typeface="Times New Roman" panose="02020603050405020304" pitchFamily="18" charset="0"/>
+                <a:cs typeface="Times New Roman" panose="02020603050405020304" pitchFamily="18" charset="0"/>
+              </a:rPr>
+              <a:t>D</a:t>
+            </a:r>
+            <a:r>
+              <a:rPr lang="en-US" sz="2200" b="1" smtClean="0">
+                <a:solidFill>
+                  <a:schemeClr val="accent2">
+                    <a:lumMod val="75000"/>
+                  </a:schemeClr>
+                </a:solidFill>
+                <a:latin typeface="Times New Roman" panose="02020603050405020304" pitchFamily="18" charset="0"/>
+                <a:cs typeface="Times New Roman" panose="02020603050405020304" pitchFamily="18" charset="0"/>
+              </a:rPr>
+              <a:t>ịch vụ DHCP</a:t>
+            </a:r>
+            <a:endParaRPr lang="en-US" sz="2200" b="1">
+              <a:solidFill>
+                <a:schemeClr val="accent2">
+                  <a:lumMod val="75000"/>
+                </a:schemeClr>
+              </a:solidFill>
+              <a:latin typeface="Times New Roman" panose="02020603050405020304" pitchFamily="18" charset="0"/>
+              <a:cs typeface="Times New Roman" panose="02020603050405020304" pitchFamily="18" charset="0"/>
+            </a:endParaRPr>
+          </a:p>
+        </p:txBody>
+      </p:sp>
+      <p:sp>
+        <p:nvSpPr>
+          <p:cNvPr id="6" name="Rectangle 5"/>
+          <p:cNvSpPr/>
+          <p:nvPr/>
+        </p:nvSpPr>
+        <p:spPr>
+          <a:xfrm>
+            <a:off x="4237148" y="1439269"/>
+            <a:ext cx="7302321" cy="4185761"/>
+          </a:xfrm>
+          <a:prstGeom prst="rect">
+            <a:avLst/>
+          </a:prstGeom>
+        </p:spPr>
+        <p:txBody>
+          <a:bodyPr wrap="square">
+            <a:spAutoFit/>
+          </a:bodyPr>
+          <a:lstStyle/>
+          <a:p>
+            <a:pPr algn="just" fontAlgn="base"/>
+            <a:r>
+              <a:rPr lang="en-US" smtClean="0">
+                <a:solidFill>
+                  <a:srgbClr val="1D1D1D"/>
+                </a:solidFill>
+                <a:latin typeface="Helvetica" panose="020B0604020202020204" pitchFamily="34" charset="0"/>
+              </a:rPr>
+              <a:t> +</a:t>
+            </a:r>
+            <a:r>
+              <a:rPr lang="vi-VN">
+                <a:solidFill>
+                  <a:srgbClr val="1D1D1D"/>
+                </a:solidFill>
+                <a:latin typeface="Helvetica" panose="020B0604020202020204" pitchFamily="34" charset="0"/>
+              </a:rPr>
+              <a:t> </a:t>
+            </a:r>
+            <a:r>
+              <a:rPr lang="vi-VN" sz="1900" smtClean="0">
+                <a:solidFill>
+                  <a:srgbClr val="1D1D1D"/>
+                </a:solidFill>
+                <a:latin typeface="Times New Roman" panose="02020603050405020304" pitchFamily="18" charset="0"/>
+                <a:cs typeface="Times New Roman" panose="02020603050405020304" pitchFamily="18" charset="0"/>
+              </a:rPr>
+              <a:t>Bước </a:t>
+            </a:r>
+            <a:r>
+              <a:rPr lang="vi-VN" sz="1900">
+                <a:solidFill>
+                  <a:srgbClr val="1D1D1D"/>
+                </a:solidFill>
+                <a:latin typeface="Times New Roman" panose="02020603050405020304" pitchFamily="18" charset="0"/>
+                <a:cs typeface="Times New Roman" panose="02020603050405020304" pitchFamily="18" charset="0"/>
+              </a:rPr>
+              <a:t>2: Sau khi DHCP Server nhận được gói tin nó sẽ được tầng Network Access sẽ chuyển lên bên trên để xử lý. Tầng Transport sẽ nhận thông tin rồi chuyển lên Port 67 cho tầng Application.</a:t>
+            </a:r>
+          </a:p>
+          <a:p>
+            <a:pPr algn="just" fontAlgn="base"/>
+            <a:r>
+              <a:rPr lang="en-US" sz="1900">
+                <a:solidFill>
+                  <a:srgbClr val="1D1D1D"/>
+                </a:solidFill>
+                <a:latin typeface="Times New Roman" panose="02020603050405020304" pitchFamily="18" charset="0"/>
+                <a:cs typeface="Times New Roman" panose="02020603050405020304" pitchFamily="18" charset="0"/>
+              </a:rPr>
+              <a:t> </a:t>
+            </a:r>
+            <a:r>
+              <a:rPr lang="en-US" sz="1900" smtClean="0">
+                <a:solidFill>
+                  <a:srgbClr val="1D1D1D"/>
+                </a:solidFill>
+                <a:latin typeface="Times New Roman" panose="02020603050405020304" pitchFamily="18" charset="0"/>
+                <a:cs typeface="Times New Roman" panose="02020603050405020304" pitchFamily="18" charset="0"/>
+              </a:rPr>
+              <a:t>+ </a:t>
+            </a:r>
+            <a:r>
+              <a:rPr lang="vi-VN" sz="1900" smtClean="0">
+                <a:solidFill>
+                  <a:srgbClr val="1D1D1D"/>
+                </a:solidFill>
+                <a:latin typeface="Times New Roman" panose="02020603050405020304" pitchFamily="18" charset="0"/>
+                <a:cs typeface="Times New Roman" panose="02020603050405020304" pitchFamily="18" charset="0"/>
+              </a:rPr>
+              <a:t>Bước </a:t>
+            </a:r>
+            <a:r>
+              <a:rPr lang="vi-VN" sz="1900">
+                <a:solidFill>
+                  <a:srgbClr val="1D1D1D"/>
+                </a:solidFill>
+                <a:latin typeface="Times New Roman" panose="02020603050405020304" pitchFamily="18" charset="0"/>
+                <a:cs typeface="Times New Roman" panose="02020603050405020304" pitchFamily="18" charset="0"/>
+              </a:rPr>
+              <a:t>3: Sau khi DHCP Server xử lý, Server sẽ gửi lại một bản tin Offer bao gồm thông tin địa chỉ IP cấp cho máy Client và thông tinh máy của mình như tên, IP. Rồi chuyển xuống cho tầng Transport đóng gói bằng cổng 67. Tầng Transport sẽ đóng bằng giao thức UDP và tiếp tục chuyển xuống đóng địa chỉ MAC nguồn MAC đích. Tiếp theo dữ liệu sẽ gửi ra </a:t>
+            </a:r>
+            <a:r>
+              <a:rPr lang="vi-VN" sz="1900">
+                <a:solidFill>
+                  <a:srgbClr val="1D1D1D"/>
+                </a:solidFill>
+                <a:latin typeface="Times New Roman" panose="02020603050405020304" pitchFamily="18" charset="0"/>
+                <a:cs typeface="Times New Roman" panose="02020603050405020304" pitchFamily="18" charset="0"/>
+              </a:rPr>
+              <a:t>đường </a:t>
+            </a:r>
+            <a:r>
+              <a:rPr lang="vi-VN" sz="1900" smtClean="0">
+                <a:solidFill>
+                  <a:srgbClr val="1D1D1D"/>
+                </a:solidFill>
+                <a:latin typeface="Times New Roman" panose="02020603050405020304" pitchFamily="18" charset="0"/>
+                <a:cs typeface="Times New Roman" panose="02020603050405020304" pitchFamily="18" charset="0"/>
+              </a:rPr>
+              <a:t>truyền.</a:t>
+            </a:r>
+            <a:r>
+              <a:rPr lang="en-US" sz="1900" smtClean="0">
+                <a:solidFill>
+                  <a:srgbClr val="1D1D1D"/>
+                </a:solidFill>
+                <a:latin typeface="Times New Roman" panose="02020603050405020304" pitchFamily="18" charset="0"/>
+                <a:cs typeface="Times New Roman" panose="02020603050405020304" pitchFamily="18" charset="0"/>
+              </a:rPr>
+              <a:t> </a:t>
+            </a:r>
+          </a:p>
+          <a:p>
+            <a:pPr algn="just" fontAlgn="base"/>
+            <a:r>
+              <a:rPr lang="en-US" sz="1900">
+                <a:solidFill>
+                  <a:srgbClr val="1D1D1D"/>
+                </a:solidFill>
+                <a:latin typeface="Times New Roman" panose="02020603050405020304" pitchFamily="18" charset="0"/>
+                <a:cs typeface="Times New Roman" panose="02020603050405020304" pitchFamily="18" charset="0"/>
+              </a:rPr>
+              <a:t> </a:t>
+            </a:r>
+            <a:r>
+              <a:rPr lang="en-US" sz="1900" smtClean="0">
+                <a:solidFill>
+                  <a:srgbClr val="1D1D1D"/>
+                </a:solidFill>
+                <a:latin typeface="Times New Roman" panose="02020603050405020304" pitchFamily="18" charset="0"/>
+                <a:cs typeface="Times New Roman" panose="02020603050405020304" pitchFamily="18" charset="0"/>
+              </a:rPr>
+              <a:t>+ </a:t>
+            </a:r>
+            <a:r>
+              <a:rPr lang="vi-VN" sz="1900" smtClean="0">
+                <a:solidFill>
+                  <a:srgbClr val="1D1D1D"/>
+                </a:solidFill>
+                <a:latin typeface="Times New Roman" panose="02020603050405020304" pitchFamily="18" charset="0"/>
+                <a:cs typeface="Times New Roman" panose="02020603050405020304" pitchFamily="18" charset="0"/>
+              </a:rPr>
+              <a:t>Bước </a:t>
+            </a:r>
+            <a:r>
+              <a:rPr lang="vi-VN" sz="1900">
+                <a:solidFill>
+                  <a:srgbClr val="1D1D1D"/>
+                </a:solidFill>
+                <a:latin typeface="Times New Roman" panose="02020603050405020304" pitchFamily="18" charset="0"/>
+                <a:cs typeface="Times New Roman" panose="02020603050405020304" pitchFamily="18" charset="0"/>
+              </a:rPr>
+              <a:t>4: Client nhận dữ liệu từ Port 68 và đưa IP vào DHCP Client. Sau đó DHCP Client sẽ gửi lại một bản tin Request là đồng ý sử dụng IP đó để DHCP Server xác nhận</a:t>
+            </a:r>
+          </a:p>
+          <a:p>
+            <a:pPr algn="just" fontAlgn="base"/>
+            <a:r>
+              <a:rPr lang="en-US" sz="1900">
+                <a:solidFill>
+                  <a:srgbClr val="1D1D1D"/>
+                </a:solidFill>
+                <a:latin typeface="Times New Roman" panose="02020603050405020304" pitchFamily="18" charset="0"/>
+                <a:cs typeface="Times New Roman" panose="02020603050405020304" pitchFamily="18" charset="0"/>
+              </a:rPr>
+              <a:t> </a:t>
+            </a:r>
+            <a:r>
+              <a:rPr lang="en-US" sz="1900" smtClean="0">
+                <a:solidFill>
+                  <a:srgbClr val="1D1D1D"/>
+                </a:solidFill>
+                <a:latin typeface="Times New Roman" panose="02020603050405020304" pitchFamily="18" charset="0"/>
+                <a:cs typeface="Times New Roman" panose="02020603050405020304" pitchFamily="18" charset="0"/>
+              </a:rPr>
+              <a:t>+ </a:t>
+            </a:r>
+            <a:r>
+              <a:rPr lang="vi-VN" sz="1900" smtClean="0">
+                <a:solidFill>
+                  <a:srgbClr val="1D1D1D"/>
+                </a:solidFill>
+                <a:latin typeface="Times New Roman" panose="02020603050405020304" pitchFamily="18" charset="0"/>
+                <a:cs typeface="Times New Roman" panose="02020603050405020304" pitchFamily="18" charset="0"/>
+              </a:rPr>
+              <a:t>Bước </a:t>
+            </a:r>
+            <a:r>
+              <a:rPr lang="vi-VN" sz="1900">
+                <a:solidFill>
+                  <a:srgbClr val="1D1D1D"/>
+                </a:solidFill>
+                <a:latin typeface="Times New Roman" panose="02020603050405020304" pitchFamily="18" charset="0"/>
+                <a:cs typeface="Times New Roman" panose="02020603050405020304" pitchFamily="18" charset="0"/>
+              </a:rPr>
+              <a:t>5: DHCP Server nhận được thông tin từ DHCP Client sẽ gửi lại một bản tin ACK để xác nhận là quá trình đã thành công.</a:t>
+            </a:r>
+            <a:endParaRPr lang="vi-VN" sz="1900" b="0" i="0">
+              <a:solidFill>
+                <a:srgbClr val="1D1D1D"/>
+              </a:solidFill>
+              <a:effectLst/>
+              <a:latin typeface="Times New Roman" panose="02020603050405020304" pitchFamily="18" charset="0"/>
+              <a:cs typeface="Times New Roman" panose="02020603050405020304" pitchFamily="18" charset="0"/>
+            </a:endParaRPr>
+          </a:p>
+        </p:txBody>
+      </p:sp>
+    </p:spTree>
+    <p:extLst>
+      <p:ext uri="{BB962C8B-B14F-4D97-AF65-F5344CB8AC3E}">
+        <p14:creationId xmlns:p14="http://schemas.microsoft.com/office/powerpoint/2010/main" val="327111372"/>
       </p:ext>
     </p:extLst>
   </p:cSld>

--- a/Topic 1.pptx
+++ b/Topic 1.pptx
@@ -24,6 +24,9 @@
     <p:sldId id="271" r:id="rId18"/>
     <p:sldId id="272" r:id="rId19"/>
     <p:sldId id="273" r:id="rId20"/>
+    <p:sldId id="275" r:id="rId21"/>
+    <p:sldId id="276" r:id="rId22"/>
+    <p:sldId id="277" r:id="rId23"/>
   </p:sldIdLst>
   <p:sldSz cx="12192000" cy="6858000"/>
   <p:notesSz cx="6858000" cy="9144000"/>
@@ -4279,14 +4282,7 @@
                 <a:latin typeface="Times New Roman" panose="02020603050405020304" pitchFamily="18" charset="0"/>
                 <a:cs typeface="Times New Roman" panose="02020603050405020304" pitchFamily="18" charset="0"/>
               </a:rPr>
-              <a:t> là dịch vụ liên kết trang siêu văn bản. Dùng để truyền thông tin tới người dùng một cách đa dạng và phong </a:t>
-            </a:r>
-            <a:r>
-              <a:rPr lang="vi-VN" sz="2000">
-                <a:latin typeface="Times New Roman" panose="02020603050405020304" pitchFamily="18" charset="0"/>
-                <a:cs typeface="Times New Roman" panose="02020603050405020304" pitchFamily="18" charset="0"/>
-              </a:rPr>
-              <a:t>phú</a:t>
+              <a:t> là dịch vụ liên kết trang siêu văn bản. Dùng để truyền thông tin tới người dùng một cách đa dạng và phong phú</a:t>
             </a:r>
             <a:r>
               <a:rPr lang="vi-VN" sz="2000" smtClean="0">
@@ -4310,14 +4306,7 @@
                 <a:latin typeface="Times New Roman" panose="02020603050405020304" pitchFamily="18" charset="0"/>
                 <a:cs typeface="Times New Roman" panose="02020603050405020304" pitchFamily="18" charset="0"/>
               </a:rPr>
-              <a:t>Dịch vụ Web dùng 2 cách để gửi dữ liệu tới người dùng đó là HTTP (không bảo mật) và HTTPS (có bảo </a:t>
-            </a:r>
-            <a:r>
-              <a:rPr lang="vi-VN" sz="2000">
-                <a:latin typeface="Times New Roman" panose="02020603050405020304" pitchFamily="18" charset="0"/>
-                <a:cs typeface="Times New Roman" panose="02020603050405020304" pitchFamily="18" charset="0"/>
-              </a:rPr>
-              <a:t>mật</a:t>
+              <a:t>Dịch vụ Web dùng 2 cách để gửi dữ liệu tới người dùng đó là HTTP (không bảo mật) và HTTPS (có bảo mật</a:t>
             </a:r>
             <a:r>
               <a:rPr lang="vi-VN" sz="2000" smtClean="0">
@@ -4348,59 +4337,45 @@
                 <a:latin typeface="Times New Roman" panose="02020603050405020304" pitchFamily="18" charset="0"/>
                 <a:cs typeface="Times New Roman" panose="02020603050405020304" pitchFamily="18" charset="0"/>
               </a:rPr>
-              <a:t>dịch vụ Web hoạt động được nó phải có 2 thành phần: Web Server và </a:t>
+              <a:t>dịch vụ Web hoạt động được nó phải có 2 thành phần: Web Server và Web </a:t>
+            </a:r>
+            <a:r>
+              <a:rPr lang="vi-VN" sz="2000" smtClean="0">
+                <a:latin typeface="Times New Roman" panose="02020603050405020304" pitchFamily="18" charset="0"/>
+                <a:cs typeface="Times New Roman" panose="02020603050405020304" pitchFamily="18" charset="0"/>
+              </a:rPr>
+              <a:t>Client</a:t>
+            </a:r>
+            <a:r>
+              <a:rPr lang="en-US" sz="2000" smtClean="0">
+                <a:latin typeface="Times New Roman" panose="02020603050405020304" pitchFamily="18" charset="0"/>
+                <a:cs typeface="Times New Roman" panose="02020603050405020304" pitchFamily="18" charset="0"/>
+              </a:rPr>
+              <a:t>.</a:t>
+            </a:r>
+          </a:p>
+          <a:p>
+            <a:pPr marL="347663" algn="just"/>
+            <a:r>
+              <a:rPr lang="en-US" sz="2000" smtClean="0">
+                <a:latin typeface="Times New Roman" panose="02020603050405020304" pitchFamily="18" charset="0"/>
+                <a:cs typeface="Times New Roman" panose="02020603050405020304" pitchFamily="18" charset="0"/>
+              </a:rPr>
+              <a:t>+ </a:t>
+            </a:r>
+            <a:r>
+              <a:rPr lang="vi-VN" sz="2000" smtClean="0">
+                <a:latin typeface="Times New Roman" panose="02020603050405020304" pitchFamily="18" charset="0"/>
+                <a:cs typeface="Times New Roman" panose="02020603050405020304" pitchFamily="18" charset="0"/>
+              </a:rPr>
+              <a:t>Web </a:t>
             </a:r>
             <a:r>
               <a:rPr lang="vi-VN" sz="2000">
                 <a:latin typeface="Times New Roman" panose="02020603050405020304" pitchFamily="18" charset="0"/>
                 <a:cs typeface="Times New Roman" panose="02020603050405020304" pitchFamily="18" charset="0"/>
               </a:rPr>
-              <a:t>Web </a:t>
-            </a:r>
-            <a:r>
-              <a:rPr lang="vi-VN" sz="2000" smtClean="0">
-                <a:latin typeface="Times New Roman" panose="02020603050405020304" pitchFamily="18" charset="0"/>
-                <a:cs typeface="Times New Roman" panose="02020603050405020304" pitchFamily="18" charset="0"/>
-              </a:rPr>
-              <a:t>Client</a:t>
-            </a:r>
-            <a:r>
-              <a:rPr lang="en-US" sz="2000" smtClean="0">
-                <a:latin typeface="Times New Roman" panose="02020603050405020304" pitchFamily="18" charset="0"/>
-                <a:cs typeface="Times New Roman" panose="02020603050405020304" pitchFamily="18" charset="0"/>
-              </a:rPr>
-              <a:t>.</a:t>
-            </a:r>
-          </a:p>
-          <a:p>
-            <a:pPr marL="347663" algn="just"/>
-            <a:r>
-              <a:rPr lang="en-US" sz="2000" smtClean="0">
-                <a:latin typeface="Times New Roman" panose="02020603050405020304" pitchFamily="18" charset="0"/>
-                <a:cs typeface="Times New Roman" panose="02020603050405020304" pitchFamily="18" charset="0"/>
-              </a:rPr>
-              <a:t>+ </a:t>
-            </a:r>
-            <a:r>
-              <a:rPr lang="vi-VN" sz="2000" smtClean="0">
-                <a:latin typeface="Times New Roman" panose="02020603050405020304" pitchFamily="18" charset="0"/>
-                <a:cs typeface="Times New Roman" panose="02020603050405020304" pitchFamily="18" charset="0"/>
-              </a:rPr>
-              <a:t>Web </a:t>
-            </a:r>
-            <a:r>
-              <a:rPr lang="vi-VN" sz="2000">
-                <a:latin typeface="Times New Roman" panose="02020603050405020304" pitchFamily="18" charset="0"/>
-                <a:cs typeface="Times New Roman" panose="02020603050405020304" pitchFamily="18" charset="0"/>
-              </a:rPr>
-              <a:t>Server là nơi cung cấp dữ liệu Web. Người ta xây dựng lên một Website để người dùng truy cập vào. Web Server sẽ chạy ở Port 80 hoặc </a:t>
-            </a:r>
-            <a:r>
-              <a:rPr lang="vi-VN" sz="2000">
-                <a:latin typeface="Times New Roman" panose="02020603050405020304" pitchFamily="18" charset="0"/>
-                <a:cs typeface="Times New Roman" panose="02020603050405020304" pitchFamily="18" charset="0"/>
-              </a:rPr>
-              <a:t>443</a:t>
+              <a:t>Server là nơi cung cấp dữ liệu Web. Người ta xây dựng lên một Website để người dùng truy cập vào. Web Server sẽ chạy ở Port 80 hoặc 443</a:t>
             </a:r>
             <a:r>
               <a:rPr lang="vi-VN" sz="2000" smtClean="0">
@@ -4492,19 +4467,7 @@
                 <a:latin typeface="Times New Roman" panose="02020603050405020304" pitchFamily="18" charset="0"/>
                 <a:cs typeface="Times New Roman" panose="02020603050405020304" pitchFamily="18" charset="0"/>
               </a:rPr>
-              <a:t>ịch </a:t>
-            </a:r>
-            <a:r>
-              <a:rPr lang="en-US" sz="2200" b="1" smtClean="0">
-                <a:solidFill>
-                  <a:schemeClr val="accent2">
-                    <a:lumMod val="75000"/>
-                  </a:schemeClr>
-                </a:solidFill>
-                <a:latin typeface="Times New Roman" panose="02020603050405020304" pitchFamily="18" charset="0"/>
-                <a:cs typeface="Times New Roman" panose="02020603050405020304" pitchFamily="18" charset="0"/>
-              </a:rPr>
-              <a:t>vụ Web: HTTP và HTTPS.</a:t>
+              <a:t>ịch vụ Web: HTTP và HTTPS.</a:t>
             </a:r>
             <a:endParaRPr lang="en-US" sz="2200" b="1">
               <a:solidFill>
@@ -4648,19 +4611,7 @@
                 <a:latin typeface="Times New Roman" panose="02020603050405020304" pitchFamily="18" charset="0"/>
                 <a:cs typeface="Times New Roman" panose="02020603050405020304" pitchFamily="18" charset="0"/>
               </a:rPr>
-              <a:t>ịch </a:t>
-            </a:r>
-            <a:r>
-              <a:rPr lang="en-US" sz="2200" b="1" smtClean="0">
-                <a:solidFill>
-                  <a:schemeClr val="accent2">
-                    <a:lumMod val="75000"/>
-                  </a:schemeClr>
-                </a:solidFill>
-                <a:latin typeface="Times New Roman" panose="02020603050405020304" pitchFamily="18" charset="0"/>
-                <a:cs typeface="Times New Roman" panose="02020603050405020304" pitchFamily="18" charset="0"/>
-              </a:rPr>
-              <a:t>vụ Web: HTTP và HTTPS.</a:t>
+              <a:t>ịch vụ Web: HTTP và HTTPS.</a:t>
             </a:r>
             <a:endParaRPr lang="en-US" sz="2200" b="1">
               <a:solidFill>
@@ -4807,17 +4758,7 @@
                 <a:latin typeface="Times New Roman" panose="02020603050405020304" pitchFamily="18" charset="0"/>
                 <a:cs typeface="Times New Roman" panose="02020603050405020304" pitchFamily="18" charset="0"/>
               </a:rPr>
-              <a:t>dùng truy cập tên </a:t>
-            </a:r>
-            <a:r>
-              <a:rPr lang="vi-VN" sz="1900">
-                <a:solidFill>
-                  <a:srgbClr val="1D1D1D"/>
-                </a:solidFill>
-                <a:latin typeface="Times New Roman" panose="02020603050405020304" pitchFamily="18" charset="0"/>
-                <a:cs typeface="Times New Roman" panose="02020603050405020304" pitchFamily="18" charset="0"/>
-              </a:rPr>
-              <a:t>miền </a:t>
+              <a:t>dùng truy cập tên miền </a:t>
             </a:r>
             <a:r>
               <a:rPr lang="vi-VN" sz="1900" smtClean="0">
@@ -4917,17 +4858,7 @@
                 <a:latin typeface="Times New Roman" panose="02020603050405020304" pitchFamily="18" charset="0"/>
                 <a:cs typeface="Times New Roman" panose="02020603050405020304" pitchFamily="18" charset="0"/>
               </a:rPr>
-              <a:t>: IE hoặc Firefox sẽ sinh ra một Port cao đồng thời dữ liệu sẽ chuyển xuống tầng Transport. Đồng </a:t>
-            </a:r>
-            <a:r>
-              <a:rPr lang="vi-VN" sz="1900">
-                <a:solidFill>
-                  <a:srgbClr val="1D1D1D"/>
-                </a:solidFill>
-                <a:latin typeface="Times New Roman" panose="02020603050405020304" pitchFamily="18" charset="0"/>
-                <a:cs typeface="Times New Roman" panose="02020603050405020304" pitchFamily="18" charset="0"/>
-              </a:rPr>
-              <a:t>thời </a:t>
+              <a:t>: IE hoặc Firefox sẽ sinh ra một Port cao đồng thời dữ liệu sẽ chuyển xuống tầng Transport. Đồng thời </a:t>
             </a:r>
             <a:r>
               <a:rPr lang="en-US" sz="1900" smtClean="0">
@@ -5661,19 +5592,7 @@
                 <a:latin typeface="Times New Roman" panose="02020603050405020304" pitchFamily="18" charset="0"/>
                 <a:cs typeface="Times New Roman" panose="02020603050405020304" pitchFamily="18" charset="0"/>
               </a:rPr>
-              <a:t>ịch </a:t>
-            </a:r>
-            <a:r>
-              <a:rPr lang="en-US" sz="2200" b="1" smtClean="0">
-                <a:solidFill>
-                  <a:schemeClr val="accent2">
-                    <a:lumMod val="75000"/>
-                  </a:schemeClr>
-                </a:solidFill>
-                <a:latin typeface="Times New Roman" panose="02020603050405020304" pitchFamily="18" charset="0"/>
-                <a:cs typeface="Times New Roman" panose="02020603050405020304" pitchFamily="18" charset="0"/>
-              </a:rPr>
-              <a:t>vụ Mail: SMTP, POP, IMAP</a:t>
+              <a:t>ịch vụ Mail: SMTP, POP, IMAP</a:t>
             </a:r>
             <a:endParaRPr lang="en-US" sz="2200" b="1">
               <a:solidFill>
@@ -6166,19 +6085,7 @@
                 <a:latin typeface="Times New Roman" panose="02020603050405020304" pitchFamily="18" charset="0"/>
                 <a:cs typeface="Times New Roman" panose="02020603050405020304" pitchFamily="18" charset="0"/>
               </a:rPr>
-              <a:t>ịch </a:t>
-            </a:r>
-            <a:r>
-              <a:rPr lang="en-US" sz="2200" b="1" smtClean="0">
-                <a:solidFill>
-                  <a:schemeClr val="accent2">
-                    <a:lumMod val="75000"/>
-                  </a:schemeClr>
-                </a:solidFill>
-                <a:latin typeface="Times New Roman" panose="02020603050405020304" pitchFamily="18" charset="0"/>
-                <a:cs typeface="Times New Roman" panose="02020603050405020304" pitchFamily="18" charset="0"/>
-              </a:rPr>
-              <a:t>vụ DNS</a:t>
+              <a:t>ịch vụ DNS</a:t>
             </a:r>
             <a:endParaRPr lang="en-US" sz="2200" b="1">
               <a:solidFill>
@@ -6527,19 +6434,7 @@
                 <a:latin typeface="Times New Roman" panose="02020603050405020304" pitchFamily="18" charset="0"/>
                 <a:cs typeface="Times New Roman" panose="02020603050405020304" pitchFamily="18" charset="0"/>
               </a:rPr>
-              <a:t>ịch </a:t>
-            </a:r>
-            <a:r>
-              <a:rPr lang="en-US" sz="2200" b="1" smtClean="0">
-                <a:solidFill>
-                  <a:schemeClr val="accent2">
-                    <a:lumMod val="75000"/>
-                  </a:schemeClr>
-                </a:solidFill>
-                <a:latin typeface="Times New Roman" panose="02020603050405020304" pitchFamily="18" charset="0"/>
-                <a:cs typeface="Times New Roman" panose="02020603050405020304" pitchFamily="18" charset="0"/>
-              </a:rPr>
-              <a:t>vụ DNS</a:t>
+              <a:t>ịch vụ DNS</a:t>
             </a:r>
             <a:endParaRPr lang="en-US" sz="2200" b="1">
               <a:solidFill>
@@ -7062,7 +6957,7 @@
               <a:buChar char="-"/>
             </a:pPr>
             <a:r>
-              <a:rPr lang="en-US" sz="1900" b="1" smtClean="0">
+              <a:rPr lang="en-US" sz="1900" smtClean="0">
                 <a:solidFill>
                   <a:srgbClr val="1D1D1D"/>
                 </a:solidFill>
@@ -7072,6 +6967,16 @@
               <a:t>Dịch </a:t>
             </a:r>
             <a:r>
+              <a:rPr lang="en-US" sz="1900">
+                <a:solidFill>
+                  <a:srgbClr val="1D1D1D"/>
+                </a:solidFill>
+                <a:latin typeface="Times New Roman" panose="02020603050405020304" pitchFamily="18" charset="0"/>
+                <a:cs typeface="Times New Roman" panose="02020603050405020304" pitchFamily="18" charset="0"/>
+              </a:rPr>
+              <a:t>vụ DHCP</a:t>
+            </a:r>
+            <a:r>
               <a:rPr lang="en-US" sz="1900" b="1">
                 <a:solidFill>
                   <a:srgbClr val="1D1D1D"/>
@@ -7079,7 +6984,7 @@
                 <a:latin typeface="Times New Roman" panose="02020603050405020304" pitchFamily="18" charset="0"/>
                 <a:cs typeface="Times New Roman" panose="02020603050405020304" pitchFamily="18" charset="0"/>
               </a:rPr>
-              <a:t>vụ DHCP:</a:t>
+              <a:t>:</a:t>
             </a:r>
             <a:r>
               <a:rPr lang="en-US" sz="1900">
@@ -7089,17 +6994,7 @@
                 <a:latin typeface="Times New Roman" panose="02020603050405020304" pitchFamily="18" charset="0"/>
                 <a:cs typeface="Times New Roman" panose="02020603050405020304" pitchFamily="18" charset="0"/>
               </a:rPr>
-              <a:t> là dịch vụ cấp phát địa chỉ IP động. Trong một hệ thống lớn có nhiều máy, thay vì chúng ta phải đi nhập IP bằng tay cho tất cả các máy thì chúng ta dùng DHCP cấp </a:t>
-            </a:r>
-            <a:r>
-              <a:rPr lang="en-US" sz="1900">
-                <a:solidFill>
-                  <a:srgbClr val="1D1D1D"/>
-                </a:solidFill>
-                <a:latin typeface="Times New Roman" panose="02020603050405020304" pitchFamily="18" charset="0"/>
-                <a:cs typeface="Times New Roman" panose="02020603050405020304" pitchFamily="18" charset="0"/>
-              </a:rPr>
-              <a:t>phát </a:t>
+              <a:t> là dịch vụ cấp phát địa chỉ IP động. Trong một hệ thống lớn có nhiều máy, thay vì chúng ta phải đi nhập IP bằng tay cho tất cả các máy thì chúng ta dùng DHCP cấp phát </a:t>
             </a:r>
             <a:r>
               <a:rPr lang="en-US" sz="1900" smtClean="0">
@@ -7122,14 +7017,7 @@
                 <a:latin typeface="Times New Roman" panose="02020603050405020304" pitchFamily="18" charset="0"/>
                 <a:cs typeface="Times New Roman" panose="02020603050405020304" pitchFamily="18" charset="0"/>
               </a:rPr>
-              <a:t>Để dịch vụ DHCP hoạt động được nó phải có 2 thành phần: DHCP Server và </a:t>
-            </a:r>
-            <a:r>
-              <a:rPr lang="vi-VN" sz="1900">
-                <a:latin typeface="Times New Roman" panose="02020603050405020304" pitchFamily="18" charset="0"/>
-                <a:cs typeface="Times New Roman" panose="02020603050405020304" pitchFamily="18" charset="0"/>
-              </a:rPr>
-              <a:t>DHCP </a:t>
+              <a:t>Để dịch vụ DHCP hoạt động được nó phải có 2 thành phần: DHCP Server và DHCP </a:t>
             </a:r>
             <a:r>
               <a:rPr lang="vi-VN" sz="1900" smtClean="0">
@@ -7163,90 +7051,62 @@
                 <a:latin typeface="Times New Roman" panose="02020603050405020304" pitchFamily="18" charset="0"/>
                 <a:cs typeface="Times New Roman" panose="02020603050405020304" pitchFamily="18" charset="0"/>
               </a:rPr>
-              <a:t>DHCP Server dùng để cấp phát IP động sử dụng </a:t>
+              <a:t>DHCP Server dùng để cấp phát IP động sử dụng Port </a:t>
+            </a:r>
+            <a:r>
+              <a:rPr lang="en-US" sz="1900" smtClean="0">
+                <a:latin typeface="Times New Roman" panose="02020603050405020304" pitchFamily="18" charset="0"/>
+                <a:cs typeface="Times New Roman" panose="02020603050405020304" pitchFamily="18" charset="0"/>
+              </a:rPr>
+              <a:t>67. </a:t>
             </a:r>
             <a:r>
               <a:rPr lang="en-US" sz="1900">
                 <a:latin typeface="Times New Roman" panose="02020603050405020304" pitchFamily="18" charset="0"/>
                 <a:cs typeface="Times New Roman" panose="02020603050405020304" pitchFamily="18" charset="0"/>
               </a:rPr>
-              <a:t>Port </a:t>
+              <a:t>Gửi IP hoặc nhận thông tin đều ở Port này</a:t>
             </a:r>
             <a:r>
               <a:rPr lang="en-US" sz="1900" smtClean="0">
                 <a:latin typeface="Times New Roman" panose="02020603050405020304" pitchFamily="18" charset="0"/>
                 <a:cs typeface="Times New Roman" panose="02020603050405020304" pitchFamily="18" charset="0"/>
               </a:rPr>
-              <a:t>67. </a:t>
+              <a:t>.</a:t>
+            </a:r>
+          </a:p>
+          <a:p>
+            <a:pPr marL="566738" indent="-219075" algn="just" fontAlgn="base"/>
+            <a:r>
+              <a:rPr lang="en-US" sz="1900" smtClean="0">
+                <a:solidFill>
+                  <a:srgbClr val="1D1D1D"/>
+                </a:solidFill>
+                <a:latin typeface="Times New Roman" panose="02020603050405020304" pitchFamily="18" charset="0"/>
+                <a:cs typeface="Times New Roman" panose="02020603050405020304" pitchFamily="18" charset="0"/>
+              </a:rPr>
+              <a:t>+ </a:t>
             </a:r>
             <a:r>
               <a:rPr lang="en-US" sz="1900">
                 <a:latin typeface="Times New Roman" panose="02020603050405020304" pitchFamily="18" charset="0"/>
                 <a:cs typeface="Times New Roman" panose="02020603050405020304" pitchFamily="18" charset="0"/>
               </a:rPr>
-              <a:t>Gửi IP hoặc nhận thông tin đều ở Port </a:t>
+              <a:t>DHCP Client dùng để nhận IP, xin cấp phát IP sử dụng Port </a:t>
+            </a:r>
+            <a:r>
+              <a:rPr lang="en-US" sz="1900" smtClean="0">
+                <a:latin typeface="Times New Roman" panose="02020603050405020304" pitchFamily="18" charset="0"/>
+                <a:cs typeface="Times New Roman" panose="02020603050405020304" pitchFamily="18" charset="0"/>
+              </a:rPr>
+              <a:t>68. </a:t>
             </a:r>
             <a:r>
               <a:rPr lang="en-US" sz="1900">
                 <a:latin typeface="Times New Roman" panose="02020603050405020304" pitchFamily="18" charset="0"/>
                 <a:cs typeface="Times New Roman" panose="02020603050405020304" pitchFamily="18" charset="0"/>
               </a:rPr>
-              <a:t>này</a:t>
-            </a:r>
-            <a:r>
-              <a:rPr lang="en-US" sz="1900" smtClean="0">
-                <a:latin typeface="Times New Roman" panose="02020603050405020304" pitchFamily="18" charset="0"/>
-                <a:cs typeface="Times New Roman" panose="02020603050405020304" pitchFamily="18" charset="0"/>
-              </a:rPr>
-              <a:t>.</a:t>
-            </a:r>
-          </a:p>
-          <a:p>
-            <a:pPr marL="566738" indent="-219075" algn="just" fontAlgn="base"/>
-            <a:r>
-              <a:rPr lang="en-US" sz="1900" smtClean="0">
-                <a:solidFill>
-                  <a:srgbClr val="1D1D1D"/>
-                </a:solidFill>
-                <a:latin typeface="Times New Roman" panose="02020603050405020304" pitchFamily="18" charset="0"/>
-                <a:cs typeface="Times New Roman" panose="02020603050405020304" pitchFamily="18" charset="0"/>
-              </a:rPr>
-              <a:t>+ </a:t>
-            </a:r>
-            <a:r>
-              <a:rPr lang="en-US" sz="1900">
-                <a:latin typeface="Times New Roman" panose="02020603050405020304" pitchFamily="18" charset="0"/>
-                <a:cs typeface="Times New Roman" panose="02020603050405020304" pitchFamily="18" charset="0"/>
-              </a:rPr>
-              <a:t>DHCP Client dùng để nhận IP, xin cấp phát IP sử dụng </a:t>
-            </a:r>
-            <a:r>
-              <a:rPr lang="en-US" sz="1900">
-                <a:latin typeface="Times New Roman" panose="02020603050405020304" pitchFamily="18" charset="0"/>
-                <a:cs typeface="Times New Roman" panose="02020603050405020304" pitchFamily="18" charset="0"/>
-              </a:rPr>
-              <a:t>Port </a:t>
-            </a:r>
-            <a:r>
-              <a:rPr lang="en-US" sz="1900" smtClean="0">
-                <a:latin typeface="Times New Roman" panose="02020603050405020304" pitchFamily="18" charset="0"/>
-                <a:cs typeface="Times New Roman" panose="02020603050405020304" pitchFamily="18" charset="0"/>
-              </a:rPr>
-              <a:t>68. </a:t>
-            </a:r>
-            <a:r>
-              <a:rPr lang="en-US" sz="1900">
-                <a:latin typeface="Times New Roman" panose="02020603050405020304" pitchFamily="18" charset="0"/>
-                <a:cs typeface="Times New Roman" panose="02020603050405020304" pitchFamily="18" charset="0"/>
-              </a:rPr>
-              <a:t>Xin IP hoặc nhận IP đều dùng ở Port </a:t>
-            </a:r>
-            <a:r>
-              <a:rPr lang="en-US" sz="1900">
-                <a:latin typeface="Times New Roman" panose="02020603050405020304" pitchFamily="18" charset="0"/>
-                <a:cs typeface="Times New Roman" panose="02020603050405020304" pitchFamily="18" charset="0"/>
-              </a:rPr>
-              <a:t>này</a:t>
+              <a:t>Xin IP hoặc nhận IP đều dùng ở Port này</a:t>
             </a:r>
             <a:r>
               <a:rPr lang="en-US" sz="1900" smtClean="0">
@@ -7428,7 +7288,19 @@
                 <a:latin typeface="Times New Roman" panose="02020603050405020304" pitchFamily="18" charset="0"/>
                 <a:cs typeface="Times New Roman" panose="02020603050405020304" pitchFamily="18" charset="0"/>
               </a:rPr>
-              <a:t>ịch vụ DHCP</a:t>
+              <a:t>ịch </a:t>
+            </a:r>
+            <a:r>
+              <a:rPr lang="en-US" sz="2200" b="1" smtClean="0">
+                <a:solidFill>
+                  <a:schemeClr val="accent2">
+                    <a:lumMod val="75000"/>
+                  </a:schemeClr>
+                </a:solidFill>
+                <a:latin typeface="Times New Roman" panose="02020603050405020304" pitchFamily="18" charset="0"/>
+                <a:cs typeface="Times New Roman" panose="02020603050405020304" pitchFamily="18" charset="0"/>
+              </a:rPr>
+              <a:t>vụ TELNET</a:t>
             </a:r>
             <a:endParaRPr lang="en-US" sz="2200" b="1">
               <a:solidFill>
@@ -7543,17 +7415,7 @@
                 <a:latin typeface="Times New Roman" panose="02020603050405020304" pitchFamily="18" charset="0"/>
                 <a:cs typeface="Times New Roman" panose="02020603050405020304" pitchFamily="18" charset="0"/>
               </a:rPr>
-              <a:t>3: Sau khi DHCP Server xử lý, Server sẽ gửi lại một bản tin Offer bao gồm thông tin địa chỉ IP cấp cho máy Client và thông tinh máy của mình như tên, IP. Rồi chuyển xuống cho tầng Transport đóng gói bằng cổng 67. Tầng Transport sẽ đóng bằng giao thức UDP và tiếp tục chuyển xuống đóng địa chỉ MAC nguồn MAC đích. Tiếp theo dữ liệu sẽ gửi ra </a:t>
-            </a:r>
-            <a:r>
-              <a:rPr lang="vi-VN" sz="1900">
-                <a:solidFill>
-                  <a:srgbClr val="1D1D1D"/>
-                </a:solidFill>
-                <a:latin typeface="Times New Roman" panose="02020603050405020304" pitchFamily="18" charset="0"/>
-                <a:cs typeface="Times New Roman" panose="02020603050405020304" pitchFamily="18" charset="0"/>
-              </a:rPr>
-              <a:t>đường </a:t>
+              <a:t>3: Sau khi DHCP Server xử lý, Server sẽ gửi lại một bản tin Offer bao gồm thông tin địa chỉ IP cấp cho máy Client và thông tinh máy của mình như tên, IP. Rồi chuyển xuống cho tầng Transport đóng gói bằng cổng 67. Tầng Transport sẽ đóng bằng giao thức UDP và tiếp tục chuyển xuống đóng địa chỉ MAC nguồn MAC đích. Tiếp theo dữ liệu sẽ gửi ra đường </a:t>
             </a:r>
             <a:r>
               <a:rPr lang="vi-VN" sz="1900" smtClean="0">
@@ -8129,6 +7991,1264 @@
       </p:par>
     </p:tnLst>
   </p:timing>
+</p:sld>
+</file>
+
+<file path=ppt/slides/slide20.xml><?xml version="1.0" encoding="utf-8"?>
+<p:sld xmlns:a="http://schemas.openxmlformats.org/drawingml/2006/main" xmlns:r="http://schemas.openxmlformats.org/officeDocument/2006/relationships" xmlns:p="http://schemas.openxmlformats.org/presentationml/2006/main">
+  <p:cSld>
+    <p:spTree>
+      <p:nvGrpSpPr>
+        <p:cNvPr id="1" name=""/>
+        <p:cNvGrpSpPr/>
+        <p:nvPr/>
+      </p:nvGrpSpPr>
+      <p:grpSpPr>
+        <a:xfrm>
+          <a:off x="0" y="0"/>
+          <a:ext cx="0" cy="0"/>
+          <a:chOff x="0" y="0"/>
+          <a:chExt cx="0" cy="0"/>
+        </a:xfrm>
+      </p:grpSpPr>
+      <p:sp>
+        <p:nvSpPr>
+          <p:cNvPr id="4" name="Rectangle 3"/>
+          <p:cNvSpPr/>
+          <p:nvPr/>
+        </p:nvSpPr>
+        <p:spPr>
+          <a:xfrm>
+            <a:off x="4275786" y="1491983"/>
+            <a:ext cx="7263683" cy="3477875"/>
+          </a:xfrm>
+          <a:prstGeom prst="rect">
+            <a:avLst/>
+          </a:prstGeom>
+        </p:spPr>
+        <p:txBody>
+          <a:bodyPr wrap="square">
+            <a:spAutoFit/>
+          </a:bodyPr>
+          <a:lstStyle/>
+          <a:p>
+            <a:pPr marL="398463" indent="-398463" algn="just">
+              <a:buFontTx/>
+              <a:buChar char="-"/>
+            </a:pPr>
+            <a:r>
+              <a:rPr lang="vi-VN" sz="2000" smtClean="0">
+                <a:latin typeface="Times New Roman" panose="02020603050405020304" pitchFamily="18" charset="0"/>
+                <a:cs typeface="Times New Roman" panose="02020603050405020304" pitchFamily="18" charset="0"/>
+              </a:rPr>
+              <a:t>TELNET</a:t>
+            </a:r>
+            <a:r>
+              <a:rPr lang="vi-VN" sz="2000">
+                <a:latin typeface="Times New Roman" panose="02020603050405020304" pitchFamily="18" charset="0"/>
+                <a:cs typeface="Times New Roman" panose="02020603050405020304" pitchFamily="18" charset="0"/>
+              </a:rPr>
+              <a:t> viết tắt của TerminaL Network </a:t>
+            </a:r>
+            <a:r>
+              <a:rPr lang="vi-VN" sz="2000">
+                <a:latin typeface="Times New Roman" panose="02020603050405020304" pitchFamily="18" charset="0"/>
+                <a:cs typeface="Times New Roman" panose="02020603050405020304" pitchFamily="18" charset="0"/>
+              </a:rPr>
+              <a:t>là </a:t>
+            </a:r>
+            <a:r>
+              <a:rPr lang="vi-VN" sz="2000" smtClean="0">
+                <a:latin typeface="Times New Roman" panose="02020603050405020304" pitchFamily="18" charset="0"/>
+                <a:cs typeface="Times New Roman" panose="02020603050405020304" pitchFamily="18" charset="0"/>
+              </a:rPr>
+              <a:t>một</a:t>
+            </a:r>
+            <a:r>
+              <a:rPr lang="en-US" sz="2000">
+                <a:latin typeface="Times New Roman" panose="02020603050405020304" pitchFamily="18" charset="0"/>
+                <a:cs typeface="Times New Roman" panose="02020603050405020304" pitchFamily="18" charset="0"/>
+              </a:rPr>
+              <a:t> </a:t>
+            </a:r>
+            <a:r>
+              <a:rPr lang="en-US" sz="2000" smtClean="0">
+                <a:latin typeface="Times New Roman" panose="02020603050405020304" pitchFamily="18" charset="0"/>
+                <a:cs typeface="Times New Roman" panose="02020603050405020304" pitchFamily="18" charset="0"/>
+              </a:rPr>
+              <a:t>giao thức mạng </a:t>
+            </a:r>
+            <a:r>
+              <a:rPr lang="vi-VN" sz="2000" smtClean="0">
+                <a:latin typeface="Times New Roman" panose="02020603050405020304" pitchFamily="18" charset="0"/>
+                <a:cs typeface="Times New Roman" panose="02020603050405020304" pitchFamily="18" charset="0"/>
+              </a:rPr>
+              <a:t>được </a:t>
+            </a:r>
+            <a:r>
+              <a:rPr lang="vi-VN" sz="2000">
+                <a:latin typeface="Times New Roman" panose="02020603050405020304" pitchFamily="18" charset="0"/>
+                <a:cs typeface="Times New Roman" panose="02020603050405020304" pitchFamily="18" charset="0"/>
+              </a:rPr>
+              <a:t>dùng trên các kết </a:t>
+            </a:r>
+            <a:r>
+              <a:rPr lang="vi-VN" sz="2000">
+                <a:latin typeface="Times New Roman" panose="02020603050405020304" pitchFamily="18" charset="0"/>
+                <a:cs typeface="Times New Roman" panose="02020603050405020304" pitchFamily="18" charset="0"/>
+              </a:rPr>
+              <a:t>nối </a:t>
+            </a:r>
+            <a:r>
+              <a:rPr lang="vi-VN" sz="2000" smtClean="0">
+                <a:latin typeface="Times New Roman" panose="02020603050405020304" pitchFamily="18" charset="0"/>
+                <a:cs typeface="Times New Roman" panose="02020603050405020304" pitchFamily="18" charset="0"/>
+              </a:rPr>
+              <a:t>với</a:t>
+            </a:r>
+            <a:r>
+              <a:rPr lang="en-US" sz="2000">
+                <a:latin typeface="Times New Roman" panose="02020603050405020304" pitchFamily="18" charset="0"/>
+                <a:cs typeface="Times New Roman" panose="02020603050405020304" pitchFamily="18" charset="0"/>
+              </a:rPr>
+              <a:t> </a:t>
+            </a:r>
+            <a:r>
+              <a:rPr lang="en-US" sz="2000" smtClean="0">
+                <a:latin typeface="Times New Roman" panose="02020603050405020304" pitchFamily="18" charset="0"/>
+                <a:cs typeface="Times New Roman" panose="02020603050405020304" pitchFamily="18" charset="0"/>
+              </a:rPr>
+              <a:t>Internet </a:t>
+            </a:r>
+            <a:r>
+              <a:rPr lang="vi-VN" sz="2000" smtClean="0">
+                <a:latin typeface="Times New Roman" panose="02020603050405020304" pitchFamily="18" charset="0"/>
+                <a:cs typeface="Times New Roman" panose="02020603050405020304" pitchFamily="18" charset="0"/>
+              </a:rPr>
+              <a:t>hoặc </a:t>
+            </a:r>
+            <a:r>
+              <a:rPr lang="vi-VN" sz="2000">
+                <a:latin typeface="Times New Roman" panose="02020603050405020304" pitchFamily="18" charset="0"/>
+                <a:cs typeface="Times New Roman" panose="02020603050405020304" pitchFamily="18" charset="0"/>
+              </a:rPr>
+              <a:t>các kết nối tại mạng máy tính cục bộ</a:t>
+            </a:r>
+            <a:r>
+              <a:rPr lang="vi-VN" sz="2000">
+                <a:latin typeface="Times New Roman" panose="02020603050405020304" pitchFamily="18" charset="0"/>
+                <a:cs typeface="Times New Roman" panose="02020603050405020304" pitchFamily="18" charset="0"/>
+              </a:rPr>
+              <a:t> </a:t>
+            </a:r>
+            <a:r>
+              <a:rPr lang="en-US" sz="2000" smtClean="0">
+                <a:latin typeface="Times New Roman" panose="02020603050405020304" pitchFamily="18" charset="0"/>
+                <a:cs typeface="Times New Roman" panose="02020603050405020304" pitchFamily="18" charset="0"/>
+              </a:rPr>
+              <a:t>Lan.</a:t>
+            </a:r>
+            <a:endParaRPr lang="en-US" sz="2000" smtClean="0">
+              <a:solidFill>
+                <a:srgbClr val="252C2F"/>
+              </a:solidFill>
+              <a:latin typeface="Times New Roman" panose="02020603050405020304" pitchFamily="18" charset="0"/>
+              <a:cs typeface="Times New Roman" panose="02020603050405020304" pitchFamily="18" charset="0"/>
+            </a:endParaRPr>
+          </a:p>
+          <a:p>
+            <a:pPr marL="342900" indent="-342900" algn="just">
+              <a:buFontTx/>
+              <a:buChar char="-"/>
+            </a:pPr>
+            <a:r>
+              <a:rPr lang="en-US" sz="2000" smtClean="0">
+                <a:solidFill>
+                  <a:srgbClr val="252C2F"/>
+                </a:solidFill>
+                <a:latin typeface="Times New Roman" panose="02020603050405020304" pitchFamily="18" charset="0"/>
+                <a:cs typeface="Times New Roman" panose="02020603050405020304" pitchFamily="18" charset="0"/>
+              </a:rPr>
+              <a:t>Chúng ta cũng có thể hiểu Telnet là một giao thức Client – Server dựa trên nền TCP, và phần Client thường kết nối vào cổng 23 với một Server – nơi cung cấp chương trình ứng dụng thi hành các dịch vụ.</a:t>
+            </a:r>
+          </a:p>
+          <a:p>
+            <a:pPr marL="342900" indent="-342900" algn="just">
+              <a:buFontTx/>
+              <a:buChar char="-"/>
+            </a:pPr>
+            <a:r>
+              <a:rPr lang="vi-VN" sz="2000" smtClean="0">
+                <a:latin typeface="Times New Roman" panose="02020603050405020304" pitchFamily="18" charset="0"/>
+                <a:cs typeface="Times New Roman" panose="02020603050405020304" pitchFamily="18" charset="0"/>
+              </a:rPr>
+              <a:t>Telnet </a:t>
+            </a:r>
+            <a:r>
+              <a:rPr lang="vi-VN" sz="2000">
+                <a:latin typeface="Times New Roman" panose="02020603050405020304" pitchFamily="18" charset="0"/>
+                <a:cs typeface="Times New Roman" panose="02020603050405020304" pitchFamily="18" charset="0"/>
+              </a:rPr>
+              <a:t>không mã hóa dữ liệu truyền tải qua các đường dây kết nối, kể cả mật khẩu, vì thế việc thông tin bị đánh cắp là tương đối </a:t>
+            </a:r>
+            <a:r>
+              <a:rPr lang="vi-VN" sz="2000">
+                <a:latin typeface="Times New Roman" panose="02020603050405020304" pitchFamily="18" charset="0"/>
+                <a:cs typeface="Times New Roman" panose="02020603050405020304" pitchFamily="18" charset="0"/>
+              </a:rPr>
+              <a:t>dễ </a:t>
+            </a:r>
+            <a:r>
+              <a:rPr lang="vi-VN" sz="2000" smtClean="0">
+                <a:latin typeface="Times New Roman" panose="02020603050405020304" pitchFamily="18" charset="0"/>
+                <a:cs typeface="Times New Roman" panose="02020603050405020304" pitchFamily="18" charset="0"/>
+              </a:rPr>
+              <a:t>dàng.</a:t>
+            </a:r>
+            <a:r>
+              <a:rPr lang="en-US" sz="2000" smtClean="0">
+                <a:latin typeface="Times New Roman" panose="02020603050405020304" pitchFamily="18" charset="0"/>
+                <a:cs typeface="Times New Roman" panose="02020603050405020304" pitchFamily="18" charset="0"/>
+              </a:rPr>
+              <a:t> </a:t>
+            </a:r>
+            <a:r>
+              <a:rPr lang="vi-VN" sz="2000" smtClean="0">
+                <a:latin typeface="Times New Roman" panose="02020603050405020304" pitchFamily="18" charset="0"/>
+                <a:cs typeface="Times New Roman" panose="02020603050405020304" pitchFamily="18" charset="0"/>
+              </a:rPr>
+              <a:t>Telnet </a:t>
+            </a:r>
+            <a:r>
+              <a:rPr lang="vi-VN" sz="2000">
+                <a:latin typeface="Times New Roman" panose="02020603050405020304" pitchFamily="18" charset="0"/>
+                <a:cs typeface="Times New Roman" panose="02020603050405020304" pitchFamily="18" charset="0"/>
+              </a:rPr>
+              <a:t>thiếu tính xác thực người dùng. </a:t>
+            </a:r>
+            <a:r>
+              <a:rPr lang="vi-VN" sz="2000">
+                <a:latin typeface="Times New Roman" panose="02020603050405020304" pitchFamily="18" charset="0"/>
+                <a:cs typeface="Times New Roman" panose="02020603050405020304" pitchFamily="18" charset="0"/>
+              </a:rPr>
+              <a:t/>
+            </a:r>
+            <a:br>
+              <a:rPr lang="vi-VN" sz="2000">
+                <a:latin typeface="Times New Roman" panose="02020603050405020304" pitchFamily="18" charset="0"/>
+                <a:cs typeface="Times New Roman" panose="02020603050405020304" pitchFamily="18" charset="0"/>
+              </a:rPr>
+            </a:br>
+            <a:endParaRPr lang="en-US" sz="2000">
+              <a:latin typeface="Times New Roman" panose="02020603050405020304" pitchFamily="18" charset="0"/>
+              <a:cs typeface="Times New Roman" panose="02020603050405020304" pitchFamily="18" charset="0"/>
+            </a:endParaRPr>
+          </a:p>
+        </p:txBody>
+      </p:sp>
+      <p:sp>
+        <p:nvSpPr>
+          <p:cNvPr id="5" name="Title 1"/>
+          <p:cNvSpPr txBox="1">
+            <a:spLocks noGrp="1"/>
+          </p:cNvSpPr>
+          <p:nvPr>
+            <p:ph type="title"/>
+          </p:nvPr>
+        </p:nvSpPr>
+        <p:spPr>
+          <a:prstGeom prst="rect">
+            <a:avLst/>
+          </a:prstGeom>
+        </p:spPr>
+        <p:txBody>
+          <a:bodyPr vert="horz" lIns="91440" tIns="45720" rIns="91440" bIns="45720" rtlCol="0" anchor="ctr">
+            <a:normAutofit/>
+          </a:bodyPr>
+          <a:lstStyle>
+            <a:lvl1pPr algn="l" defTabSz="914400" rtl="0" eaLnBrk="1" latinLnBrk="0" hangingPunct="1">
+              <a:lnSpc>
+                <a:spcPct val="90000"/>
+              </a:lnSpc>
+              <a:spcBef>
+                <a:spcPct val="0"/>
+              </a:spcBef>
+              <a:buNone/>
+              <a:defRPr sz="3600" kern="1200" spc="-60" baseline="0">
+                <a:solidFill>
+                  <a:srgbClr val="FFFFFF"/>
+                </a:solidFill>
+                <a:latin typeface="+mj-lt"/>
+                <a:ea typeface="+mj-ea"/>
+                <a:cs typeface="+mj-cs"/>
+              </a:defRPr>
+            </a:lvl1pPr>
+          </a:lstStyle>
+          <a:p>
+            <a:pPr algn="ctr"/>
+            <a:r>
+              <a:rPr lang="en-US" b="1" smtClean="0"/>
+              <a:t>CÁC GIAO THỨC / DỊCH VỤ TRONG TẦNG APPLICATION</a:t>
+            </a:r>
+            <a:endParaRPr lang="en-US"/>
+          </a:p>
+        </p:txBody>
+      </p:sp>
+      <p:sp>
+        <p:nvSpPr>
+          <p:cNvPr id="6" name="TextBox 5"/>
+          <p:cNvSpPr txBox="1"/>
+          <p:nvPr/>
+        </p:nvSpPr>
+        <p:spPr>
+          <a:xfrm>
+            <a:off x="4443106" y="693063"/>
+            <a:ext cx="6383920" cy="430887"/>
+          </a:xfrm>
+          <a:prstGeom prst="rect">
+            <a:avLst/>
+          </a:prstGeom>
+          <a:noFill/>
+        </p:spPr>
+        <p:txBody>
+          <a:bodyPr wrap="square" rtlCol="0">
+            <a:spAutoFit/>
+          </a:bodyPr>
+          <a:lstStyle/>
+          <a:p>
+            <a:pPr algn="ctr"/>
+            <a:r>
+              <a:rPr lang="en-US" sz="2200" b="1">
+                <a:solidFill>
+                  <a:schemeClr val="accent2">
+                    <a:lumMod val="75000"/>
+                  </a:schemeClr>
+                </a:solidFill>
+                <a:latin typeface="Times New Roman" panose="02020603050405020304" pitchFamily="18" charset="0"/>
+                <a:cs typeface="Times New Roman" panose="02020603050405020304" pitchFamily="18" charset="0"/>
+              </a:rPr>
+              <a:t>D</a:t>
+            </a:r>
+            <a:r>
+              <a:rPr lang="en-US" sz="2200" b="1" smtClean="0">
+                <a:solidFill>
+                  <a:schemeClr val="accent2">
+                    <a:lumMod val="75000"/>
+                  </a:schemeClr>
+                </a:solidFill>
+                <a:latin typeface="Times New Roman" panose="02020603050405020304" pitchFamily="18" charset="0"/>
+                <a:cs typeface="Times New Roman" panose="02020603050405020304" pitchFamily="18" charset="0"/>
+              </a:rPr>
+              <a:t>ịch vụ DHCP</a:t>
+            </a:r>
+            <a:endParaRPr lang="en-US" sz="2200" b="1">
+              <a:solidFill>
+                <a:schemeClr val="accent2">
+                  <a:lumMod val="75000"/>
+                </a:schemeClr>
+              </a:solidFill>
+              <a:latin typeface="Times New Roman" panose="02020603050405020304" pitchFamily="18" charset="0"/>
+              <a:cs typeface="Times New Roman" panose="02020603050405020304" pitchFamily="18" charset="0"/>
+            </a:endParaRPr>
+          </a:p>
+        </p:txBody>
+      </p:sp>
+    </p:spTree>
+    <p:extLst>
+      <p:ext uri="{BB962C8B-B14F-4D97-AF65-F5344CB8AC3E}">
+        <p14:creationId xmlns:p14="http://schemas.microsoft.com/office/powerpoint/2010/main" val="2563394508"/>
+      </p:ext>
+    </p:extLst>
+  </p:cSld>
+  <p:clrMapOvr>
+    <a:masterClrMapping/>
+  </p:clrMapOvr>
+</p:sld>
+</file>
+
+<file path=ppt/slides/slide21.xml><?xml version="1.0" encoding="utf-8"?>
+<p:sld xmlns:a="http://schemas.openxmlformats.org/drawingml/2006/main" xmlns:r="http://schemas.openxmlformats.org/officeDocument/2006/relationships" xmlns:p="http://schemas.openxmlformats.org/presentationml/2006/main">
+  <p:cSld>
+    <p:spTree>
+      <p:nvGrpSpPr>
+        <p:cNvPr id="1" name=""/>
+        <p:cNvGrpSpPr/>
+        <p:nvPr/>
+      </p:nvGrpSpPr>
+      <p:grpSpPr>
+        <a:xfrm>
+          <a:off x="0" y="0"/>
+          <a:ext cx="0" cy="0"/>
+          <a:chOff x="0" y="0"/>
+          <a:chExt cx="0" cy="0"/>
+        </a:xfrm>
+      </p:grpSpPr>
+      <p:sp>
+        <p:nvSpPr>
+          <p:cNvPr id="4" name="Title 1"/>
+          <p:cNvSpPr txBox="1">
+            <a:spLocks noGrp="1"/>
+          </p:cNvSpPr>
+          <p:nvPr>
+            <p:ph type="title"/>
+          </p:nvPr>
+        </p:nvSpPr>
+        <p:spPr>
+          <a:prstGeom prst="rect">
+            <a:avLst/>
+          </a:prstGeom>
+        </p:spPr>
+        <p:txBody>
+          <a:bodyPr vert="horz" lIns="91440" tIns="45720" rIns="91440" bIns="45720" rtlCol="0" anchor="ctr">
+            <a:normAutofit/>
+          </a:bodyPr>
+          <a:lstStyle>
+            <a:lvl1pPr algn="l" defTabSz="914400" rtl="0" eaLnBrk="1" latinLnBrk="0" hangingPunct="1">
+              <a:lnSpc>
+                <a:spcPct val="90000"/>
+              </a:lnSpc>
+              <a:spcBef>
+                <a:spcPct val="0"/>
+              </a:spcBef>
+              <a:buNone/>
+              <a:defRPr sz="3600" kern="1200" spc="-60" baseline="0">
+                <a:solidFill>
+                  <a:srgbClr val="FFFFFF"/>
+                </a:solidFill>
+                <a:latin typeface="+mj-lt"/>
+                <a:ea typeface="+mj-ea"/>
+                <a:cs typeface="+mj-cs"/>
+              </a:defRPr>
+            </a:lvl1pPr>
+          </a:lstStyle>
+          <a:p>
+            <a:pPr algn="ctr"/>
+            <a:r>
+              <a:rPr lang="en-US" b="1" smtClean="0"/>
+              <a:t>GIAO </a:t>
+            </a:r>
+            <a:r>
+              <a:rPr lang="en-US" b="1" smtClean="0"/>
+              <a:t>THỨC </a:t>
+            </a:r>
+            <a:r>
+              <a:rPr lang="en-US" b="1"/>
+              <a:t/>
+            </a:r>
+            <a:br>
+              <a:rPr lang="en-US" b="1"/>
+            </a:br>
+            <a:r>
+              <a:rPr lang="en-US" b="1" smtClean="0"/>
+              <a:t>TCP / UDP</a:t>
+            </a:r>
+            <a:endParaRPr lang="en-US"/>
+          </a:p>
+        </p:txBody>
+      </p:sp>
+      <p:sp>
+        <p:nvSpPr>
+          <p:cNvPr id="5" name="TextBox 4"/>
+          <p:cNvSpPr txBox="1"/>
+          <p:nvPr/>
+        </p:nvSpPr>
+        <p:spPr>
+          <a:xfrm>
+            <a:off x="4443106" y="693063"/>
+            <a:ext cx="6383920" cy="430887"/>
+          </a:xfrm>
+          <a:prstGeom prst="rect">
+            <a:avLst/>
+          </a:prstGeom>
+          <a:noFill/>
+        </p:spPr>
+        <p:txBody>
+          <a:bodyPr wrap="square" rtlCol="0">
+            <a:spAutoFit/>
+          </a:bodyPr>
+          <a:lstStyle/>
+          <a:p>
+            <a:pPr algn="ctr"/>
+            <a:r>
+              <a:rPr lang="en-US" sz="2200" b="1" smtClean="0">
+                <a:solidFill>
+                  <a:schemeClr val="accent2">
+                    <a:lumMod val="75000"/>
+                  </a:schemeClr>
+                </a:solidFill>
+                <a:latin typeface="Times New Roman" panose="02020603050405020304" pitchFamily="18" charset="0"/>
+                <a:cs typeface="Times New Roman" panose="02020603050405020304" pitchFamily="18" charset="0"/>
+              </a:rPr>
+              <a:t>Giao Thức TCP - UDP</a:t>
+            </a:r>
+            <a:endParaRPr lang="en-US" sz="2200" b="1">
+              <a:solidFill>
+                <a:schemeClr val="accent2">
+                  <a:lumMod val="75000"/>
+                </a:schemeClr>
+              </a:solidFill>
+              <a:latin typeface="Times New Roman" panose="02020603050405020304" pitchFamily="18" charset="0"/>
+              <a:cs typeface="Times New Roman" panose="02020603050405020304" pitchFamily="18" charset="0"/>
+            </a:endParaRPr>
+          </a:p>
+        </p:txBody>
+      </p:sp>
+      <p:sp>
+        <p:nvSpPr>
+          <p:cNvPr id="6" name="Rectangle 5"/>
+          <p:cNvSpPr/>
+          <p:nvPr/>
+        </p:nvSpPr>
+        <p:spPr>
+          <a:xfrm>
+            <a:off x="4224270" y="1188232"/>
+            <a:ext cx="7392473" cy="5370701"/>
+          </a:xfrm>
+          <a:prstGeom prst="rect">
+            <a:avLst/>
+          </a:prstGeom>
+        </p:spPr>
+        <p:txBody>
+          <a:bodyPr wrap="square">
+            <a:spAutoFit/>
+          </a:bodyPr>
+          <a:lstStyle/>
+          <a:p>
+            <a:pPr marL="342900" indent="-342900" algn="just">
+              <a:buFontTx/>
+              <a:buChar char="-"/>
+            </a:pPr>
+            <a:r>
+              <a:rPr lang="vi-VN" sz="1900" b="1" smtClean="0">
+                <a:latin typeface="Times New Roman" panose="02020603050405020304" pitchFamily="18" charset="0"/>
+                <a:cs typeface="Times New Roman" panose="02020603050405020304" pitchFamily="18" charset="0"/>
+              </a:rPr>
+              <a:t>TCP (Transmission Control Protocol - "Giao thức điều khiển truyền vận")</a:t>
+            </a:r>
+            <a:r>
+              <a:rPr lang="vi-VN" sz="1900" smtClean="0">
+                <a:latin typeface="Times New Roman" panose="02020603050405020304" pitchFamily="18" charset="0"/>
+                <a:cs typeface="Times New Roman" panose="02020603050405020304" pitchFamily="18" charset="0"/>
+              </a:rPr>
+              <a:t> là một trong các giao thức cốt lõi của bộ giao thức TCP/IP. Sử dụng TCP, các ứng dụng trên các máy chủ được nối mạng có thể tạo các "kết nối" với nhau, mà qua đó chúng có thể trao đổi dữ liệu hoặc các gói tin. Giao thức này đảm bảo chuyển giao dữ liệu tới nơi nhận một cách đáng tin cậy và đúng thứ tự. TCP còn phân biệt giữa dữ liệu của nhiều ứng dụng (chẳng hạn, dịch vụ Web và dịch vụ thư điện tử) đồng thời chạy trên cùng một máy chủ.</a:t>
+            </a:r>
+            <a:endParaRPr lang="en-US" sz="1900">
+              <a:latin typeface="Times New Roman" panose="02020603050405020304" pitchFamily="18" charset="0"/>
+              <a:cs typeface="Times New Roman" panose="02020603050405020304" pitchFamily="18" charset="0"/>
+            </a:endParaRPr>
+          </a:p>
+          <a:p>
+            <a:pPr marL="342900" indent="-342900" algn="just">
+              <a:buFontTx/>
+              <a:buChar char="-"/>
+            </a:pPr>
+            <a:r>
+              <a:rPr lang="vi-VN" sz="1900" b="1" smtClean="0">
+                <a:latin typeface="Times New Roman" panose="02020603050405020304" pitchFamily="18" charset="0"/>
+                <a:cs typeface="Times New Roman" panose="02020603050405020304" pitchFamily="18" charset="0"/>
+              </a:rPr>
+              <a:t>UDP (User Datagram Protocol)</a:t>
+            </a:r>
+            <a:r>
+              <a:rPr lang="vi-VN" sz="1900" smtClean="0">
+                <a:latin typeface="Times New Roman" panose="02020603050405020304" pitchFamily="18" charset="0"/>
+                <a:cs typeface="Times New Roman" panose="02020603050405020304" pitchFamily="18" charset="0"/>
+              </a:rPr>
+              <a:t> là một trong những giao thức cốt lõi của giao thức TCP/IP. Dùng UDP, chương trình trên mạng máy tính có thể gởi những dữ liệu ngắn được gọi là datagram tới máy khác.</a:t>
+            </a:r>
+            <a:r>
+              <a:rPr lang="en-US" sz="1900">
+                <a:latin typeface="Times New Roman" panose="02020603050405020304" pitchFamily="18" charset="0"/>
+                <a:cs typeface="Times New Roman" panose="02020603050405020304" pitchFamily="18" charset="0"/>
+              </a:rPr>
+              <a:t> </a:t>
+            </a:r>
+            <a:r>
+              <a:rPr lang="vi-VN" sz="1900" smtClean="0">
+                <a:latin typeface="Times New Roman" panose="02020603050405020304" pitchFamily="18" charset="0"/>
+                <a:cs typeface="Times New Roman" panose="02020603050405020304" pitchFamily="18" charset="0"/>
+              </a:rPr>
+              <a:t>UDP không cung cấp sự tin cậy và thứ tự truyền nhận mà TCP làm</a:t>
+            </a:r>
+            <a:r>
+              <a:rPr lang="en-US" sz="1900">
+                <a:latin typeface="Times New Roman" panose="02020603050405020304" pitchFamily="18" charset="0"/>
+                <a:cs typeface="Times New Roman" panose="02020603050405020304" pitchFamily="18" charset="0"/>
+              </a:rPr>
+              <a:t> </a:t>
+            </a:r>
+            <a:r>
+              <a:rPr lang="vi-VN" sz="1900" smtClean="0">
+                <a:latin typeface="Times New Roman" panose="02020603050405020304" pitchFamily="18" charset="0"/>
+                <a:cs typeface="Times New Roman" panose="02020603050405020304" pitchFamily="18" charset="0"/>
+              </a:rPr>
+              <a:t>các gói dữ liệu có thể đến không đúng thứ tự hoặc bị mất mà không có thông báo. Tuy nhiên UDP nhanh và hiệu quả hơn đối với các mục tiêu như kích thước nhỏ và yêu cầu khắt khe về thời gian. Do bản chất không trạng thái của nó nên nó hữu dụng đối với việc trả lời các truy vấn nhỏ</a:t>
+            </a:r>
+            <a:r>
+              <a:rPr lang="en-US" sz="1900" smtClean="0">
+                <a:latin typeface="Times New Roman" panose="02020603050405020304" pitchFamily="18" charset="0"/>
+                <a:cs typeface="Times New Roman" panose="02020603050405020304" pitchFamily="18" charset="0"/>
+              </a:rPr>
+              <a:t> </a:t>
+            </a:r>
+            <a:r>
+              <a:rPr lang="vi-VN" sz="1900" smtClean="0">
+                <a:latin typeface="Times New Roman" panose="02020603050405020304" pitchFamily="18" charset="0"/>
+                <a:cs typeface="Times New Roman" panose="02020603050405020304" pitchFamily="18" charset="0"/>
+              </a:rPr>
+              <a:t>với</a:t>
+            </a:r>
+            <a:r>
+              <a:rPr lang="en-US" sz="1900" smtClean="0">
+                <a:latin typeface="Times New Roman" panose="02020603050405020304" pitchFamily="18" charset="0"/>
+                <a:cs typeface="Times New Roman" panose="02020603050405020304" pitchFamily="18" charset="0"/>
+              </a:rPr>
+              <a:t> </a:t>
+            </a:r>
+            <a:r>
+              <a:rPr lang="vi-VN" sz="1900" smtClean="0">
+                <a:latin typeface="Times New Roman" panose="02020603050405020304" pitchFamily="18" charset="0"/>
+                <a:cs typeface="Times New Roman" panose="02020603050405020304" pitchFamily="18" charset="0"/>
+              </a:rPr>
+              <a:t>số lượng lớn người yêu</a:t>
+            </a:r>
+            <a:r>
+              <a:rPr lang="en-US" sz="1900" smtClean="0">
+                <a:latin typeface="Times New Roman" panose="02020603050405020304" pitchFamily="18" charset="0"/>
+                <a:cs typeface="Times New Roman" panose="02020603050405020304" pitchFamily="18" charset="0"/>
+              </a:rPr>
+              <a:t> </a:t>
+            </a:r>
+            <a:r>
+              <a:rPr lang="vi-VN" sz="1900" smtClean="0">
+                <a:latin typeface="Times New Roman" panose="02020603050405020304" pitchFamily="18" charset="0"/>
+                <a:cs typeface="Times New Roman" panose="02020603050405020304" pitchFamily="18" charset="0"/>
+              </a:rPr>
+              <a:t>cầu.</a:t>
+            </a:r>
+            <a:r>
+              <a:rPr lang="vi-VN" sz="2000" smtClean="0">
+                <a:latin typeface="Times New Roman" panose="02020603050405020304" pitchFamily="18" charset="0"/>
+                <a:cs typeface="Times New Roman" panose="02020603050405020304" pitchFamily="18" charset="0"/>
+              </a:rPr>
+              <a:t/>
+            </a:r>
+            <a:br>
+              <a:rPr lang="vi-VN" sz="2000" smtClean="0">
+                <a:latin typeface="Times New Roman" panose="02020603050405020304" pitchFamily="18" charset="0"/>
+                <a:cs typeface="Times New Roman" panose="02020603050405020304" pitchFamily="18" charset="0"/>
+              </a:rPr>
+            </a:br>
+            <a:endParaRPr lang="en-US" sz="2000">
+              <a:latin typeface="Times New Roman" panose="02020603050405020304" pitchFamily="18" charset="0"/>
+              <a:cs typeface="Times New Roman" panose="02020603050405020304" pitchFamily="18" charset="0"/>
+            </a:endParaRPr>
+          </a:p>
+        </p:txBody>
+      </p:sp>
+    </p:spTree>
+    <p:extLst>
+      <p:ext uri="{BB962C8B-B14F-4D97-AF65-F5344CB8AC3E}">
+        <p14:creationId xmlns:p14="http://schemas.microsoft.com/office/powerpoint/2010/main" val="3466518682"/>
+      </p:ext>
+    </p:extLst>
+  </p:cSld>
+  <p:clrMapOvr>
+    <a:masterClrMapping/>
+  </p:clrMapOvr>
+</p:sld>
+</file>
+
+<file path=ppt/slides/slide22.xml><?xml version="1.0" encoding="utf-8"?>
+<p:sld xmlns:a="http://schemas.openxmlformats.org/drawingml/2006/main" xmlns:r="http://schemas.openxmlformats.org/officeDocument/2006/relationships" xmlns:p="http://schemas.openxmlformats.org/presentationml/2006/main">
+  <p:cSld>
+    <p:spTree>
+      <p:nvGrpSpPr>
+        <p:cNvPr id="1" name=""/>
+        <p:cNvGrpSpPr/>
+        <p:nvPr/>
+      </p:nvGrpSpPr>
+      <p:grpSpPr>
+        <a:xfrm>
+          <a:off x="0" y="0"/>
+          <a:ext cx="0" cy="0"/>
+          <a:chOff x="0" y="0"/>
+          <a:chExt cx="0" cy="0"/>
+        </a:xfrm>
+      </p:grpSpPr>
+      <p:sp>
+        <p:nvSpPr>
+          <p:cNvPr id="5" name="Title 1"/>
+          <p:cNvSpPr txBox="1">
+            <a:spLocks noGrp="1"/>
+          </p:cNvSpPr>
+          <p:nvPr>
+            <p:ph type="title"/>
+          </p:nvPr>
+        </p:nvSpPr>
+        <p:spPr>
+          <a:xfrm>
+            <a:off x="252919" y="1123837"/>
+            <a:ext cx="2947482" cy="4601183"/>
+          </a:xfrm>
+          <a:prstGeom prst="rect">
+            <a:avLst/>
+          </a:prstGeom>
+        </p:spPr>
+        <p:txBody>
+          <a:bodyPr vert="horz" lIns="91440" tIns="45720" rIns="91440" bIns="45720" rtlCol="0" anchor="ctr">
+            <a:normAutofit/>
+          </a:bodyPr>
+          <a:lstStyle>
+            <a:lvl1pPr algn="l" defTabSz="914400" rtl="0" eaLnBrk="1" latinLnBrk="0" hangingPunct="1">
+              <a:lnSpc>
+                <a:spcPct val="90000"/>
+              </a:lnSpc>
+              <a:spcBef>
+                <a:spcPct val="0"/>
+              </a:spcBef>
+              <a:buNone/>
+              <a:defRPr sz="3600" kern="1200" spc="-60" baseline="0">
+                <a:solidFill>
+                  <a:srgbClr val="FFFFFF"/>
+                </a:solidFill>
+                <a:latin typeface="+mj-lt"/>
+                <a:ea typeface="+mj-ea"/>
+                <a:cs typeface="+mj-cs"/>
+              </a:defRPr>
+            </a:lvl1pPr>
+          </a:lstStyle>
+          <a:p>
+            <a:pPr algn="ctr"/>
+            <a:r>
+              <a:rPr lang="en-US" b="1" smtClean="0"/>
+              <a:t>GIAO </a:t>
+            </a:r>
+            <a:r>
+              <a:rPr lang="en-US" b="1" smtClean="0"/>
+              <a:t>THỨC </a:t>
+            </a:r>
+            <a:r>
+              <a:rPr lang="en-US" b="1"/>
+              <a:t/>
+            </a:r>
+            <a:br>
+              <a:rPr lang="en-US" b="1"/>
+            </a:br>
+            <a:r>
+              <a:rPr lang="en-US" b="1" smtClean="0"/>
+              <a:t>TCP / UDP</a:t>
+            </a:r>
+            <a:endParaRPr lang="en-US"/>
+          </a:p>
+        </p:txBody>
+      </p:sp>
+      <p:sp>
+        <p:nvSpPr>
+          <p:cNvPr id="6" name="TextBox 5"/>
+          <p:cNvSpPr txBox="1"/>
+          <p:nvPr/>
+        </p:nvSpPr>
+        <p:spPr>
+          <a:xfrm>
+            <a:off x="4443106" y="693063"/>
+            <a:ext cx="6383920" cy="430887"/>
+          </a:xfrm>
+          <a:prstGeom prst="rect">
+            <a:avLst/>
+          </a:prstGeom>
+          <a:noFill/>
+        </p:spPr>
+        <p:txBody>
+          <a:bodyPr wrap="square" rtlCol="0">
+            <a:spAutoFit/>
+          </a:bodyPr>
+          <a:lstStyle/>
+          <a:p>
+            <a:pPr algn="ctr"/>
+            <a:r>
+              <a:rPr lang="en-US" sz="2200" b="1" smtClean="0">
+                <a:solidFill>
+                  <a:schemeClr val="accent2">
+                    <a:lumMod val="75000"/>
+                  </a:schemeClr>
+                </a:solidFill>
+                <a:latin typeface="Times New Roman" panose="02020603050405020304" pitchFamily="18" charset="0"/>
+                <a:cs typeface="Times New Roman" panose="02020603050405020304" pitchFamily="18" charset="0"/>
+              </a:rPr>
+              <a:t>So sánh giữa giao thức TCP và UDP</a:t>
+            </a:r>
+            <a:endParaRPr lang="en-US" sz="2200" b="1">
+              <a:solidFill>
+                <a:schemeClr val="accent2">
+                  <a:lumMod val="75000"/>
+                </a:schemeClr>
+              </a:solidFill>
+              <a:latin typeface="Times New Roman" panose="02020603050405020304" pitchFamily="18" charset="0"/>
+              <a:cs typeface="Times New Roman" panose="02020603050405020304" pitchFamily="18" charset="0"/>
+            </a:endParaRPr>
+          </a:p>
+        </p:txBody>
+      </p:sp>
+      <p:sp>
+        <p:nvSpPr>
+          <p:cNvPr id="7" name="Rectangle 6"/>
+          <p:cNvSpPr/>
+          <p:nvPr/>
+        </p:nvSpPr>
+        <p:spPr>
+          <a:xfrm>
+            <a:off x="4028981" y="1377714"/>
+            <a:ext cx="7212169" cy="2554545"/>
+          </a:xfrm>
+          <a:prstGeom prst="rect">
+            <a:avLst/>
+          </a:prstGeom>
+        </p:spPr>
+        <p:txBody>
+          <a:bodyPr wrap="square">
+            <a:spAutoFit/>
+          </a:bodyPr>
+          <a:lstStyle/>
+          <a:p>
+            <a:r>
+              <a:rPr lang="en-US" sz="2000" b="1" u="sng">
+                <a:latin typeface="Times New Roman" panose="02020603050405020304" pitchFamily="18" charset="0"/>
+                <a:cs typeface="Times New Roman" panose="02020603050405020304" pitchFamily="18" charset="0"/>
+              </a:rPr>
+              <a:t>Giống nhau :</a:t>
+            </a:r>
+            <a:r>
+              <a:rPr lang="en-US" sz="2000">
+                <a:latin typeface="Times New Roman" panose="02020603050405020304" pitchFamily="18" charset="0"/>
+                <a:cs typeface="Times New Roman" panose="02020603050405020304" pitchFamily="18" charset="0"/>
+              </a:rPr>
+              <a:t> đều là các giao thức mạng TCP/IP, đều có chức năng kết nối các máy lại với nhau, và có thể gửi dữ liệu cho </a:t>
+            </a:r>
+            <a:r>
+              <a:rPr lang="en-US" sz="2000">
+                <a:latin typeface="Times New Roman" panose="02020603050405020304" pitchFamily="18" charset="0"/>
+                <a:cs typeface="Times New Roman" panose="02020603050405020304" pitchFamily="18" charset="0"/>
+              </a:rPr>
+              <a:t>nhau</a:t>
+            </a:r>
+            <a:r>
+              <a:rPr lang="en-US" sz="2000" smtClean="0">
+                <a:latin typeface="Times New Roman" panose="02020603050405020304" pitchFamily="18" charset="0"/>
+                <a:cs typeface="Times New Roman" panose="02020603050405020304" pitchFamily="18" charset="0"/>
+              </a:rPr>
+              <a:t>....</a:t>
+            </a:r>
+          </a:p>
+          <a:p>
+            <a:r>
+              <a:rPr lang="vi-VN" sz="2000" b="1" u="sng" smtClean="0">
+                <a:latin typeface="Times New Roman" panose="02020603050405020304" pitchFamily="18" charset="0"/>
+                <a:cs typeface="Times New Roman" panose="02020603050405020304" pitchFamily="18" charset="0"/>
+              </a:rPr>
+              <a:t>Khác nhau (cơ bản):</a:t>
+            </a:r>
+            <a:r>
+              <a:rPr lang="vi-VN" sz="2000" b="1" smtClean="0">
+                <a:latin typeface="Times New Roman" panose="02020603050405020304" pitchFamily="18" charset="0"/>
+                <a:cs typeface="Times New Roman" panose="02020603050405020304" pitchFamily="18" charset="0"/>
+              </a:rPr>
+              <a:t> </a:t>
+            </a:r>
+            <a:r>
+              <a:rPr lang="vi-VN" sz="2000" smtClean="0">
+                <a:latin typeface="Times New Roman" panose="02020603050405020304" pitchFamily="18" charset="0"/>
+                <a:cs typeface="Times New Roman" panose="02020603050405020304" pitchFamily="18" charset="0"/>
+              </a:rPr>
+              <a:t/>
+            </a:r>
+            <a:br>
+              <a:rPr lang="vi-VN" sz="2000" smtClean="0">
+                <a:latin typeface="Times New Roman" panose="02020603050405020304" pitchFamily="18" charset="0"/>
+                <a:cs typeface="Times New Roman" panose="02020603050405020304" pitchFamily="18" charset="0"/>
+              </a:rPr>
+            </a:br>
+            <a:r>
+              <a:rPr lang="en-US" sz="2000" smtClean="0">
+                <a:latin typeface="Times New Roman" panose="02020603050405020304" pitchFamily="18" charset="0"/>
+                <a:cs typeface="Times New Roman" panose="02020603050405020304" pitchFamily="18" charset="0"/>
+              </a:rPr>
+              <a:t>C</a:t>
+            </a:r>
+            <a:r>
+              <a:rPr lang="vi-VN" sz="2000" smtClean="0">
+                <a:latin typeface="Times New Roman" panose="02020603050405020304" pitchFamily="18" charset="0"/>
+                <a:cs typeface="Times New Roman" panose="02020603050405020304" pitchFamily="18" charset="0"/>
+              </a:rPr>
+              <a:t>ác header của TCP và UDP khác nhau ở kích thước (20 và 8 byte) nguyên nhân chủ yếu là do TCP phải hộ trợ nhiều chức năng hữu ích hơn</a:t>
+            </a:r>
+            <a:r>
+              <a:rPr lang="en-US" sz="2000" smtClean="0">
+                <a:latin typeface="Times New Roman" panose="02020603050405020304" pitchFamily="18" charset="0"/>
+                <a:cs typeface="Times New Roman" panose="02020603050405020304" pitchFamily="18" charset="0"/>
+              </a:rPr>
+              <a:t> </a:t>
+            </a:r>
+            <a:r>
+              <a:rPr lang="vi-VN" sz="2000" smtClean="0">
+                <a:latin typeface="Times New Roman" panose="02020603050405020304" pitchFamily="18" charset="0"/>
+                <a:cs typeface="Times New Roman" panose="02020603050405020304" pitchFamily="18" charset="0"/>
+              </a:rPr>
+              <a:t>(như khả năng khôi phục lỗi). UDP dùng ít byte hơn cho phần header và yêu cầu xử lý từ host ít hơn</a:t>
+            </a:r>
+            <a:br>
+              <a:rPr lang="vi-VN" sz="2000" smtClean="0">
+                <a:latin typeface="Times New Roman" panose="02020603050405020304" pitchFamily="18" charset="0"/>
+                <a:cs typeface="Times New Roman" panose="02020603050405020304" pitchFamily="18" charset="0"/>
+              </a:rPr>
+            </a:br>
+            <a:endParaRPr lang="en-US" sz="2000">
+              <a:latin typeface="Times New Roman" panose="02020603050405020304" pitchFamily="18" charset="0"/>
+              <a:cs typeface="Times New Roman" panose="02020603050405020304" pitchFamily="18" charset="0"/>
+            </a:endParaRPr>
+          </a:p>
+        </p:txBody>
+      </p:sp>
+      <p:graphicFrame>
+        <p:nvGraphicFramePr>
+          <p:cNvPr id="9" name="Table 8"/>
+          <p:cNvGraphicFramePr>
+            <a:graphicFrameLocks noGrp="1"/>
+          </p:cNvGraphicFramePr>
+          <p:nvPr>
+            <p:extLst>
+              <p:ext uri="{D42A27DB-BD31-4B8C-83A1-F6EECF244321}">
+                <p14:modId xmlns:p14="http://schemas.microsoft.com/office/powerpoint/2010/main" val="2566863236"/>
+              </p:ext>
+            </p:extLst>
+          </p:nvPr>
+        </p:nvGraphicFramePr>
+        <p:xfrm>
+          <a:off x="4028981" y="3932259"/>
+          <a:ext cx="7574884" cy="2011680"/>
+        </p:xfrm>
+        <a:graphic>
+          <a:graphicData uri="http://schemas.openxmlformats.org/drawingml/2006/table">
+            <a:tbl>
+              <a:tblPr firstRow="1" bandRow="1">
+                <a:tableStyleId>{5C22544A-7EE6-4342-B048-85BDC9FD1C3A}</a:tableStyleId>
+              </a:tblPr>
+              <a:tblGrid>
+                <a:gridCol w="3787442"/>
+                <a:gridCol w="3787442"/>
+              </a:tblGrid>
+              <a:tr h="370840">
+                <a:tc>
+                  <a:txBody>
+                    <a:bodyPr/>
+                    <a:lstStyle/>
+                    <a:p>
+                      <a:pPr marL="0" algn="ctr" rtl="0" eaLnBrk="1" latinLnBrk="0" hangingPunct="1">
+                        <a:spcBef>
+                          <a:spcPts val="0"/>
+                        </a:spcBef>
+                        <a:spcAft>
+                          <a:spcPts val="0"/>
+                        </a:spcAft>
+                      </a:pPr>
+                      <a:r>
+                        <a:rPr lang="vi-VN" sz="1800" b="1" kern="1200" smtClean="0">
+                          <a:solidFill>
+                            <a:srgbClr val="000000"/>
+                          </a:solidFill>
+                          <a:effectLst/>
+                          <a:latin typeface="Times New Roman" panose="02020603050405020304" pitchFamily="18" charset="0"/>
+                          <a:ea typeface="+mn-ea"/>
+                          <a:cs typeface="Times New Roman" panose="02020603050405020304" pitchFamily="18" charset="0"/>
+                        </a:rPr>
+                        <a:t>TCP :</a:t>
+                      </a:r>
+                    </a:p>
+                    <a:p>
+                      <a:pPr marL="0" algn="ctr" rtl="0" eaLnBrk="1" latinLnBrk="0" hangingPunct="1">
+                        <a:spcBef>
+                          <a:spcPts val="0"/>
+                        </a:spcBef>
+                        <a:spcAft>
+                          <a:spcPts val="0"/>
+                        </a:spcAft>
+                      </a:pPr>
+                      <a:r>
+                        <a:rPr lang="vi-VN" sz="1800" b="0" kern="1200" smtClean="0">
+                          <a:solidFill>
+                            <a:srgbClr val="000000"/>
+                          </a:solidFill>
+                          <a:effectLst/>
+                          <a:latin typeface="Times New Roman" panose="02020603050405020304" pitchFamily="18" charset="0"/>
+                          <a:ea typeface="+mn-ea"/>
+                          <a:cs typeface="Times New Roman" panose="02020603050405020304" pitchFamily="18" charset="0"/>
+                        </a:rPr>
+                        <a:t>- Dùng cho mạng WAN </a:t>
+                      </a:r>
+                    </a:p>
+                    <a:p>
+                      <a:pPr marL="0" algn="ctr" rtl="0" eaLnBrk="1" latinLnBrk="0" hangingPunct="1">
+                        <a:spcBef>
+                          <a:spcPts val="0"/>
+                        </a:spcBef>
+                        <a:spcAft>
+                          <a:spcPts val="0"/>
+                        </a:spcAft>
+                      </a:pPr>
+                      <a:r>
+                        <a:rPr lang="vi-VN" sz="1800" b="0" kern="1200" smtClean="0">
+                          <a:solidFill>
+                            <a:srgbClr val="000000"/>
+                          </a:solidFill>
+                          <a:effectLst/>
+                          <a:latin typeface="Times New Roman" panose="02020603050405020304" pitchFamily="18" charset="0"/>
+                          <a:ea typeface="+mn-ea"/>
+                          <a:cs typeface="Times New Roman" panose="02020603050405020304" pitchFamily="18" charset="0"/>
+                        </a:rPr>
+                        <a:t>- Không cho phép mất gói tin </a:t>
+                      </a:r>
+                    </a:p>
+                    <a:p>
+                      <a:pPr marL="0" algn="ctr" rtl="0" eaLnBrk="1" latinLnBrk="0" hangingPunct="1">
+                        <a:spcBef>
+                          <a:spcPts val="0"/>
+                        </a:spcBef>
+                        <a:spcAft>
+                          <a:spcPts val="0"/>
+                        </a:spcAft>
+                      </a:pPr>
+                      <a:r>
+                        <a:rPr lang="vi-VN" sz="1800" b="0" kern="1200" smtClean="0">
+                          <a:solidFill>
+                            <a:srgbClr val="000000"/>
+                          </a:solidFill>
+                          <a:effectLst/>
+                          <a:latin typeface="Times New Roman" panose="02020603050405020304" pitchFamily="18" charset="0"/>
+                          <a:ea typeface="+mn-ea"/>
+                          <a:cs typeface="Times New Roman" panose="02020603050405020304" pitchFamily="18" charset="0"/>
+                        </a:rPr>
+                        <a:t>- Đảm bảo việc truyền dữ liệu </a:t>
+                      </a:r>
+                    </a:p>
+                    <a:p>
+                      <a:pPr marL="0" algn="ctr" rtl="0" eaLnBrk="1" latinLnBrk="0" hangingPunct="1">
+                        <a:spcBef>
+                          <a:spcPts val="0"/>
+                        </a:spcBef>
+                        <a:spcAft>
+                          <a:spcPts val="0"/>
+                        </a:spcAft>
+                      </a:pPr>
+                      <a:r>
+                        <a:rPr lang="vi-VN" sz="1800" b="0" kern="1200" smtClean="0">
+                          <a:solidFill>
+                            <a:srgbClr val="000000"/>
+                          </a:solidFill>
+                          <a:effectLst/>
+                          <a:latin typeface="Times New Roman" panose="02020603050405020304" pitchFamily="18" charset="0"/>
+                          <a:ea typeface="+mn-ea"/>
+                          <a:cs typeface="Times New Roman" panose="02020603050405020304" pitchFamily="18" charset="0"/>
+                        </a:rPr>
+                        <a:t>- Tốc độ truyền thấp hơn UDP</a:t>
+                      </a:r>
+                      <a:endParaRPr lang="en-US" b="0"/>
+                    </a:p>
+                  </a:txBody>
+                  <a:tcPr>
+                    <a:solidFill>
+                      <a:schemeClr val="tx2">
+                        <a:lumMod val="20000"/>
+                        <a:lumOff val="80000"/>
+                      </a:schemeClr>
+                    </a:solidFill>
+                  </a:tcPr>
+                </a:tc>
+                <a:tc>
+                  <a:txBody>
+                    <a:bodyPr/>
+                    <a:lstStyle/>
+                    <a:p>
+                      <a:pPr marL="0" algn="ctr" rtl="0" eaLnBrk="1" latinLnBrk="0" hangingPunct="1">
+                        <a:spcBef>
+                          <a:spcPts val="0"/>
+                        </a:spcBef>
+                        <a:spcAft>
+                          <a:spcPts val="0"/>
+                        </a:spcAft>
+                      </a:pPr>
+                      <a:r>
+                        <a:rPr lang="vi-VN" sz="1800" b="1" kern="1200" smtClean="0">
+                          <a:solidFill>
+                            <a:srgbClr val="000000"/>
+                          </a:solidFill>
+                          <a:effectLst/>
+                          <a:latin typeface="Times New Roman" panose="02020603050405020304" pitchFamily="18" charset="0"/>
+                          <a:ea typeface="+mn-ea"/>
+                          <a:cs typeface="Times New Roman" panose="02020603050405020304" pitchFamily="18" charset="0"/>
+                        </a:rPr>
+                        <a:t>UDP: </a:t>
+                      </a:r>
+                      <a:r>
+                        <a:rPr lang="vi-VN" sz="1800" b="0" kern="1200" smtClean="0">
+                          <a:solidFill>
+                            <a:srgbClr val="000000"/>
+                          </a:solidFill>
+                          <a:effectLst/>
+                          <a:latin typeface="Times New Roman" panose="02020603050405020304" pitchFamily="18" charset="0"/>
+                          <a:ea typeface="+mn-ea"/>
+                          <a:cs typeface="Times New Roman" panose="02020603050405020304" pitchFamily="18" charset="0"/>
+                        </a:rPr>
+                        <a:t/>
+                      </a:r>
+                      <a:br>
+                        <a:rPr lang="vi-VN" sz="1800" b="0" kern="1200" smtClean="0">
+                          <a:solidFill>
+                            <a:srgbClr val="000000"/>
+                          </a:solidFill>
+                          <a:effectLst/>
+                          <a:latin typeface="Times New Roman" panose="02020603050405020304" pitchFamily="18" charset="0"/>
+                          <a:ea typeface="+mn-ea"/>
+                          <a:cs typeface="Times New Roman" panose="02020603050405020304" pitchFamily="18" charset="0"/>
+                        </a:rPr>
+                      </a:br>
+                      <a:r>
+                        <a:rPr lang="vi-VN" sz="1800" b="0" kern="1200" smtClean="0">
+                          <a:solidFill>
+                            <a:srgbClr val="000000"/>
+                          </a:solidFill>
+                          <a:effectLst/>
+                          <a:latin typeface="Times New Roman" panose="02020603050405020304" pitchFamily="18" charset="0"/>
+                          <a:ea typeface="+mn-ea"/>
+                          <a:cs typeface="Times New Roman" panose="02020603050405020304" pitchFamily="18" charset="0"/>
+                        </a:rPr>
+                        <a:t>- Dùng cho mạng LAN </a:t>
+                      </a:r>
+                      <a:br>
+                        <a:rPr lang="vi-VN" sz="1800" b="0" kern="1200" smtClean="0">
+                          <a:solidFill>
+                            <a:srgbClr val="000000"/>
+                          </a:solidFill>
+                          <a:effectLst/>
+                          <a:latin typeface="Times New Roman" panose="02020603050405020304" pitchFamily="18" charset="0"/>
+                          <a:ea typeface="+mn-ea"/>
+                          <a:cs typeface="Times New Roman" panose="02020603050405020304" pitchFamily="18" charset="0"/>
+                        </a:rPr>
+                      </a:br>
+                      <a:r>
+                        <a:rPr lang="vi-VN" sz="1800" b="0" kern="1200" smtClean="0">
+                          <a:solidFill>
+                            <a:srgbClr val="000000"/>
+                          </a:solidFill>
+                          <a:effectLst/>
+                          <a:latin typeface="Times New Roman" panose="02020603050405020304" pitchFamily="18" charset="0"/>
+                          <a:ea typeface="+mn-ea"/>
+                          <a:cs typeface="Times New Roman" panose="02020603050405020304" pitchFamily="18" charset="0"/>
+                        </a:rPr>
+                        <a:t>- Cho phép mất dữ liệu </a:t>
+                      </a:r>
+                      <a:br>
+                        <a:rPr lang="vi-VN" sz="1800" b="0" kern="1200" smtClean="0">
+                          <a:solidFill>
+                            <a:srgbClr val="000000"/>
+                          </a:solidFill>
+                          <a:effectLst/>
+                          <a:latin typeface="Times New Roman" panose="02020603050405020304" pitchFamily="18" charset="0"/>
+                          <a:ea typeface="+mn-ea"/>
+                          <a:cs typeface="Times New Roman" panose="02020603050405020304" pitchFamily="18" charset="0"/>
+                        </a:rPr>
+                      </a:br>
+                      <a:r>
+                        <a:rPr lang="vi-VN" sz="1800" b="0" kern="1200" smtClean="0">
+                          <a:solidFill>
+                            <a:srgbClr val="000000"/>
+                          </a:solidFill>
+                          <a:effectLst/>
+                          <a:latin typeface="Times New Roman" panose="02020603050405020304" pitchFamily="18" charset="0"/>
+                          <a:ea typeface="+mn-ea"/>
+                          <a:cs typeface="Times New Roman" panose="02020603050405020304" pitchFamily="18" charset="0"/>
+                        </a:rPr>
+                        <a:t>- Không đảm bảo.</a:t>
+                      </a:r>
+                      <a:br>
+                        <a:rPr lang="vi-VN" sz="1800" b="0" kern="1200" smtClean="0">
+                          <a:solidFill>
+                            <a:srgbClr val="000000"/>
+                          </a:solidFill>
+                          <a:effectLst/>
+                          <a:latin typeface="Times New Roman" panose="02020603050405020304" pitchFamily="18" charset="0"/>
+                          <a:ea typeface="+mn-ea"/>
+                          <a:cs typeface="Times New Roman" panose="02020603050405020304" pitchFamily="18" charset="0"/>
+                        </a:rPr>
+                      </a:br>
+                      <a:r>
+                        <a:rPr lang="vi-VN" sz="1800" b="0" kern="1200" smtClean="0">
+                          <a:solidFill>
+                            <a:srgbClr val="000000"/>
+                          </a:solidFill>
+                          <a:effectLst/>
+                          <a:latin typeface="Times New Roman" panose="02020603050405020304" pitchFamily="18" charset="0"/>
+                          <a:ea typeface="+mn-ea"/>
+                          <a:cs typeface="Times New Roman" panose="02020603050405020304" pitchFamily="18" charset="0"/>
+                        </a:rPr>
+                        <a:t>- Tốc độ truyền cao, VolP truyền tốt</a:t>
+                      </a:r>
+                      <a:r>
+                        <a:rPr lang="en-US" sz="1800" b="0" kern="1200" baseline="0" smtClean="0">
+                          <a:solidFill>
+                            <a:srgbClr val="000000"/>
+                          </a:solidFill>
+                          <a:effectLst/>
+                          <a:latin typeface="Times New Roman" panose="02020603050405020304" pitchFamily="18" charset="0"/>
+                          <a:ea typeface="+mn-ea"/>
+                          <a:cs typeface="Times New Roman" panose="02020603050405020304" pitchFamily="18" charset="0"/>
+                        </a:rPr>
+                        <a:t> </a:t>
+                      </a:r>
+                      <a:r>
+                        <a:rPr lang="vi-VN" sz="1800" b="0" kern="1200" smtClean="0">
+                          <a:solidFill>
+                            <a:srgbClr val="000000"/>
+                          </a:solidFill>
+                          <a:effectLst/>
+                          <a:latin typeface="Times New Roman" panose="02020603050405020304" pitchFamily="18" charset="0"/>
+                          <a:ea typeface="+mn-ea"/>
+                          <a:cs typeface="Times New Roman" panose="02020603050405020304" pitchFamily="18" charset="0"/>
+                        </a:rPr>
+                        <a:t>qua UDP</a:t>
+                      </a:r>
+                      <a:endParaRPr lang="en-US" b="0" smtClean="0">
+                        <a:effectLst/>
+                      </a:endParaRPr>
+                    </a:p>
+                    <a:p>
+                      <a:pPr algn="ctr"/>
+                      <a:endParaRPr lang="en-US" b="0"/>
+                    </a:p>
+                  </a:txBody>
+                  <a:tcPr>
+                    <a:solidFill>
+                      <a:schemeClr val="bg2">
+                        <a:lumMod val="60000"/>
+                        <a:lumOff val="40000"/>
+                      </a:schemeClr>
+                    </a:solidFill>
+                  </a:tcPr>
+                </a:tc>
+              </a:tr>
+            </a:tbl>
+          </a:graphicData>
+        </a:graphic>
+      </p:graphicFrame>
+    </p:spTree>
+    <p:extLst>
+      <p:ext uri="{BB962C8B-B14F-4D97-AF65-F5344CB8AC3E}">
+        <p14:creationId xmlns:p14="http://schemas.microsoft.com/office/powerpoint/2010/main" val="1238036469"/>
+      </p:ext>
+    </p:extLst>
+  </p:cSld>
+  <p:clrMapOvr>
+    <a:masterClrMapping/>
+  </p:clrMapOvr>
 </p:sld>
 </file>
 
